--- a/Document/게시용.pptx
+++ b/Document/게시용.pptx
@@ -288,7 +288,8 @@
           <a:p>
             <a:fld id="{77BE8CC3-C29E-4D71-98D6-9606B1C58EE3}" type="datetimeFigureOut">
               <a:rPr lang="ko-KR" altLang="en-US" smtClean="0"/>
-              <a:t>2017-09-14</a:t>
+              <a:pPr/>
+              <a:t>2017-09-18</a:t>
             </a:fld>
             <a:endParaRPr lang="ko-KR" altLang="en-US"/>
           </a:p>
@@ -330,6 +331,7 @@
           <a:p>
             <a:fld id="{CBC685F2-6A99-4B9A-BB01-D84BA10302CF}" type="slidenum">
               <a:rPr lang="ko-KR" altLang="en-US" smtClean="0"/>
+              <a:pPr/>
               <a:t>‹#›</a:t>
             </a:fld>
             <a:endParaRPr lang="ko-KR" altLang="en-US"/>
@@ -453,7 +455,8 @@
           <a:p>
             <a:fld id="{77BE8CC3-C29E-4D71-98D6-9606B1C58EE3}" type="datetimeFigureOut">
               <a:rPr lang="ko-KR" altLang="en-US" smtClean="0"/>
-              <a:t>2017-09-14</a:t>
+              <a:pPr/>
+              <a:t>2017-09-18</a:t>
             </a:fld>
             <a:endParaRPr lang="ko-KR" altLang="en-US"/>
           </a:p>
@@ -495,6 +498,7 @@
           <a:p>
             <a:fld id="{CBC685F2-6A99-4B9A-BB01-D84BA10302CF}" type="slidenum">
               <a:rPr lang="ko-KR" altLang="en-US" smtClean="0"/>
+              <a:pPr/>
               <a:t>‹#›</a:t>
             </a:fld>
             <a:endParaRPr lang="ko-KR" altLang="en-US"/>
@@ -628,7 +632,8 @@
           <a:p>
             <a:fld id="{77BE8CC3-C29E-4D71-98D6-9606B1C58EE3}" type="datetimeFigureOut">
               <a:rPr lang="ko-KR" altLang="en-US" smtClean="0"/>
-              <a:t>2017-09-14</a:t>
+              <a:pPr/>
+              <a:t>2017-09-18</a:t>
             </a:fld>
             <a:endParaRPr lang="ko-KR" altLang="en-US"/>
           </a:p>
@@ -670,6 +675,7 @@
           <a:p>
             <a:fld id="{CBC685F2-6A99-4B9A-BB01-D84BA10302CF}" type="slidenum">
               <a:rPr lang="ko-KR" altLang="en-US" smtClean="0"/>
+              <a:pPr/>
               <a:t>‹#›</a:t>
             </a:fld>
             <a:endParaRPr lang="ko-KR" altLang="en-US"/>
@@ -793,7 +799,8 @@
           <a:p>
             <a:fld id="{77BE8CC3-C29E-4D71-98D6-9606B1C58EE3}" type="datetimeFigureOut">
               <a:rPr lang="ko-KR" altLang="en-US" smtClean="0"/>
-              <a:t>2017-09-14</a:t>
+              <a:pPr/>
+              <a:t>2017-09-18</a:t>
             </a:fld>
             <a:endParaRPr lang="ko-KR" altLang="en-US"/>
           </a:p>
@@ -835,6 +842,7 @@
           <a:p>
             <a:fld id="{CBC685F2-6A99-4B9A-BB01-D84BA10302CF}" type="slidenum">
               <a:rPr lang="ko-KR" altLang="en-US" smtClean="0"/>
+              <a:pPr/>
               <a:t>‹#›</a:t>
             </a:fld>
             <a:endParaRPr lang="ko-KR" altLang="en-US"/>
@@ -1034,7 +1042,8 @@
           <a:p>
             <a:fld id="{77BE8CC3-C29E-4D71-98D6-9606B1C58EE3}" type="datetimeFigureOut">
               <a:rPr lang="ko-KR" altLang="en-US" smtClean="0"/>
-              <a:t>2017-09-14</a:t>
+              <a:pPr/>
+              <a:t>2017-09-18</a:t>
             </a:fld>
             <a:endParaRPr lang="ko-KR" altLang="en-US"/>
           </a:p>
@@ -1076,6 +1085,7 @@
           <a:p>
             <a:fld id="{CBC685F2-6A99-4B9A-BB01-D84BA10302CF}" type="slidenum">
               <a:rPr lang="ko-KR" altLang="en-US" smtClean="0"/>
+              <a:pPr/>
               <a:t>‹#›</a:t>
             </a:fld>
             <a:endParaRPr lang="ko-KR" altLang="en-US"/>
@@ -1317,7 +1327,8 @@
           <a:p>
             <a:fld id="{77BE8CC3-C29E-4D71-98D6-9606B1C58EE3}" type="datetimeFigureOut">
               <a:rPr lang="ko-KR" altLang="en-US" smtClean="0"/>
-              <a:t>2017-09-14</a:t>
+              <a:pPr/>
+              <a:t>2017-09-18</a:t>
             </a:fld>
             <a:endParaRPr lang="ko-KR" altLang="en-US"/>
           </a:p>
@@ -1359,6 +1370,7 @@
           <a:p>
             <a:fld id="{CBC685F2-6A99-4B9A-BB01-D84BA10302CF}" type="slidenum">
               <a:rPr lang="ko-KR" altLang="en-US" smtClean="0"/>
+              <a:pPr/>
               <a:t>‹#›</a:t>
             </a:fld>
             <a:endParaRPr lang="ko-KR" altLang="en-US"/>
@@ -1734,7 +1746,8 @@
           <a:p>
             <a:fld id="{77BE8CC3-C29E-4D71-98D6-9606B1C58EE3}" type="datetimeFigureOut">
               <a:rPr lang="ko-KR" altLang="en-US" smtClean="0"/>
-              <a:t>2017-09-14</a:t>
+              <a:pPr/>
+              <a:t>2017-09-18</a:t>
             </a:fld>
             <a:endParaRPr lang="ko-KR" altLang="en-US"/>
           </a:p>
@@ -1776,6 +1789,7 @@
           <a:p>
             <a:fld id="{CBC685F2-6A99-4B9A-BB01-D84BA10302CF}" type="slidenum">
               <a:rPr lang="ko-KR" altLang="en-US" smtClean="0"/>
+              <a:pPr/>
               <a:t>‹#›</a:t>
             </a:fld>
             <a:endParaRPr lang="ko-KR" altLang="en-US"/>
@@ -1847,7 +1861,8 @@
           <a:p>
             <a:fld id="{77BE8CC3-C29E-4D71-98D6-9606B1C58EE3}" type="datetimeFigureOut">
               <a:rPr lang="ko-KR" altLang="en-US" smtClean="0"/>
-              <a:t>2017-09-14</a:t>
+              <a:pPr/>
+              <a:t>2017-09-18</a:t>
             </a:fld>
             <a:endParaRPr lang="ko-KR" altLang="en-US"/>
           </a:p>
@@ -1889,6 +1904,7 @@
           <a:p>
             <a:fld id="{CBC685F2-6A99-4B9A-BB01-D84BA10302CF}" type="slidenum">
               <a:rPr lang="ko-KR" altLang="en-US" smtClean="0"/>
+              <a:pPr/>
               <a:t>‹#›</a:t>
             </a:fld>
             <a:endParaRPr lang="ko-KR" altLang="en-US"/>
@@ -1937,7 +1953,8 @@
           <a:p>
             <a:fld id="{77BE8CC3-C29E-4D71-98D6-9606B1C58EE3}" type="datetimeFigureOut">
               <a:rPr lang="ko-KR" altLang="en-US" smtClean="0"/>
-              <a:t>2017-09-14</a:t>
+              <a:pPr/>
+              <a:t>2017-09-18</a:t>
             </a:fld>
             <a:endParaRPr lang="ko-KR" altLang="en-US"/>
           </a:p>
@@ -1979,6 +1996,7 @@
           <a:p>
             <a:fld id="{CBC685F2-6A99-4B9A-BB01-D84BA10302CF}" type="slidenum">
               <a:rPr lang="ko-KR" altLang="en-US" smtClean="0"/>
+              <a:pPr/>
               <a:t>‹#›</a:t>
             </a:fld>
             <a:endParaRPr lang="ko-KR" altLang="en-US"/>
@@ -2209,7 +2227,8 @@
           <a:p>
             <a:fld id="{77BE8CC3-C29E-4D71-98D6-9606B1C58EE3}" type="datetimeFigureOut">
               <a:rPr lang="ko-KR" altLang="en-US" smtClean="0"/>
-              <a:t>2017-09-14</a:t>
+              <a:pPr/>
+              <a:t>2017-09-18</a:t>
             </a:fld>
             <a:endParaRPr lang="ko-KR" altLang="en-US"/>
           </a:p>
@@ -2251,6 +2270,7 @@
           <a:p>
             <a:fld id="{CBC685F2-6A99-4B9A-BB01-D84BA10302CF}" type="slidenum">
               <a:rPr lang="ko-KR" altLang="en-US" smtClean="0"/>
+              <a:pPr/>
               <a:t>‹#›</a:t>
             </a:fld>
             <a:endParaRPr lang="ko-KR" altLang="en-US"/>
@@ -2457,7 +2477,8 @@
           <a:p>
             <a:fld id="{77BE8CC3-C29E-4D71-98D6-9606B1C58EE3}" type="datetimeFigureOut">
               <a:rPr lang="ko-KR" altLang="en-US" smtClean="0"/>
-              <a:t>2017-09-14</a:t>
+              <a:pPr/>
+              <a:t>2017-09-18</a:t>
             </a:fld>
             <a:endParaRPr lang="ko-KR" altLang="en-US"/>
           </a:p>
@@ -2499,6 +2520,7 @@
           <a:p>
             <a:fld id="{CBC685F2-6A99-4B9A-BB01-D84BA10302CF}" type="slidenum">
               <a:rPr lang="ko-KR" altLang="en-US" smtClean="0"/>
+              <a:pPr/>
               <a:t>‹#›</a:t>
             </a:fld>
             <a:endParaRPr lang="ko-KR" altLang="en-US"/>
@@ -2665,7 +2687,8 @@
           <a:p>
             <a:fld id="{77BE8CC3-C29E-4D71-98D6-9606B1C58EE3}" type="datetimeFigureOut">
               <a:rPr lang="ko-KR" altLang="en-US" smtClean="0"/>
-              <a:t>2017-09-14</a:t>
+              <a:pPr/>
+              <a:t>2017-09-18</a:t>
             </a:fld>
             <a:endParaRPr lang="ko-KR" altLang="en-US"/>
           </a:p>
@@ -2743,6 +2766,7 @@
           <a:p>
             <a:fld id="{CBC685F2-6A99-4B9A-BB01-D84BA10302CF}" type="slidenum">
               <a:rPr lang="ko-KR" altLang="en-US" smtClean="0"/>
+              <a:pPr/>
               <a:t>‹#›</a:t>
             </a:fld>
             <a:endParaRPr lang="ko-KR" altLang="en-US"/>
@@ -3037,202 +3061,6 @@
       </p:grpSpPr>
       <p:sp>
         <p:nvSpPr>
-          <p:cNvPr id="4" name="직사각형 3"/>
-          <p:cNvSpPr/>
-          <p:nvPr/>
-        </p:nvSpPr>
-        <p:spPr>
-          <a:xfrm>
-            <a:off x="540000" y="540000"/>
-            <a:ext cx="25128000" cy="36000000"/>
-          </a:xfrm>
-          <a:prstGeom prst="rect">
-            <a:avLst/>
-          </a:prstGeom>
-          <a:solidFill>
-            <a:schemeClr val="bg1"/>
-          </a:solidFill>
-        </p:spPr>
-        <p:style>
-          <a:lnRef idx="2">
-            <a:schemeClr val="accent1">
-              <a:shade val="50000"/>
-            </a:schemeClr>
-          </a:lnRef>
-          <a:fillRef idx="1">
-            <a:schemeClr val="accent1"/>
-          </a:fillRef>
-          <a:effectRef idx="0">
-            <a:schemeClr val="accent1"/>
-          </a:effectRef>
-          <a:fontRef idx="minor">
-            <a:schemeClr val="lt1"/>
-          </a:fontRef>
-        </p:style>
-        <p:txBody>
-          <a:bodyPr rtlCol="0" anchor="ctr"/>
-          <a:lstStyle/>
-          <a:p>
-            <a:pPr algn="ctr"/>
-            <a:endParaRPr lang="ko-KR" altLang="en-US" sz="6000" b="1" dirty="0">
-              <a:latin typeface="KoPub돋움체 Light" pitchFamily="2" charset="-127"/>
-              <a:ea typeface="KoPub돋움체 Light" pitchFamily="2" charset="-127"/>
-            </a:endParaRPr>
-          </a:p>
-        </p:txBody>
-      </p:sp>
-      <p:pic>
-        <p:nvPicPr>
-          <p:cNvPr id="33" name="그림 32" descr="게시용_알파고.jpg"/>
-          <p:cNvPicPr>
-            <a:picLocks noChangeAspect="1"/>
-          </p:cNvPicPr>
-          <p:nvPr/>
-        </p:nvPicPr>
-        <p:blipFill>
-          <a:blip r:embed="rId2"/>
-          <a:stretch>
-            <a:fillRect/>
-          </a:stretch>
-        </p:blipFill>
-        <p:spPr>
-          <a:xfrm>
-            <a:off x="3461476" y="5468846"/>
-            <a:ext cx="6858048" cy="4241830"/>
-          </a:xfrm>
-          <a:prstGeom prst="rect">
-            <a:avLst/>
-          </a:prstGeom>
-        </p:spPr>
-      </p:pic>
-      <p:sp>
-        <p:nvSpPr>
-          <p:cNvPr id="6" name="직사각형 5"/>
-          <p:cNvSpPr/>
-          <p:nvPr/>
-        </p:nvSpPr>
-        <p:spPr>
-          <a:xfrm>
-            <a:off x="532518" y="539623"/>
-            <a:ext cx="25146176" cy="4357719"/>
-          </a:xfrm>
-          <a:prstGeom prst="rect">
-            <a:avLst/>
-          </a:prstGeom>
-          <a:noFill/>
-        </p:spPr>
-        <p:style>
-          <a:lnRef idx="2">
-            <a:schemeClr val="accent1">
-              <a:shade val="50000"/>
-            </a:schemeClr>
-          </a:lnRef>
-          <a:fillRef idx="1">
-            <a:schemeClr val="accent1"/>
-          </a:fillRef>
-          <a:effectRef idx="0">
-            <a:schemeClr val="accent1"/>
-          </a:effectRef>
-          <a:fontRef idx="minor">
-            <a:schemeClr val="lt1"/>
-          </a:fontRef>
-        </p:style>
-        <p:txBody>
-          <a:bodyPr rtlCol="0" anchor="ctr"/>
-          <a:lstStyle/>
-          <a:p>
-            <a:pPr algn="ctr"/>
-            <a:endParaRPr lang="ko-KR" altLang="en-US">
-              <a:latin typeface="KoPub돋움체 Light" pitchFamily="2" charset="-127"/>
-              <a:ea typeface="KoPub돋움체 Light" pitchFamily="2" charset="-127"/>
-            </a:endParaRPr>
-          </a:p>
-        </p:txBody>
-      </p:sp>
-      <p:sp>
-        <p:nvSpPr>
-          <p:cNvPr id="7" name="직사각형 6"/>
-          <p:cNvSpPr/>
-          <p:nvPr/>
-        </p:nvSpPr>
-        <p:spPr>
-          <a:xfrm>
-            <a:off x="532518" y="4897342"/>
-            <a:ext cx="12573088" cy="31647034"/>
-          </a:xfrm>
-          <a:prstGeom prst="rect">
-            <a:avLst/>
-          </a:prstGeom>
-          <a:noFill/>
-        </p:spPr>
-        <p:style>
-          <a:lnRef idx="2">
-            <a:schemeClr val="accent1">
-              <a:shade val="50000"/>
-            </a:schemeClr>
-          </a:lnRef>
-          <a:fillRef idx="1">
-            <a:schemeClr val="accent1"/>
-          </a:fillRef>
-          <a:effectRef idx="0">
-            <a:schemeClr val="accent1"/>
-          </a:effectRef>
-          <a:fontRef idx="minor">
-            <a:schemeClr val="lt1"/>
-          </a:fontRef>
-        </p:style>
-        <p:txBody>
-          <a:bodyPr rtlCol="0" anchor="ctr"/>
-          <a:lstStyle/>
-          <a:p>
-            <a:pPr algn="ctr"/>
-            <a:endParaRPr lang="ko-KR" altLang="en-US"/>
-          </a:p>
-        </p:txBody>
-      </p:sp>
-      <p:sp>
-        <p:nvSpPr>
-          <p:cNvPr id="8" name="직사각형 7"/>
-          <p:cNvSpPr/>
-          <p:nvPr/>
-        </p:nvSpPr>
-        <p:spPr>
-          <a:xfrm>
-            <a:off x="13105606" y="4897342"/>
-            <a:ext cx="12573088" cy="31647034"/>
-          </a:xfrm>
-          <a:prstGeom prst="rect">
-            <a:avLst/>
-          </a:prstGeom>
-          <a:noFill/>
-        </p:spPr>
-        <p:style>
-          <a:lnRef idx="2">
-            <a:schemeClr val="accent1">
-              <a:shade val="50000"/>
-            </a:schemeClr>
-          </a:lnRef>
-          <a:fillRef idx="1">
-            <a:schemeClr val="accent1"/>
-          </a:fillRef>
-          <a:effectRef idx="0">
-            <a:schemeClr val="accent1"/>
-          </a:effectRef>
-          <a:fontRef idx="minor">
-            <a:schemeClr val="lt1"/>
-          </a:fontRef>
-        </p:style>
-        <p:txBody>
-          <a:bodyPr rtlCol="0" anchor="ctr"/>
-          <a:lstStyle/>
-          <a:p>
-            <a:pPr algn="ctr"/>
-            <a:endParaRPr lang="ko-KR" altLang="en-US"/>
-          </a:p>
-        </p:txBody>
-      </p:sp>
-      <p:sp>
-        <p:nvSpPr>
           <p:cNvPr id="9" name="TextBox 8"/>
           <p:cNvSpPr txBox="1"/>
           <p:nvPr/>
@@ -3379,99 +3207,6 @@
           <a:lstStyle/>
           <a:p>
             <a:endParaRPr lang="ko-KR" altLang="en-US">
-              <a:latin typeface="KoPub돋움체 Light" pitchFamily="2" charset="-127"/>
-              <a:ea typeface="KoPub돋움체 Light" pitchFamily="2" charset="-127"/>
-            </a:endParaRPr>
-          </a:p>
-        </p:txBody>
-      </p:sp>
-      <p:sp>
-        <p:nvSpPr>
-          <p:cNvPr id="17" name="TextBox 16"/>
-          <p:cNvSpPr txBox="1"/>
-          <p:nvPr/>
-        </p:nvSpPr>
-        <p:spPr>
-          <a:xfrm>
-            <a:off x="1818402" y="3327682"/>
-            <a:ext cx="22645846" cy="1569660"/>
-          </a:xfrm>
-          <a:prstGeom prst="rect">
-            <a:avLst/>
-          </a:prstGeom>
-          <a:noFill/>
-        </p:spPr>
-        <p:txBody>
-          <a:bodyPr wrap="square" rtlCol="0">
-            <a:spAutoFit/>
-          </a:bodyPr>
-          <a:lstStyle/>
-          <a:p>
-            <a:pPr algn="r"/>
-            <a:r>
-              <a:rPr lang="ko-KR" altLang="en-US" sz="4800" dirty="0" err="1" smtClean="0">
-                <a:latin typeface="KoPub돋움체 Light" pitchFamily="2" charset="-127"/>
-                <a:ea typeface="KoPub돋움체 Light" pitchFamily="2" charset="-127"/>
-              </a:rPr>
-              <a:t>염경중학교</a:t>
-            </a:r>
-            <a:r>
-              <a:rPr lang="ko-KR" altLang="en-US" sz="4800" dirty="0" smtClean="0">
-                <a:latin typeface="KoPub돋움체 Light" pitchFamily="2" charset="-127"/>
-                <a:ea typeface="KoPub돋움체 Light" pitchFamily="2" charset="-127"/>
-              </a:rPr>
-              <a:t> </a:t>
-            </a:r>
-            <a:r>
-              <a:rPr lang="en-US" altLang="ko-KR" sz="4800" dirty="0" smtClean="0">
-                <a:latin typeface="KoPub돋움체 Light" pitchFamily="2" charset="-127"/>
-                <a:ea typeface="KoPub돋움체 Light" pitchFamily="2" charset="-127"/>
-              </a:rPr>
-              <a:t>2</a:t>
-            </a:r>
-            <a:r>
-              <a:rPr lang="ko-KR" altLang="en-US" sz="4800" dirty="0" smtClean="0">
-                <a:latin typeface="KoPub돋움체 Light" pitchFamily="2" charset="-127"/>
-                <a:ea typeface="KoPub돋움체 Light" pitchFamily="2" charset="-127"/>
-              </a:rPr>
-              <a:t>학년 강준서</a:t>
-            </a:r>
-            <a:endParaRPr lang="en-US" altLang="ko-KR" sz="4800" dirty="0" smtClean="0">
-              <a:latin typeface="KoPub돋움체 Light" pitchFamily="2" charset="-127"/>
-              <a:ea typeface="KoPub돋움체 Light" pitchFamily="2" charset="-127"/>
-            </a:endParaRPr>
-          </a:p>
-          <a:p>
-            <a:pPr algn="r"/>
-            <a:r>
-              <a:rPr lang="ko-KR" altLang="en-US" sz="4800" dirty="0" err="1" smtClean="0">
-                <a:latin typeface="KoPub돋움체 Light" pitchFamily="2" charset="-127"/>
-                <a:ea typeface="KoPub돋움체 Light" pitchFamily="2" charset="-127"/>
-              </a:rPr>
-              <a:t>염경중학교</a:t>
-            </a:r>
-            <a:r>
-              <a:rPr lang="ko-KR" altLang="en-US" sz="4800" dirty="0" smtClean="0">
-                <a:latin typeface="KoPub돋움체 Light" pitchFamily="2" charset="-127"/>
-                <a:ea typeface="KoPub돋움체 Light" pitchFamily="2" charset="-127"/>
-              </a:rPr>
-              <a:t> </a:t>
-            </a:r>
-            <a:r>
-              <a:rPr lang="en-US" altLang="ko-KR" sz="4800" dirty="0" smtClean="0">
-                <a:latin typeface="KoPub돋움체 Light" pitchFamily="2" charset="-127"/>
-                <a:ea typeface="KoPub돋움체 Light" pitchFamily="2" charset="-127"/>
-              </a:rPr>
-              <a:t>2</a:t>
-            </a:r>
-            <a:r>
-              <a:rPr lang="ko-KR" altLang="en-US" sz="4800" dirty="0" smtClean="0">
-                <a:latin typeface="KoPub돋움체 Light" pitchFamily="2" charset="-127"/>
-                <a:ea typeface="KoPub돋움체 Light" pitchFamily="2" charset="-127"/>
-              </a:rPr>
-              <a:t>학년 이유진</a:t>
-            </a:r>
-            <a:endParaRPr lang="ko-KR" altLang="en-US" sz="4800" dirty="0">
               <a:latin typeface="KoPub돋움체 Light" pitchFamily="2" charset="-127"/>
               <a:ea typeface="KoPub돋움체 Light" pitchFamily="2" charset="-127"/>
             </a:endParaRPr>
@@ -3594,7 +3329,7 @@
                   <a:latin typeface="KoPub돋움체 Bold" pitchFamily="2" charset="-127"/>
                   <a:ea typeface="KoPub돋움체 Bold" pitchFamily="2" charset="-127"/>
                 </a:rPr>
-                <a:t>탐구의 동기</a:t>
+                <a:t>탐구의 동기 및 목적</a:t>
               </a:r>
               <a:endParaRPr lang="ko-KR" altLang="en-US" sz="5400" dirty="0">
                 <a:latin typeface="KoPub돋움체 Bold" pitchFamily="2" charset="-127"/>
@@ -3612,8 +3347,8 @@
         </p:nvSpPr>
         <p:spPr>
           <a:xfrm>
-            <a:off x="889708" y="10255192"/>
-            <a:ext cx="11930146" cy="4031873"/>
+            <a:off x="889708" y="9397936"/>
+            <a:ext cx="11930146" cy="4832092"/>
           </a:xfrm>
           <a:prstGeom prst="rect">
             <a:avLst/>
@@ -3627,237 +3362,314 @@
           <a:lstStyle/>
           <a:p>
             <a:r>
-              <a:rPr lang="ko-KR" altLang="en-US" sz="3200" dirty="0" smtClean="0">
-                <a:latin typeface="KoPub돋움체 Light" pitchFamily="2" charset="-127"/>
-                <a:ea typeface="KoPub돋움체 Light" pitchFamily="2" charset="-127"/>
-              </a:rPr>
-              <a:t>지난 </a:t>
-            </a:r>
-            <a:r>
-              <a:rPr lang="en-US" altLang="ko-KR" sz="3200" dirty="0" smtClean="0">
-                <a:latin typeface="KoPub돋움체 Light" pitchFamily="2" charset="-127"/>
-                <a:ea typeface="KoPub돋움체 Light" pitchFamily="2" charset="-127"/>
-              </a:rPr>
-              <a:t>2016</a:t>
-            </a:r>
-            <a:r>
-              <a:rPr lang="ko-KR" altLang="en-US" sz="3200" dirty="0" smtClean="0">
-                <a:latin typeface="KoPub돋움체 Light" pitchFamily="2" charset="-127"/>
-                <a:ea typeface="KoPub돋움체 Light" pitchFamily="2" charset="-127"/>
-              </a:rPr>
-              <a:t>년</a:t>
-            </a:r>
-            <a:r>
-              <a:rPr lang="en-US" altLang="ko-KR" sz="3200" dirty="0" smtClean="0">
+              <a:rPr lang="ko-KR" altLang="en-US" sz="2800" dirty="0" smtClean="0">
+                <a:latin typeface="KoPub돋움체 Light" pitchFamily="2" charset="-127"/>
+                <a:ea typeface="KoPub돋움체 Light" pitchFamily="2" charset="-127"/>
+              </a:rPr>
+              <a:t> 바야흐로 </a:t>
+            </a:r>
+            <a:r>
+              <a:rPr lang="ko-KR" altLang="en-US" sz="2800" dirty="0" smtClean="0">
+                <a:latin typeface="KoPub돋움체 Light" pitchFamily="2" charset="-127"/>
+                <a:ea typeface="KoPub돋움체 Light" pitchFamily="2" charset="-127"/>
+              </a:rPr>
+              <a:t>인공지능의 시대이다</a:t>
+            </a:r>
+            <a:r>
+              <a:rPr lang="en-US" altLang="ko-KR" sz="2800" dirty="0" smtClean="0">
+                <a:latin typeface="KoPub돋움체 Light" pitchFamily="2" charset="-127"/>
+                <a:ea typeface="KoPub돋움체 Light" pitchFamily="2" charset="-127"/>
+              </a:rPr>
+              <a:t>. </a:t>
+            </a:r>
+            <a:r>
+              <a:rPr lang="ko-KR" altLang="en-US" sz="2800" dirty="0" smtClean="0">
+                <a:latin typeface="KoPub돋움체 Light" pitchFamily="2" charset="-127"/>
+                <a:ea typeface="KoPub돋움체 Light" pitchFamily="2" charset="-127"/>
+              </a:rPr>
+              <a:t>여러 번의 침체기를 지나 지금은 가장 빠르게 발달하고 있는 분야 중 하나인 인공지능은</a:t>
+            </a:r>
+            <a:r>
+              <a:rPr lang="en-US" altLang="ko-KR" sz="2800" dirty="0" smtClean="0">
+                <a:latin typeface="KoPub돋움체 Light" pitchFamily="2" charset="-127"/>
+                <a:ea typeface="KoPub돋움체 Light" pitchFamily="2" charset="-127"/>
+              </a:rPr>
+              <a:t>, SNS, </a:t>
+            </a:r>
+            <a:r>
+              <a:rPr lang="ko-KR" altLang="en-US" sz="2800" dirty="0" smtClean="0">
+                <a:latin typeface="KoPub돋움체 Light" pitchFamily="2" charset="-127"/>
+                <a:ea typeface="KoPub돋움체 Light" pitchFamily="2" charset="-127"/>
+              </a:rPr>
+              <a:t>인터넷과 같은 곳에서 우리에게 맞춤 정보를 제공하고 가상 비서역할을 하는 등 우리 생활과 밀접한 관련이 있다</a:t>
+            </a:r>
+            <a:r>
+              <a:rPr lang="en-US" altLang="ko-KR" sz="2800" dirty="0" smtClean="0">
+                <a:latin typeface="KoPub돋움체 Light" pitchFamily="2" charset="-127"/>
+                <a:ea typeface="KoPub돋움체 Light" pitchFamily="2" charset="-127"/>
+              </a:rPr>
+              <a:t>. </a:t>
+            </a:r>
+            <a:r>
+              <a:rPr lang="ko-KR" altLang="en-US" sz="2800" dirty="0" smtClean="0">
+                <a:latin typeface="KoPub돋움체 Light" pitchFamily="2" charset="-127"/>
+                <a:ea typeface="KoPub돋움체 Light" pitchFamily="2" charset="-127"/>
+              </a:rPr>
+              <a:t>게다가 </a:t>
+            </a:r>
+            <a:r>
+              <a:rPr lang="ko-KR" altLang="en-US" sz="2800" dirty="0" err="1" smtClean="0">
+                <a:latin typeface="KoPub돋움체 Light" pitchFamily="2" charset="-127"/>
+                <a:ea typeface="KoPub돋움체 Light" pitchFamily="2" charset="-127"/>
+              </a:rPr>
+              <a:t>알파고와</a:t>
+            </a:r>
+            <a:r>
+              <a:rPr lang="ko-KR" altLang="en-US" sz="2800" dirty="0" smtClean="0">
+                <a:latin typeface="KoPub돋움체 Light" pitchFamily="2" charset="-127"/>
+                <a:ea typeface="KoPub돋움체 Light" pitchFamily="2" charset="-127"/>
+              </a:rPr>
+              <a:t> </a:t>
+            </a:r>
+            <a:r>
+              <a:rPr lang="ko-KR" altLang="en-US" sz="2800" dirty="0" err="1" smtClean="0">
+                <a:latin typeface="KoPub돋움체 Light" pitchFamily="2" charset="-127"/>
+                <a:ea typeface="KoPub돋움체 Light" pitchFamily="2" charset="-127"/>
+              </a:rPr>
+              <a:t>이세돌의</a:t>
+            </a:r>
+            <a:r>
+              <a:rPr lang="ko-KR" altLang="en-US" sz="2800" dirty="0" smtClean="0">
+                <a:latin typeface="KoPub돋움체 Light" pitchFamily="2" charset="-127"/>
+                <a:ea typeface="KoPub돋움체 Light" pitchFamily="2" charset="-127"/>
+              </a:rPr>
+              <a:t> 대국은 수많은 사람들을</a:t>
+            </a:r>
+            <a:r>
+              <a:rPr lang="en-US" altLang="ko-KR" sz="2800" dirty="0" smtClean="0">
                 <a:latin typeface="KoPub돋움체 Light" pitchFamily="2" charset="-127"/>
                 <a:ea typeface="KoPub돋움체 Light" pitchFamily="2" charset="-127"/>
               </a:rPr>
               <a:t>, </a:t>
             </a:r>
             <a:r>
-              <a:rPr lang="en-US" altLang="ko-KR" sz="3200" dirty="0" err="1" smtClean="0">
-                <a:latin typeface="KoPub돋움체 Light" pitchFamily="2" charset="-127"/>
-                <a:ea typeface="KoPub돋움체 Light" pitchFamily="2" charset="-127"/>
-              </a:rPr>
-              <a:t>DeepMind</a:t>
-            </a:r>
-            <a:r>
-              <a:rPr lang="ko-KR" altLang="en-US" sz="3200" dirty="0" smtClean="0">
-                <a:latin typeface="KoPub돋움체 Light" pitchFamily="2" charset="-127"/>
-                <a:ea typeface="KoPub돋움체 Light" pitchFamily="2" charset="-127"/>
-              </a:rPr>
-              <a:t>의 딥러닝 기반 바둑 인공지능 </a:t>
-            </a:r>
-            <a:r>
-              <a:rPr lang="en-US" altLang="ko-KR" sz="3200" dirty="0" smtClean="0">
-                <a:latin typeface="KoPub돋움체 Light" pitchFamily="2" charset="-127"/>
-                <a:ea typeface="KoPub돋움체 Light" pitchFamily="2" charset="-127"/>
-              </a:rPr>
-              <a:t>Alpha Go</a:t>
-            </a:r>
-            <a:r>
-              <a:rPr lang="ko-KR" altLang="en-US" sz="3200" dirty="0" smtClean="0">
-                <a:latin typeface="KoPub돋움체 Light" pitchFamily="2" charset="-127"/>
-                <a:ea typeface="KoPub돋움체 Light" pitchFamily="2" charset="-127"/>
-              </a:rPr>
-              <a:t>와 이세돌 </a:t>
-            </a:r>
-            <a:r>
-              <a:rPr lang="en-US" altLang="ko-KR" sz="3200" dirty="0" smtClean="0">
-                <a:latin typeface="KoPub돋움체 Light" pitchFamily="2" charset="-127"/>
-                <a:ea typeface="KoPub돋움체 Light" pitchFamily="2" charset="-127"/>
-              </a:rPr>
-              <a:t>9</a:t>
-            </a:r>
-            <a:r>
-              <a:rPr lang="ko-KR" altLang="en-US" sz="3200" dirty="0" smtClean="0">
-                <a:latin typeface="KoPub돋움체 Light" pitchFamily="2" charset="-127"/>
-                <a:ea typeface="KoPub돋움체 Light" pitchFamily="2" charset="-127"/>
-              </a:rPr>
-              <a:t>단의 대국은 수많은 사람들을</a:t>
-            </a:r>
-            <a:r>
-              <a:rPr lang="en-US" altLang="ko-KR" sz="3200" dirty="0" smtClean="0">
+              <a:rPr lang="ko-KR" altLang="en-US" sz="2800" dirty="0" smtClean="0">
+                <a:latin typeface="KoPub돋움체 Light" pitchFamily="2" charset="-127"/>
+                <a:ea typeface="KoPub돋움체 Light" pitchFamily="2" charset="-127"/>
+              </a:rPr>
+              <a:t>정치가들을</a:t>
+            </a:r>
+            <a:r>
+              <a:rPr lang="en-US" altLang="ko-KR" sz="2800" dirty="0" smtClean="0">
                 <a:latin typeface="KoPub돋움체 Light" pitchFamily="2" charset="-127"/>
                 <a:ea typeface="KoPub돋움체 Light" pitchFamily="2" charset="-127"/>
               </a:rPr>
               <a:t>, </a:t>
             </a:r>
             <a:r>
-              <a:rPr lang="ko-KR" altLang="en-US" sz="3200" dirty="0" smtClean="0">
-                <a:latin typeface="KoPub돋움체 Light" pitchFamily="2" charset="-127"/>
-                <a:ea typeface="KoPub돋움체 Light" pitchFamily="2" charset="-127"/>
-              </a:rPr>
-              <a:t>정치가들을</a:t>
-            </a:r>
-            <a:r>
-              <a:rPr lang="en-US" altLang="ko-KR" sz="3200" dirty="0" smtClean="0">
+              <a:rPr lang="ko-KR" altLang="en-US" sz="2800" dirty="0" smtClean="0">
+                <a:latin typeface="KoPub돋움체 Light" pitchFamily="2" charset="-127"/>
+                <a:ea typeface="KoPub돋움체 Light" pitchFamily="2" charset="-127"/>
+              </a:rPr>
+              <a:t>기업가들을 인공지능이라는 가능성에 희망을 품게 만들었다</a:t>
+            </a:r>
+            <a:r>
+              <a:rPr lang="en-US" altLang="ko-KR" sz="2800" dirty="0" smtClean="0">
+                <a:latin typeface="KoPub돋움체 Light" pitchFamily="2" charset="-127"/>
+                <a:ea typeface="KoPub돋움체 Light" pitchFamily="2" charset="-127"/>
+              </a:rPr>
+              <a:t>. </a:t>
+            </a:r>
+            <a:r>
+              <a:rPr lang="ko-KR" altLang="en-US" sz="2800" dirty="0" smtClean="0">
+                <a:latin typeface="KoPub돋움체 Light" pitchFamily="2" charset="-127"/>
+                <a:ea typeface="KoPub돋움체 Light" pitchFamily="2" charset="-127"/>
+              </a:rPr>
+              <a:t>단순히 </a:t>
+            </a:r>
+            <a:r>
+              <a:rPr lang="ko-KR" altLang="en-US" sz="2800" dirty="0" smtClean="0">
+                <a:latin typeface="KoPub돋움체 Light" pitchFamily="2" charset="-127"/>
+                <a:ea typeface="KoPub돋움체 Light" pitchFamily="2" charset="-127"/>
+              </a:rPr>
+              <a:t>인공지능의 사회적 파급효과만이 아닌 그 원리와 역사</a:t>
+            </a:r>
+            <a:r>
+              <a:rPr lang="en-US" altLang="ko-KR" sz="2800" dirty="0" smtClean="0">
                 <a:latin typeface="KoPub돋움체 Light" pitchFamily="2" charset="-127"/>
                 <a:ea typeface="KoPub돋움체 Light" pitchFamily="2" charset="-127"/>
               </a:rPr>
               <a:t>, </a:t>
             </a:r>
             <a:r>
-              <a:rPr lang="ko-KR" altLang="en-US" sz="3200" dirty="0" smtClean="0">
-                <a:latin typeface="KoPub돋움체 Light" pitchFamily="2" charset="-127"/>
-                <a:ea typeface="KoPub돋움체 Light" pitchFamily="2" charset="-127"/>
-              </a:rPr>
-              <a:t>기업가들을 인공지능이라는 가능성에 희망 을 품게 만들었다</a:t>
-            </a:r>
-            <a:r>
-              <a:rPr lang="en-US" altLang="ko-KR" sz="3200" dirty="0" smtClean="0">
+              <a:rPr lang="ko-KR" altLang="en-US" sz="2800" dirty="0" smtClean="0">
+                <a:latin typeface="KoPub돋움체 Light" pitchFamily="2" charset="-127"/>
+                <a:ea typeface="KoPub돋움체 Light" pitchFamily="2" charset="-127"/>
+              </a:rPr>
+              <a:t>그리고 나아가 어떻게 하면 그 성능을 더 </a:t>
+            </a:r>
+            <a:r>
+              <a:rPr lang="ko-KR" altLang="en-US" sz="2800" dirty="0" smtClean="0">
+                <a:latin typeface="KoPub돋움체 Light" pitchFamily="2" charset="-127"/>
+                <a:ea typeface="KoPub돋움체 Light" pitchFamily="2" charset="-127"/>
+              </a:rPr>
+              <a:t>향</a:t>
+            </a:r>
+            <a:r>
+              <a:rPr lang="ko-KR" altLang="en-US" sz="2800" dirty="0" smtClean="0">
+                <a:latin typeface="KoPub돋움체 Light" pitchFamily="2" charset="-127"/>
+                <a:ea typeface="KoPub돋움체 Light" pitchFamily="2" charset="-127"/>
+              </a:rPr>
+              <a:t>상</a:t>
+            </a:r>
+            <a:r>
+              <a:rPr lang="ko-KR" altLang="en-US" sz="2800" dirty="0" smtClean="0">
+                <a:latin typeface="KoPub돋움체 Light" pitchFamily="2" charset="-127"/>
+                <a:ea typeface="KoPub돋움체 Light" pitchFamily="2" charset="-127"/>
+              </a:rPr>
+              <a:t>시킬 </a:t>
+            </a:r>
+            <a:r>
+              <a:rPr lang="ko-KR" altLang="en-US" sz="2800" dirty="0" smtClean="0">
+                <a:latin typeface="KoPub돋움체 Light" pitchFamily="2" charset="-127"/>
+                <a:ea typeface="KoPub돋움체 Light" pitchFamily="2" charset="-127"/>
+              </a:rPr>
+              <a:t>수 있을까에 의문을 가졌고</a:t>
+            </a:r>
+            <a:r>
+              <a:rPr lang="en-US" altLang="ko-KR" sz="2800" dirty="0" smtClean="0">
+                <a:latin typeface="KoPub돋움체 Light" pitchFamily="2" charset="-127"/>
+                <a:ea typeface="KoPub돋움체 Light" pitchFamily="2" charset="-127"/>
+              </a:rPr>
+              <a:t>, </a:t>
+            </a:r>
+            <a:r>
+              <a:rPr lang="ko-KR" altLang="en-US" sz="2800" dirty="0" smtClean="0">
+                <a:latin typeface="KoPub돋움체 Light" pitchFamily="2" charset="-127"/>
+                <a:ea typeface="KoPub돋움체 Light" pitchFamily="2" charset="-127"/>
+              </a:rPr>
+              <a:t>탐구해보고자 하였다</a:t>
+            </a:r>
+            <a:r>
+              <a:rPr lang="en-US" altLang="ko-KR" sz="2800" dirty="0" smtClean="0">
                 <a:latin typeface="KoPub돋움체 Light" pitchFamily="2" charset="-127"/>
                 <a:ea typeface="KoPub돋움체 Light" pitchFamily="2" charset="-127"/>
               </a:rPr>
               <a:t>. </a:t>
             </a:r>
             <a:r>
-              <a:rPr lang="ko-KR" altLang="en-US" sz="3200" dirty="0" smtClean="0">
-                <a:latin typeface="KoPub돋움체 Light" pitchFamily="2" charset="-127"/>
-                <a:ea typeface="KoPub돋움체 Light" pitchFamily="2" charset="-127"/>
-              </a:rPr>
-              <a:t>의 명대사에 비유하자면</a:t>
-            </a:r>
-            <a:r>
-              <a:rPr lang="en-US" altLang="ko-KR" sz="3200" dirty="0" smtClean="0">
+              <a:rPr lang="ko-KR" altLang="en-US" sz="2800" dirty="0" smtClean="0">
+                <a:latin typeface="KoPub돋움체 Light" pitchFamily="2" charset="-127"/>
+                <a:ea typeface="KoPub돋움체 Light" pitchFamily="2" charset="-127"/>
+              </a:rPr>
+              <a:t>따라서 여러 인공 신경망 성능 개선 방안을 비교하고 실제로 구현하기 위해 본 탐구를 시작하게 되었다</a:t>
+            </a:r>
+            <a:r>
+              <a:rPr lang="en-US" altLang="ko-KR" sz="2800" dirty="0" smtClean="0">
+                <a:latin typeface="KoPub돋움체 Light" pitchFamily="2" charset="-127"/>
+                <a:ea typeface="KoPub돋움체 Light" pitchFamily="2" charset="-127"/>
+              </a:rPr>
+              <a:t>. </a:t>
+            </a:r>
+            <a:r>
+              <a:rPr lang="ko-KR" altLang="en-US" sz="2800" dirty="0" smtClean="0">
+                <a:latin typeface="KoPub돋움체 Light" pitchFamily="2" charset="-127"/>
+                <a:ea typeface="KoPub돋움체 Light" pitchFamily="2" charset="-127"/>
+              </a:rPr>
+              <a:t>그러하기 위해</a:t>
+            </a:r>
+            <a:r>
+              <a:rPr lang="en-US" altLang="ko-KR" sz="2800" dirty="0" smtClean="0">
                 <a:latin typeface="KoPub돋움체 Light" pitchFamily="2" charset="-127"/>
                 <a:ea typeface="KoPub돋움체 Light" pitchFamily="2" charset="-127"/>
               </a:rPr>
               <a:t>, </a:t>
             </a:r>
             <a:r>
-              <a:rPr lang="ko-KR" altLang="en-US" sz="3200" dirty="0" smtClean="0">
-                <a:latin typeface="KoPub돋움체 Light" pitchFamily="2" charset="-127"/>
-                <a:ea typeface="KoPub돋움체 Light" pitchFamily="2" charset="-127"/>
-              </a:rPr>
-              <a:t>세상은</a:t>
-            </a:r>
-            <a:r>
-              <a:rPr lang="en-US" altLang="ko-KR" sz="3200" dirty="0" smtClean="0">
+              <a:rPr lang="ko-KR" altLang="en-US" sz="2800" dirty="0" smtClean="0">
+                <a:latin typeface="KoPub돋움체 Light" pitchFamily="2" charset="-127"/>
+                <a:ea typeface="KoPub돋움체 Light" pitchFamily="2" charset="-127"/>
+              </a:rPr>
+              <a:t>우선 인공 신경망의 여러 </a:t>
+            </a:r>
+            <a:r>
+              <a:rPr lang="ko-KR" altLang="en-US" sz="2800" dirty="0" err="1" smtClean="0">
+                <a:latin typeface="KoPub돋움체 Light" pitchFamily="2" charset="-127"/>
+                <a:ea typeface="KoPub돋움체 Light" pitchFamily="2" charset="-127"/>
+              </a:rPr>
+              <a:t>메소드</a:t>
+            </a:r>
+            <a:r>
+              <a:rPr lang="ko-KR" altLang="en-US" sz="2800" dirty="0" smtClean="0">
+                <a:latin typeface="KoPub돋움체 Light" pitchFamily="2" charset="-127"/>
+                <a:ea typeface="KoPub돋움체 Light" pitchFamily="2" charset="-127"/>
+              </a:rPr>
+              <a:t> 들을 </a:t>
+            </a:r>
+            <a:r>
+              <a:rPr lang="ko-KR" altLang="en-US" sz="2800" dirty="0" smtClean="0">
+                <a:latin typeface="KoPub돋움체 Light" pitchFamily="2" charset="-127"/>
+                <a:ea typeface="KoPub돋움체 Light" pitchFamily="2" charset="-127"/>
+              </a:rPr>
+              <a:t>탐구한 후 그 원리를 파악하고</a:t>
+            </a:r>
+            <a:r>
+              <a:rPr lang="en-US" altLang="ko-KR" sz="2800" dirty="0" smtClean="0">
+                <a:latin typeface="KoPub돋움체 Light" pitchFamily="2" charset="-127"/>
+                <a:ea typeface="KoPub돋움체 Light" pitchFamily="2" charset="-127"/>
+              </a:rPr>
+              <a:t>, Python</a:t>
+            </a:r>
+            <a:r>
+              <a:rPr lang="ko-KR" altLang="en-US" sz="2800" dirty="0" smtClean="0">
+                <a:latin typeface="KoPub돋움체 Light" pitchFamily="2" charset="-127"/>
+                <a:ea typeface="KoPub돋움체 Light" pitchFamily="2" charset="-127"/>
+              </a:rPr>
+              <a:t>을 통해 실제로 인공 신경망을 구현한 다음</a:t>
+            </a:r>
+            <a:r>
+              <a:rPr lang="en-US" altLang="ko-KR" sz="2800" dirty="0" smtClean="0">
                 <a:latin typeface="KoPub돋움체 Light" pitchFamily="2" charset="-127"/>
                 <a:ea typeface="KoPub돋움체 Light" pitchFamily="2" charset="-127"/>
               </a:rPr>
               <a:t>, </a:t>
             </a:r>
             <a:r>
-              <a:rPr lang="ko-KR" altLang="en-US" sz="3200" dirty="0" smtClean="0">
-                <a:latin typeface="KoPub돋움체 Light" pitchFamily="2" charset="-127"/>
-                <a:ea typeface="KoPub돋움체 Light" pitchFamily="2" charset="-127"/>
-              </a:rPr>
-              <a:t>대 인공지능 시대를 맞았다</a:t>
-            </a:r>
-            <a:r>
-              <a:rPr lang="en-US" altLang="ko-KR" sz="3200" dirty="0" smtClean="0">
-                <a:latin typeface="KoPub돋움체 Light" pitchFamily="2" charset="-127"/>
-                <a:ea typeface="KoPub돋움체 Light" pitchFamily="2" charset="-127"/>
-              </a:rPr>
-              <a:t>. ‘4</a:t>
-            </a:r>
-            <a:r>
-              <a:rPr lang="ko-KR" altLang="en-US" sz="3200" dirty="0" smtClean="0">
-                <a:latin typeface="KoPub돋움체 Light" pitchFamily="2" charset="-127"/>
-                <a:ea typeface="KoPub돋움체 Light" pitchFamily="2" charset="-127"/>
-              </a:rPr>
-              <a:t>차 산업 혁명’ 이라는 키워드만 들어가도 서점은 대대적으로 홍보해주고</a:t>
-            </a:r>
-            <a:r>
-              <a:rPr lang="en-US" altLang="ko-KR" sz="3200" dirty="0" smtClean="0">
-                <a:latin typeface="KoPub돋움체 Light" pitchFamily="2" charset="-127"/>
-                <a:ea typeface="KoPub돋움체 Light" pitchFamily="2" charset="-127"/>
-              </a:rPr>
-              <a:t>, </a:t>
-            </a:r>
-            <a:r>
-              <a:rPr lang="ko-KR" altLang="en-US" sz="3200" dirty="0" smtClean="0">
-                <a:latin typeface="KoPub돋움체 Light" pitchFamily="2" charset="-127"/>
-                <a:ea typeface="KoPub돋움체 Light" pitchFamily="2" charset="-127"/>
-              </a:rPr>
-              <a:t>기업들은 </a:t>
-            </a:r>
-            <a:r>
-              <a:rPr lang="en-US" altLang="ko-KR" sz="3200" dirty="0" smtClean="0">
-                <a:latin typeface="KoPub돋움체 Light" pitchFamily="2" charset="-127"/>
-                <a:ea typeface="KoPub돋움체 Light" pitchFamily="2" charset="-127"/>
-              </a:rPr>
-              <a:t>AI </a:t>
-            </a:r>
-            <a:r>
-              <a:rPr lang="ko-KR" altLang="en-US" sz="3200" dirty="0" smtClean="0">
-                <a:latin typeface="KoPub돋움체 Light" pitchFamily="2" charset="-127"/>
-                <a:ea typeface="KoPub돋움체 Light" pitchFamily="2" charset="-127"/>
-              </a:rPr>
-              <a:t>관련 상품들을 마구 내 놓기 시작했다</a:t>
-            </a:r>
-            <a:r>
-              <a:rPr lang="en-US" altLang="ko-KR" sz="3200" dirty="0" smtClean="0">
-                <a:latin typeface="KoPub돋움체 Light" pitchFamily="2" charset="-127"/>
-                <a:ea typeface="KoPub돋움체 Light" pitchFamily="2" charset="-127"/>
-              </a:rPr>
-              <a:t>. </a:t>
-            </a:r>
-            <a:r>
-              <a:rPr lang="ko-KR" altLang="en-US" sz="3200" dirty="0" smtClean="0">
-                <a:latin typeface="KoPub돋움체 Light" pitchFamily="2" charset="-127"/>
-                <a:ea typeface="KoPub돋움체 Light" pitchFamily="2" charset="-127"/>
-              </a:rPr>
-              <a:t>우리는 단순히 인공지능의 사회적 파급효과만이 아닌 그 원리와 역사</a:t>
-            </a:r>
-            <a:r>
-              <a:rPr lang="en-US" altLang="ko-KR" sz="3200" dirty="0" smtClean="0">
-                <a:latin typeface="KoPub돋움체 Light" pitchFamily="2" charset="-127"/>
-                <a:ea typeface="KoPub돋움체 Light" pitchFamily="2" charset="-127"/>
-              </a:rPr>
-              <a:t>, </a:t>
-            </a:r>
-            <a:r>
-              <a:rPr lang="ko-KR" altLang="en-US" sz="3200" dirty="0" smtClean="0">
-                <a:latin typeface="KoPub돋움체 Light" pitchFamily="2" charset="-127"/>
-                <a:ea typeface="KoPub돋움체 Light" pitchFamily="2" charset="-127"/>
-              </a:rPr>
-              <a:t>그리고 나아가 어떻게 하면 그 성능을 향상시킬 수 있을까에 의문점을 가졌고</a:t>
-            </a:r>
-            <a:r>
-              <a:rPr lang="en-US" altLang="ko-KR" sz="3200" dirty="0" smtClean="0">
-                <a:latin typeface="KoPub돋움체 Light" pitchFamily="2" charset="-127"/>
-                <a:ea typeface="KoPub돋움체 Light" pitchFamily="2" charset="-127"/>
-              </a:rPr>
-              <a:t>, </a:t>
-            </a:r>
-            <a:r>
-              <a:rPr lang="ko-KR" altLang="en-US" sz="3200" dirty="0" smtClean="0">
-                <a:latin typeface="KoPub돋움체 Light" pitchFamily="2" charset="-127"/>
-                <a:ea typeface="KoPub돋움체 Light" pitchFamily="2" charset="-127"/>
-              </a:rPr>
-              <a:t>탐구해보고자 하였다</a:t>
-            </a:r>
-            <a:r>
-              <a:rPr lang="en-US" altLang="ko-KR" sz="3200" dirty="0" smtClean="0">
+              <a:rPr lang="ko-KR" altLang="en-US" sz="2800" dirty="0" smtClean="0">
+                <a:latin typeface="KoPub돋움체 Light" pitchFamily="2" charset="-127"/>
+                <a:ea typeface="KoPub돋움체 Light" pitchFamily="2" charset="-127"/>
+              </a:rPr>
+              <a:t>탐구한 </a:t>
+            </a:r>
+            <a:r>
+              <a:rPr lang="ko-KR" altLang="en-US" sz="2800" dirty="0" err="1" smtClean="0">
+                <a:latin typeface="KoPub돋움체 Light" pitchFamily="2" charset="-127"/>
+                <a:ea typeface="KoPub돋움체 Light" pitchFamily="2" charset="-127"/>
+              </a:rPr>
+              <a:t>메소드</a:t>
+            </a:r>
+            <a:r>
+              <a:rPr lang="ko-KR" altLang="en-US" sz="2800" dirty="0" smtClean="0">
+                <a:latin typeface="KoPub돋움체 Light" pitchFamily="2" charset="-127"/>
+                <a:ea typeface="KoPub돋움체 Light" pitchFamily="2" charset="-127"/>
+              </a:rPr>
+              <a:t> 들을 </a:t>
+            </a:r>
+            <a:r>
+              <a:rPr lang="ko-KR" altLang="en-US" sz="2800" dirty="0" smtClean="0">
+                <a:latin typeface="KoPub돋움체 Light" pitchFamily="2" charset="-127"/>
+                <a:ea typeface="KoPub돋움체 Light" pitchFamily="2" charset="-127"/>
+              </a:rPr>
+              <a:t>실제 신경망에 적용하여 그 성능을 비교함으로써 인공지능의 성능을 개선하는 것을 목표로 한다</a:t>
+            </a:r>
+            <a:r>
+              <a:rPr lang="en-US" altLang="ko-KR" sz="2800" dirty="0" smtClean="0">
                 <a:latin typeface="KoPub돋움체 Light" pitchFamily="2" charset="-127"/>
                 <a:ea typeface="KoPub돋움체 Light" pitchFamily="2" charset="-127"/>
               </a:rPr>
               <a:t>.</a:t>
             </a:r>
-            <a:endParaRPr lang="ko-KR" altLang="en-US" sz="3200" dirty="0">
+            <a:endParaRPr lang="ko-KR" altLang="en-US" sz="2800" dirty="0">
               <a:latin typeface="KoPub돋움체 Light" pitchFamily="2" charset="-127"/>
               <a:ea typeface="KoPub돋움체 Light" pitchFamily="2" charset="-127"/>
             </a:endParaRPr>
@@ -3872,7 +3684,7 @@
         </p:nvGrpSpPr>
         <p:grpSpPr>
           <a:xfrm>
-            <a:off x="818270" y="17041802"/>
+            <a:off x="818270" y="14255720"/>
             <a:ext cx="11858708" cy="1632215"/>
             <a:chOff x="1032584" y="6040350"/>
             <a:chExt cx="14532730" cy="2000264"/>
@@ -3980,7 +3792,7 @@
                   <a:latin typeface="KoPub돋움체 Bold" pitchFamily="2" charset="-127"/>
                   <a:ea typeface="KoPub돋움체 Bold" pitchFamily="2" charset="-127"/>
                 </a:rPr>
-                <a:t>인공 신경망</a:t>
+                <a:t>선행연구 고찰</a:t>
               </a:r>
               <a:endParaRPr lang="ko-KR" altLang="en-US" sz="5400" dirty="0">
                 <a:latin typeface="KoPub돋움체 Bold" pitchFamily="2" charset="-127"/>
@@ -3990,339 +3802,6 @@
           </p:txBody>
         </p:sp>
       </p:grpSp>
-      <p:pic>
-        <p:nvPicPr>
-          <p:cNvPr id="46" name="그림 45" descr="뉴런의_구조.png"/>
-          <p:cNvPicPr>
-            <a:picLocks noChangeAspect="1"/>
-          </p:cNvPicPr>
-          <p:nvPr/>
-        </p:nvPicPr>
-        <p:blipFill>
-          <a:blip r:embed="rId3"/>
-          <a:stretch>
-            <a:fillRect/>
-          </a:stretch>
-        </p:blipFill>
-        <p:spPr>
-          <a:xfrm>
-            <a:off x="1389774" y="18970628"/>
-            <a:ext cx="4374261" cy="2509009"/>
-          </a:xfrm>
-          <a:prstGeom prst="rect">
-            <a:avLst/>
-          </a:prstGeom>
-        </p:spPr>
-      </p:pic>
-      <p:pic>
-        <p:nvPicPr>
-          <p:cNvPr id="48" name="그림 47" descr="TLU의_구조.png"/>
-          <p:cNvPicPr>
-            <a:picLocks noChangeAspect="1"/>
-          </p:cNvPicPr>
-          <p:nvPr/>
-        </p:nvPicPr>
-        <p:blipFill>
-          <a:blip r:embed="rId4"/>
-          <a:stretch>
-            <a:fillRect/>
-          </a:stretch>
-        </p:blipFill>
-        <p:spPr>
-          <a:xfrm>
-            <a:off x="6247558" y="19113504"/>
-            <a:ext cx="6286544" cy="2165121"/>
-          </a:xfrm>
-          <a:prstGeom prst="rect">
-            <a:avLst/>
-          </a:prstGeom>
-        </p:spPr>
-      </p:pic>
-      <p:pic>
-        <p:nvPicPr>
-          <p:cNvPr id="50" name="그림 49" descr="피드포워드_뉴럴넷_그림.png"/>
-          <p:cNvPicPr>
-            <a:picLocks noChangeAspect="1"/>
-          </p:cNvPicPr>
-          <p:nvPr/>
-        </p:nvPicPr>
-        <p:blipFill>
-          <a:blip r:embed="rId5"/>
-          <a:stretch>
-            <a:fillRect/>
-          </a:stretch>
-        </p:blipFill>
-        <p:spPr>
-          <a:xfrm>
-            <a:off x="2604220" y="23114032"/>
-            <a:ext cx="8501122" cy="4684332"/>
-          </a:xfrm>
-          <a:prstGeom prst="rect">
-            <a:avLst/>
-          </a:prstGeom>
-        </p:spPr>
-      </p:pic>
-      <p:sp>
-        <p:nvSpPr>
-          <p:cNvPr id="49" name="TextBox 48"/>
-          <p:cNvSpPr txBox="1"/>
-          <p:nvPr/>
-        </p:nvSpPr>
-        <p:spPr>
-          <a:xfrm>
-            <a:off x="746832" y="21685272"/>
-            <a:ext cx="12358774" cy="1569660"/>
-          </a:xfrm>
-          <a:prstGeom prst="rect">
-            <a:avLst/>
-          </a:prstGeom>
-          <a:noFill/>
-        </p:spPr>
-        <p:txBody>
-          <a:bodyPr wrap="square" rtlCol="0">
-            <a:spAutoFit/>
-          </a:bodyPr>
-          <a:lstStyle/>
-          <a:p>
-            <a:r>
-              <a:rPr lang="ko-KR" altLang="en-US" sz="3200" dirty="0" smtClean="0">
-                <a:latin typeface="KoPub돋움체 Light" pitchFamily="2" charset="-127"/>
-                <a:ea typeface="KoPub돋움체 Light" pitchFamily="2" charset="-127"/>
-              </a:rPr>
-              <a:t>  인공 신경망은 사람의 뇌를 모방하여</a:t>
-            </a:r>
-            <a:r>
-              <a:rPr lang="en-US" altLang="ko-KR" sz="3200" dirty="0" smtClean="0">
-                <a:latin typeface="KoPub돋움체 Light" pitchFamily="2" charset="-127"/>
-                <a:ea typeface="KoPub돋움체 Light" pitchFamily="2" charset="-127"/>
-              </a:rPr>
-              <a:t>, </a:t>
-            </a:r>
-            <a:r>
-              <a:rPr lang="ko-KR" altLang="en-US" sz="3200" dirty="0" smtClean="0">
-                <a:latin typeface="KoPub돋움체 Light" pitchFamily="2" charset="-127"/>
-                <a:ea typeface="KoPub돋움체 Light" pitchFamily="2" charset="-127"/>
-              </a:rPr>
-              <a:t>전산상으로 구현된 뉴런을 연결하고</a:t>
-            </a:r>
-            <a:r>
-              <a:rPr lang="en-US" altLang="ko-KR" sz="3200" dirty="0" smtClean="0">
-                <a:latin typeface="KoPub돋움체 Light" pitchFamily="2" charset="-127"/>
-                <a:ea typeface="KoPub돋움체 Light" pitchFamily="2" charset="-127"/>
-              </a:rPr>
-              <a:t>, </a:t>
-            </a:r>
-            <a:r>
-              <a:rPr lang="ko-KR" altLang="en-US" sz="3200" dirty="0" smtClean="0">
-                <a:latin typeface="KoPub돋움체 Light" pitchFamily="2" charset="-127"/>
-                <a:ea typeface="KoPub돋움체 Light" pitchFamily="2" charset="-127"/>
-              </a:rPr>
-              <a:t>어떠한 문제에 대해 학습시켜 해결하게 한다</a:t>
-            </a:r>
-            <a:r>
-              <a:rPr lang="en-US" altLang="ko-KR" sz="3200" dirty="0" smtClean="0">
-                <a:latin typeface="KoPub돋움체 Light" pitchFamily="2" charset="-127"/>
-                <a:ea typeface="KoPub돋움체 Light" pitchFamily="2" charset="-127"/>
-              </a:rPr>
-              <a:t>.</a:t>
-            </a:r>
-          </a:p>
-          <a:p>
-            <a:r>
-              <a:rPr lang="ko-KR" altLang="en-US" sz="3200" dirty="0" smtClean="0">
-                <a:latin typeface="KoPub돋움체 Light" pitchFamily="2" charset="-127"/>
-                <a:ea typeface="KoPub돋움체 Light" pitchFamily="2" charset="-127"/>
-              </a:rPr>
-              <a:t> 이는 뇌가 시냅스의 연결을 조절하는 과정을 모방하였다</a:t>
-            </a:r>
-            <a:r>
-              <a:rPr lang="en-US" altLang="ko-KR" sz="3200" dirty="0" smtClean="0">
-                <a:latin typeface="KoPub돋움체 Light" pitchFamily="2" charset="-127"/>
-                <a:ea typeface="KoPub돋움체 Light" pitchFamily="2" charset="-127"/>
-              </a:rPr>
-              <a:t>.</a:t>
-            </a:r>
-          </a:p>
-        </p:txBody>
-      </p:sp>
-      <p:sp>
-        <p:nvSpPr>
-          <p:cNvPr id="51" name="TextBox 50"/>
-          <p:cNvSpPr txBox="1"/>
-          <p:nvPr/>
-        </p:nvSpPr>
-        <p:spPr>
-          <a:xfrm>
-            <a:off x="746832" y="27543188"/>
-            <a:ext cx="12358774" cy="1077218"/>
-          </a:xfrm>
-          <a:prstGeom prst="rect">
-            <a:avLst/>
-          </a:prstGeom>
-          <a:noFill/>
-        </p:spPr>
-        <p:txBody>
-          <a:bodyPr wrap="square" rtlCol="0">
-            <a:spAutoFit/>
-          </a:bodyPr>
-          <a:lstStyle/>
-          <a:p>
-            <a:r>
-              <a:rPr lang="ko-KR" altLang="en-US" sz="3200" dirty="0" smtClean="0">
-                <a:latin typeface="KoPub돋움체 Light" pitchFamily="2" charset="-127"/>
-                <a:ea typeface="KoPub돋움체 Light" pitchFamily="2" charset="-127"/>
-              </a:rPr>
-              <a:t> 신경망은 각각 입력된 신호에 가중치</a:t>
-            </a:r>
-            <a:r>
-              <a:rPr lang="en-US" altLang="ko-KR" sz="1800" dirty="0" smtClean="0">
-                <a:latin typeface="KoPub돋움체 Light" pitchFamily="2" charset="-127"/>
-                <a:ea typeface="KoPub돋움체 Light" pitchFamily="2" charset="-127"/>
-              </a:rPr>
-              <a:t>(</a:t>
-            </a:r>
-            <a:r>
-              <a:rPr lang="ko-KR" altLang="en-US" sz="1800" dirty="0" smtClean="0">
-                <a:latin typeface="KoPub돋움체 Light" pitchFamily="2" charset="-127"/>
-                <a:ea typeface="KoPub돋움체 Light" pitchFamily="2" charset="-127"/>
-              </a:rPr>
-              <a:t>신호의 세기를 조절</a:t>
-            </a:r>
-            <a:r>
-              <a:rPr lang="en-US" altLang="ko-KR" sz="1800" dirty="0" smtClean="0">
-                <a:latin typeface="KoPub돋움체 Light" pitchFamily="2" charset="-127"/>
-                <a:ea typeface="KoPub돋움체 Light" pitchFamily="2" charset="-127"/>
-              </a:rPr>
-              <a:t>, </a:t>
-            </a:r>
-            <a:r>
-              <a:rPr lang="ko-KR" altLang="en-US" sz="1800" dirty="0" smtClean="0">
-                <a:latin typeface="KoPub돋움체 Light" pitchFamily="2" charset="-127"/>
-                <a:ea typeface="KoPub돋움체 Light" pitchFamily="2" charset="-127"/>
-              </a:rPr>
-              <a:t>시냅스의 역할</a:t>
-            </a:r>
-            <a:r>
-              <a:rPr lang="en-US" altLang="ko-KR" sz="1800" dirty="0" smtClean="0">
-                <a:latin typeface="KoPub돋움체 Light" pitchFamily="2" charset="-127"/>
-                <a:ea typeface="KoPub돋움체 Light" pitchFamily="2" charset="-127"/>
-              </a:rPr>
-              <a:t>)</a:t>
-            </a:r>
-            <a:r>
-              <a:rPr lang="ko-KR" altLang="en-US" sz="3200" dirty="0" smtClean="0">
-                <a:latin typeface="KoPub돋움체 Light" pitchFamily="2" charset="-127"/>
-                <a:ea typeface="KoPub돋움체 Light" pitchFamily="2" charset="-127"/>
-              </a:rPr>
-              <a:t>를 곱하고</a:t>
-            </a:r>
-            <a:r>
-              <a:rPr lang="en-US" altLang="ko-KR" sz="3200" dirty="0" smtClean="0">
-                <a:latin typeface="KoPub돋움체 Light" pitchFamily="2" charset="-127"/>
-                <a:ea typeface="KoPub돋움체 Light" pitchFamily="2" charset="-127"/>
-              </a:rPr>
-              <a:t>, </a:t>
-            </a:r>
-            <a:r>
-              <a:rPr lang="ko-KR" altLang="en-US" sz="3200" dirty="0" smtClean="0">
-                <a:latin typeface="KoPub돋움체 Light" pitchFamily="2" charset="-127"/>
-                <a:ea typeface="KoPub돋움체 Light" pitchFamily="2" charset="-127"/>
-              </a:rPr>
-              <a:t>활성화 함수를 적용하여 다음 계층으로 신호를 발산한다</a:t>
-            </a:r>
-            <a:r>
-              <a:rPr lang="en-US" altLang="ko-KR" sz="3200" dirty="0" smtClean="0">
-                <a:latin typeface="KoPub돋움체 Light" pitchFamily="2" charset="-127"/>
-                <a:ea typeface="KoPub돋움체 Light" pitchFamily="2" charset="-127"/>
-              </a:rPr>
-              <a:t> : </a:t>
-            </a:r>
-            <a:r>
-              <a:rPr lang="ko-KR" altLang="en-US" sz="3200" b="1" dirty="0" err="1" smtClean="0">
-                <a:latin typeface="KoPub돋움체 Light" pitchFamily="2" charset="-127"/>
-                <a:ea typeface="KoPub돋움체 Light" pitchFamily="2" charset="-127"/>
-              </a:rPr>
-              <a:t>순전파</a:t>
-            </a:r>
-            <a:endParaRPr lang="ko-KR" altLang="en-US" sz="3200" b="1" dirty="0">
-              <a:latin typeface="KoPub돋움체 Light" pitchFamily="2" charset="-127"/>
-              <a:ea typeface="KoPub돋움체 Light" pitchFamily="2" charset="-127"/>
-            </a:endParaRPr>
-          </a:p>
-        </p:txBody>
-      </p:sp>
-      <p:pic>
-        <p:nvPicPr>
-          <p:cNvPr id="52" name="그림 51" descr="ReLU_그래프.png"/>
-          <p:cNvPicPr>
-            <a:picLocks noChangeAspect="1"/>
-          </p:cNvPicPr>
-          <p:nvPr/>
-        </p:nvPicPr>
-        <p:blipFill>
-          <a:blip r:embed="rId6"/>
-          <a:stretch>
-            <a:fillRect/>
-          </a:stretch>
-        </p:blipFill>
-        <p:spPr>
-          <a:xfrm>
-            <a:off x="8962202" y="29757766"/>
-            <a:ext cx="3990320" cy="3462339"/>
-          </a:xfrm>
-          <a:prstGeom prst="rect">
-            <a:avLst/>
-          </a:prstGeom>
-        </p:spPr>
-      </p:pic>
-      <p:pic>
-        <p:nvPicPr>
-          <p:cNvPr id="53" name="그림 52" descr="tanh_그래프.png"/>
-          <p:cNvPicPr>
-            <a:picLocks noChangeAspect="1"/>
-          </p:cNvPicPr>
-          <p:nvPr/>
-        </p:nvPicPr>
-        <p:blipFill>
-          <a:blip r:embed="rId7"/>
-          <a:stretch>
-            <a:fillRect/>
-          </a:stretch>
-        </p:blipFill>
-        <p:spPr>
-          <a:xfrm>
-            <a:off x="5034170" y="29400576"/>
-            <a:ext cx="3912655" cy="3395667"/>
-          </a:xfrm>
-          <a:prstGeom prst="rect">
-            <a:avLst/>
-          </a:prstGeom>
-        </p:spPr>
-      </p:pic>
-      <p:pic>
-        <p:nvPicPr>
-          <p:cNvPr id="54" name="그림 53" descr="로지스틱_시그모이드_그래프.png"/>
-          <p:cNvPicPr>
-            <a:picLocks noChangeAspect="1"/>
-          </p:cNvPicPr>
-          <p:nvPr/>
-        </p:nvPicPr>
-        <p:blipFill>
-          <a:blip r:embed="rId8"/>
-          <a:stretch>
-            <a:fillRect/>
-          </a:stretch>
-        </p:blipFill>
-        <p:spPr>
-          <a:xfrm>
-            <a:off x="675394" y="29257700"/>
-            <a:ext cx="4343400" cy="3771900"/>
-          </a:xfrm>
-          <a:prstGeom prst="rect">
-            <a:avLst/>
-          </a:prstGeom>
-        </p:spPr>
-      </p:pic>
       <p:sp>
         <p:nvSpPr>
           <p:cNvPr id="11268" name="Rectangle 4"/>
@@ -4358,131 +3837,6 @@
           <a:lstStyle/>
           <a:p>
             <a:endParaRPr lang="ko-KR" altLang="en-US"/>
-          </a:p>
-        </p:txBody>
-      </p:sp>
-      <p:pic>
-        <p:nvPicPr>
-          <p:cNvPr id="11267" name="_x234505152" descr="DRW000011dc7957"/>
-          <p:cNvPicPr>
-            <a:picLocks noChangeAspect="1" noChangeArrowheads="1"/>
-          </p:cNvPicPr>
-          <p:nvPr/>
-        </p:nvPicPr>
-        <p:blipFill>
-          <a:blip r:embed="rId9"/>
-          <a:srcRect/>
-          <a:stretch>
-            <a:fillRect/>
-          </a:stretch>
-        </p:blipFill>
-        <p:spPr bwMode="auto">
-          <a:xfrm>
-            <a:off x="1532650" y="32972476"/>
-            <a:ext cx="2452152" cy="949329"/>
-          </a:xfrm>
-          <a:prstGeom prst="rect">
-            <a:avLst/>
-          </a:prstGeom>
-          <a:noFill/>
-        </p:spPr>
-      </p:pic>
-      <p:sp>
-        <p:nvSpPr>
-          <p:cNvPr id="57" name="TextBox 56"/>
-          <p:cNvSpPr txBox="1"/>
-          <p:nvPr/>
-        </p:nvSpPr>
-        <p:spPr>
-          <a:xfrm>
-            <a:off x="746832" y="34901302"/>
-            <a:ext cx="12358774" cy="1569660"/>
-          </a:xfrm>
-          <a:prstGeom prst="rect">
-            <a:avLst/>
-          </a:prstGeom>
-          <a:noFill/>
-        </p:spPr>
-        <p:txBody>
-          <a:bodyPr wrap="square" rtlCol="0">
-            <a:spAutoFit/>
-          </a:bodyPr>
-          <a:lstStyle/>
-          <a:p>
-            <a:r>
-              <a:rPr lang="ko-KR" altLang="en-US" sz="3200" dirty="0" smtClean="0">
-                <a:latin typeface="KoPub돋움체 Light" pitchFamily="2" charset="-127"/>
-                <a:ea typeface="KoPub돋움체 Light" pitchFamily="2" charset="-127"/>
-              </a:rPr>
-              <a:t> 다음 계층으로 신호를 발산하기 전에</a:t>
-            </a:r>
-            <a:r>
-              <a:rPr lang="en-US" altLang="ko-KR" sz="3200" dirty="0" smtClean="0">
-                <a:latin typeface="KoPub돋움체 Light" pitchFamily="2" charset="-127"/>
-                <a:ea typeface="KoPub돋움체 Light" pitchFamily="2" charset="-127"/>
-              </a:rPr>
-              <a:t>, </a:t>
-            </a:r>
-            <a:r>
-              <a:rPr lang="ko-KR" altLang="en-US" sz="3200" dirty="0" smtClean="0">
-                <a:latin typeface="KoPub돋움체 Light" pitchFamily="2" charset="-127"/>
-                <a:ea typeface="KoPub돋움체 Light" pitchFamily="2" charset="-127"/>
-              </a:rPr>
-              <a:t>가중치와 입력 신호의 곱에 </a:t>
-            </a:r>
-            <a:r>
-              <a:rPr lang="ko-KR" altLang="en-US" sz="3200" b="1" dirty="0" smtClean="0">
-                <a:latin typeface="KoPub돋움체 Light" pitchFamily="2" charset="-127"/>
-                <a:ea typeface="KoPub돋움체 Light" pitchFamily="2" charset="-127"/>
-              </a:rPr>
-              <a:t>활성화 함수</a:t>
-            </a:r>
-            <a:r>
-              <a:rPr lang="ko-KR" altLang="en-US" sz="3200" dirty="0" smtClean="0">
-                <a:latin typeface="KoPub돋움체 Light" pitchFamily="2" charset="-127"/>
-                <a:ea typeface="KoPub돋움체 Light" pitchFamily="2" charset="-127"/>
-              </a:rPr>
-              <a:t>를 적용하게 되는데</a:t>
-            </a:r>
-            <a:r>
-              <a:rPr lang="en-US" altLang="ko-KR" sz="3200" dirty="0" smtClean="0">
-                <a:latin typeface="KoPub돋움체 Light" pitchFamily="2" charset="-127"/>
-                <a:ea typeface="KoPub돋움체 Light" pitchFamily="2" charset="-127"/>
-              </a:rPr>
-              <a:t>, </a:t>
-            </a:r>
-            <a:r>
-              <a:rPr lang="ko-KR" altLang="en-US" sz="3200" dirty="0" smtClean="0">
-                <a:latin typeface="KoPub돋움체 Light" pitchFamily="2" charset="-127"/>
-                <a:ea typeface="KoPub돋움체 Light" pitchFamily="2" charset="-127"/>
-              </a:rPr>
-              <a:t>이는 축삭돌기가 일정 세기 이상의 신호만을 발산하는</a:t>
-            </a:r>
-            <a:r>
-              <a:rPr lang="en-US" altLang="ko-KR" sz="3200" dirty="0">
-                <a:latin typeface="KoPub돋움체 Light" pitchFamily="2" charset="-127"/>
-                <a:ea typeface="KoPub돋움체 Light" pitchFamily="2" charset="-127"/>
-              </a:rPr>
-              <a:t> </a:t>
-            </a:r>
-            <a:r>
-              <a:rPr lang="ko-KR" altLang="en-US" sz="3200" dirty="0" smtClean="0">
-                <a:latin typeface="KoPub돋움체 Light" pitchFamily="2" charset="-127"/>
-                <a:ea typeface="KoPub돋움체 Light" pitchFamily="2" charset="-127"/>
-              </a:rPr>
-              <a:t>모습을 본 따왔다</a:t>
-            </a:r>
-            <a:r>
-              <a:rPr lang="en-US" altLang="ko-KR" sz="3200" dirty="0" smtClean="0">
-                <a:latin typeface="KoPub돋움체 Light" pitchFamily="2" charset="-127"/>
-                <a:ea typeface="KoPub돋움체 Light" pitchFamily="2" charset="-127"/>
-              </a:rPr>
-              <a:t>. </a:t>
-            </a:r>
-            <a:endParaRPr lang="ko-KR" altLang="en-US" sz="3200" b="1" dirty="0">
-              <a:latin typeface="KoPub돋움체 Light" pitchFamily="2" charset="-127"/>
-              <a:ea typeface="KoPub돋움체 Light" pitchFamily="2" charset="-127"/>
-            </a:endParaRPr>
           </a:p>
         </p:txBody>
       </p:sp>
@@ -4562,32 +3916,6 @@
           </a:p>
         </p:txBody>
       </p:sp>
-      <p:pic>
-        <p:nvPicPr>
-          <p:cNvPr id="62" name="_x234504032" descr="DRW000011dc796b"/>
-          <p:cNvPicPr>
-            <a:picLocks noChangeAspect="1" noChangeArrowheads="1"/>
-          </p:cNvPicPr>
-          <p:nvPr/>
-        </p:nvPicPr>
-        <p:blipFill>
-          <a:blip r:embed="rId10"/>
-          <a:srcRect t="-1" r="58813" b="-33334"/>
-          <a:stretch>
-            <a:fillRect/>
-          </a:stretch>
-        </p:blipFill>
-        <p:spPr bwMode="auto">
-          <a:xfrm>
-            <a:off x="5033112" y="33115352"/>
-            <a:ext cx="3929090" cy="928694"/>
-          </a:xfrm>
-          <a:prstGeom prst="rect">
-            <a:avLst/>
-          </a:prstGeom>
-          <a:noFill/>
-        </p:spPr>
-      </p:pic>
       <p:sp>
         <p:nvSpPr>
           <p:cNvPr id="11274" name="Rectangle 10"/>
@@ -4626,157 +3954,631 @@
           </a:p>
         </p:txBody>
       </p:sp>
-      <p:pic>
-        <p:nvPicPr>
-          <p:cNvPr id="11273" name="_x234503152" descr="DRW000011dc7975"/>
-          <p:cNvPicPr>
-            <a:picLocks noChangeAspect="1" noChangeArrowheads="1"/>
-          </p:cNvPicPr>
-          <p:nvPr/>
-        </p:nvPicPr>
-        <p:blipFill>
-          <a:blip r:embed="rId11"/>
-          <a:srcRect/>
-          <a:stretch>
-            <a:fillRect/>
-          </a:stretch>
-        </p:blipFill>
-        <p:spPr bwMode="auto">
-          <a:xfrm>
-            <a:off x="9605144" y="33329666"/>
-            <a:ext cx="3348971" cy="466727"/>
-          </a:xfrm>
-          <a:prstGeom prst="rect">
-            <a:avLst/>
-          </a:prstGeom>
-          <a:noFill/>
-        </p:spPr>
-      </p:pic>
       <p:grpSp>
         <p:nvGrpSpPr>
-          <p:cNvPr id="68" name="그룹 67"/>
+          <p:cNvPr id="107" name="그룹 106"/>
           <p:cNvGrpSpPr/>
           <p:nvPr/>
         </p:nvGrpSpPr>
         <p:grpSpPr>
           <a:xfrm>
-            <a:off x="13534234" y="5040218"/>
-            <a:ext cx="11644394" cy="1632215"/>
-            <a:chOff x="1032584" y="6040350"/>
-            <a:chExt cx="14270091" cy="2000264"/>
+            <a:off x="746832" y="6969044"/>
+            <a:ext cx="12358774" cy="19859764"/>
+            <a:chOff x="746832" y="4842465"/>
+            <a:chExt cx="12358774" cy="24442624"/>
           </a:xfrm>
-          <a:solidFill>
-            <a:schemeClr val="accent4"/>
-          </a:solidFill>
         </p:grpSpPr>
+        <p:pic>
+          <p:nvPicPr>
+            <p:cNvPr id="46" name="그림 45" descr="뉴런의_구조.png"/>
+            <p:cNvPicPr>
+              <a:picLocks noChangeAspect="1"/>
+            </p:cNvPicPr>
+            <p:nvPr/>
+          </p:nvPicPr>
+          <p:blipFill>
+            <a:blip r:embed="rId2"/>
+            <a:stretch>
+              <a:fillRect/>
+            </a:stretch>
+          </p:blipFill>
+          <p:spPr>
+            <a:xfrm>
+              <a:off x="1889840" y="16184547"/>
+              <a:ext cx="3286148" cy="1884884"/>
+            </a:xfrm>
+            <a:prstGeom prst="rect">
+              <a:avLst/>
+            </a:prstGeom>
+          </p:spPr>
+        </p:pic>
+        <p:pic>
+          <p:nvPicPr>
+            <p:cNvPr id="48" name="그림 47" descr="TLU의_구조.png"/>
+            <p:cNvPicPr>
+              <a:picLocks noChangeAspect="1"/>
+            </p:cNvPicPr>
+            <p:nvPr/>
+          </p:nvPicPr>
+          <p:blipFill>
+            <a:blip r:embed="rId3"/>
+            <a:stretch>
+              <a:fillRect/>
+            </a:stretch>
+          </p:blipFill>
+          <p:spPr>
+            <a:xfrm>
+              <a:off x="6747624" y="16327423"/>
+              <a:ext cx="4722744" cy="1626539"/>
+            </a:xfrm>
+            <a:prstGeom prst="rect">
+              <a:avLst/>
+            </a:prstGeom>
+          </p:spPr>
+        </p:pic>
+        <p:pic>
+          <p:nvPicPr>
+            <p:cNvPr id="50" name="그림 49" descr="피드포워드_뉴럴넷_그림.png"/>
+            <p:cNvPicPr>
+              <a:picLocks noChangeAspect="1"/>
+            </p:cNvPicPr>
+            <p:nvPr/>
+          </p:nvPicPr>
+          <p:blipFill>
+            <a:blip r:embed="rId4"/>
+            <a:stretch>
+              <a:fillRect/>
+            </a:stretch>
+          </p:blipFill>
+          <p:spPr>
+            <a:xfrm>
+              <a:off x="4461608" y="19827884"/>
+              <a:ext cx="4786346" cy="2637398"/>
+            </a:xfrm>
+            <a:prstGeom prst="rect">
+              <a:avLst/>
+            </a:prstGeom>
+          </p:spPr>
+        </p:pic>
         <p:sp>
           <p:nvSpPr>
-            <p:cNvPr id="69" name="타원 68"/>
-            <p:cNvSpPr/>
+            <p:cNvPr id="49" name="TextBox 48"/>
+            <p:cNvSpPr txBox="1"/>
             <p:nvPr/>
           </p:nvSpPr>
           <p:spPr>
             <a:xfrm>
-              <a:off x="1032584" y="6040350"/>
-              <a:ext cx="2000264" cy="2000264"/>
+              <a:off x="746832" y="18327686"/>
+              <a:ext cx="12358774" cy="1174278"/>
             </a:xfrm>
-            <a:prstGeom prst="ellipse">
+            <a:prstGeom prst="rect">
               <a:avLst/>
             </a:prstGeom>
-            <a:grpFill/>
-            <a:ln>
-              <a:noFill/>
-            </a:ln>
+            <a:noFill/>
           </p:spPr>
-          <p:style>
-            <a:lnRef idx="2">
-              <a:schemeClr val="accent1">
-                <a:shade val="50000"/>
-              </a:schemeClr>
-            </a:lnRef>
-            <a:fillRef idx="1">
-              <a:schemeClr val="accent1"/>
-            </a:fillRef>
-            <a:effectRef idx="0">
-              <a:schemeClr val="accent1"/>
-            </a:effectRef>
-            <a:fontRef idx="minor">
-              <a:schemeClr val="lt1"/>
-            </a:fontRef>
-          </p:style>
           <p:txBody>
-            <a:bodyPr rtlCol="0" anchor="ctr"/>
+            <a:bodyPr wrap="square" rtlCol="0">
+              <a:spAutoFit/>
+            </a:bodyPr>
             <a:lstStyle/>
             <a:p>
-              <a:pPr algn="ctr"/>
               <a:r>
-                <a:rPr lang="en-US" altLang="ko-KR" sz="5400" dirty="0">
-                  <a:latin typeface="KoPub돋움체 Bold" pitchFamily="2" charset="-127"/>
-                  <a:ea typeface="KoPub돋움체 Bold" pitchFamily="2" charset="-127"/>
+                <a:rPr lang="ko-KR" altLang="en-US" sz="2800" dirty="0" smtClean="0">
+                  <a:latin typeface="KoPub돋움체 Light" pitchFamily="2" charset="-127"/>
+                  <a:ea typeface="KoPub돋움체 Light" pitchFamily="2" charset="-127"/>
                 </a:rPr>
-                <a:t>3</a:t>
+                <a:t>  인공 신경망은 사람의 뇌를 모방하여</a:t>
               </a:r>
-              <a:endParaRPr lang="ko-KR" altLang="en-US" sz="5400" dirty="0">
-                <a:latin typeface="KoPub돋움체 Bold" pitchFamily="2" charset="-127"/>
-                <a:ea typeface="KoPub돋움체 Bold" pitchFamily="2" charset="-127"/>
+              <a:r>
+                <a:rPr lang="en-US" altLang="ko-KR" sz="2800" dirty="0" smtClean="0">
+                  <a:latin typeface="KoPub돋움체 Light" pitchFamily="2" charset="-127"/>
+                  <a:ea typeface="KoPub돋움체 Light" pitchFamily="2" charset="-127"/>
+                </a:rPr>
+                <a:t>, </a:t>
+              </a:r>
+              <a:r>
+                <a:rPr lang="ko-KR" altLang="en-US" sz="2800" dirty="0" smtClean="0">
+                  <a:latin typeface="KoPub돋움체 Light" pitchFamily="2" charset="-127"/>
+                  <a:ea typeface="KoPub돋움체 Light" pitchFamily="2" charset="-127"/>
+                </a:rPr>
+                <a:t>전산상으로 구현된 뉴런을 연결하고</a:t>
+              </a:r>
+              <a:r>
+                <a:rPr lang="en-US" altLang="ko-KR" sz="2800" dirty="0" smtClean="0">
+                  <a:latin typeface="KoPub돋움체 Light" pitchFamily="2" charset="-127"/>
+                  <a:ea typeface="KoPub돋움체 Light" pitchFamily="2" charset="-127"/>
+                </a:rPr>
+                <a:t>, </a:t>
+              </a:r>
+              <a:r>
+                <a:rPr lang="ko-KR" altLang="en-US" sz="2800" dirty="0" smtClean="0">
+                  <a:latin typeface="KoPub돋움체 Light" pitchFamily="2" charset="-127"/>
+                  <a:ea typeface="KoPub돋움체 Light" pitchFamily="2" charset="-127"/>
+                </a:rPr>
+                <a:t>문제에 대해 학습시켜 해결하게 한다</a:t>
+              </a:r>
+              <a:r>
+                <a:rPr lang="en-US" altLang="ko-KR" sz="2800" dirty="0" smtClean="0">
+                  <a:latin typeface="KoPub돋움체 Light" pitchFamily="2" charset="-127"/>
+                  <a:ea typeface="KoPub돋움체 Light" pitchFamily="2" charset="-127"/>
+                </a:rPr>
+                <a:t>. </a:t>
+              </a:r>
+              <a:r>
+                <a:rPr lang="ko-KR" altLang="en-US" sz="2800" dirty="0" smtClean="0">
+                  <a:latin typeface="KoPub돋움체 Light" pitchFamily="2" charset="-127"/>
+                  <a:ea typeface="KoPub돋움체 Light" pitchFamily="2" charset="-127"/>
+                </a:rPr>
+                <a:t> 이는 뇌가 시냅스의 연결을 조절하는 과정을 모방하였다</a:t>
+              </a:r>
+              <a:r>
+                <a:rPr lang="en-US" altLang="ko-KR" sz="2800" dirty="0" smtClean="0">
+                  <a:latin typeface="KoPub돋움체 Light" pitchFamily="2" charset="-127"/>
+                  <a:ea typeface="KoPub돋움체 Light" pitchFamily="2" charset="-127"/>
+                </a:rPr>
+                <a:t>.</a:t>
+              </a:r>
+            </a:p>
+          </p:txBody>
+        </p:sp>
+        <p:sp>
+          <p:nvSpPr>
+            <p:cNvPr id="51" name="TextBox 50"/>
+            <p:cNvSpPr txBox="1"/>
+            <p:nvPr/>
+          </p:nvSpPr>
+          <p:spPr>
+            <a:xfrm>
+              <a:off x="746832" y="22613966"/>
+              <a:ext cx="12358774" cy="954107"/>
+            </a:xfrm>
+            <a:prstGeom prst="rect">
+              <a:avLst/>
+            </a:prstGeom>
+            <a:noFill/>
+          </p:spPr>
+          <p:txBody>
+            <a:bodyPr wrap="square" rtlCol="0">
+              <a:spAutoFit/>
+            </a:bodyPr>
+            <a:lstStyle/>
+            <a:p>
+              <a:r>
+                <a:rPr lang="ko-KR" altLang="en-US" sz="2800" dirty="0" smtClean="0">
+                  <a:latin typeface="KoPub돋움체 Light" pitchFamily="2" charset="-127"/>
+                  <a:ea typeface="KoPub돋움체 Light" pitchFamily="2" charset="-127"/>
+                </a:rPr>
+                <a:t> 신경망은 각각 입력된 신호에 가중치</a:t>
+              </a:r>
+              <a:r>
+                <a:rPr lang="en-US" altLang="ko-KR" sz="1600" dirty="0" smtClean="0">
+                  <a:latin typeface="KoPub돋움체 Light" pitchFamily="2" charset="-127"/>
+                  <a:ea typeface="KoPub돋움체 Light" pitchFamily="2" charset="-127"/>
+                </a:rPr>
+                <a:t>(</a:t>
+              </a:r>
+              <a:r>
+                <a:rPr lang="ko-KR" altLang="en-US" sz="1600" dirty="0" smtClean="0">
+                  <a:latin typeface="KoPub돋움체 Light" pitchFamily="2" charset="-127"/>
+                  <a:ea typeface="KoPub돋움체 Light" pitchFamily="2" charset="-127"/>
+                </a:rPr>
+                <a:t>신호의 세기를 조절</a:t>
+              </a:r>
+              <a:r>
+                <a:rPr lang="en-US" altLang="ko-KR" sz="1600" dirty="0" smtClean="0">
+                  <a:latin typeface="KoPub돋움체 Light" pitchFamily="2" charset="-127"/>
+                  <a:ea typeface="KoPub돋움체 Light" pitchFamily="2" charset="-127"/>
+                </a:rPr>
+                <a:t>, </a:t>
+              </a:r>
+              <a:r>
+                <a:rPr lang="ko-KR" altLang="en-US" sz="1600" dirty="0" smtClean="0">
+                  <a:latin typeface="KoPub돋움체 Light" pitchFamily="2" charset="-127"/>
+                  <a:ea typeface="KoPub돋움체 Light" pitchFamily="2" charset="-127"/>
+                </a:rPr>
+                <a:t>시냅스의 역할</a:t>
+              </a:r>
+              <a:r>
+                <a:rPr lang="en-US" altLang="ko-KR" sz="1600" dirty="0" smtClean="0">
+                  <a:latin typeface="KoPub돋움체 Light" pitchFamily="2" charset="-127"/>
+                  <a:ea typeface="KoPub돋움체 Light" pitchFamily="2" charset="-127"/>
+                </a:rPr>
+                <a:t>)</a:t>
+              </a:r>
+              <a:r>
+                <a:rPr lang="ko-KR" altLang="en-US" sz="2800" dirty="0" smtClean="0">
+                  <a:latin typeface="KoPub돋움체 Light" pitchFamily="2" charset="-127"/>
+                  <a:ea typeface="KoPub돋움체 Light" pitchFamily="2" charset="-127"/>
+                </a:rPr>
+                <a:t>를 곱하고</a:t>
+              </a:r>
+              <a:r>
+                <a:rPr lang="en-US" altLang="ko-KR" sz="2800" dirty="0" smtClean="0">
+                  <a:latin typeface="KoPub돋움체 Light" pitchFamily="2" charset="-127"/>
+                  <a:ea typeface="KoPub돋움체 Light" pitchFamily="2" charset="-127"/>
+                </a:rPr>
+                <a:t>, </a:t>
+              </a:r>
+              <a:r>
+                <a:rPr lang="ko-KR" altLang="en-US" sz="2800" dirty="0" smtClean="0">
+                  <a:latin typeface="KoPub돋움체 Light" pitchFamily="2" charset="-127"/>
+                  <a:ea typeface="KoPub돋움체 Light" pitchFamily="2" charset="-127"/>
+                </a:rPr>
+                <a:t>활성화 함수를 적용하여 다음 계층으로 신호를 발산한다</a:t>
+              </a:r>
+              <a:r>
+                <a:rPr lang="en-US" altLang="ko-KR" sz="2800" dirty="0" smtClean="0">
+                  <a:latin typeface="KoPub돋움체 Light" pitchFamily="2" charset="-127"/>
+                  <a:ea typeface="KoPub돋움체 Light" pitchFamily="2" charset="-127"/>
+                </a:rPr>
+                <a:t> : </a:t>
+              </a:r>
+              <a:r>
+                <a:rPr lang="ko-KR" altLang="en-US" sz="2800" b="1" dirty="0" err="1" smtClean="0">
+                  <a:latin typeface="KoPub돋움체 Light" pitchFamily="2" charset="-127"/>
+                  <a:ea typeface="KoPub돋움체 Light" pitchFamily="2" charset="-127"/>
+                </a:rPr>
+                <a:t>순전파</a:t>
+              </a:r>
+              <a:endParaRPr lang="ko-KR" altLang="en-US" sz="2800" b="1" dirty="0">
+                <a:latin typeface="KoPub돋움체 Light" pitchFamily="2" charset="-127"/>
+                <a:ea typeface="KoPub돋움체 Light" pitchFamily="2" charset="-127"/>
               </a:endParaRPr>
             </a:p>
           </p:txBody>
         </p:sp>
         <p:sp>
           <p:nvSpPr>
-            <p:cNvPr id="70" name="직사각형 69"/>
-            <p:cNvSpPr/>
+            <p:cNvPr id="57" name="TextBox 56"/>
+            <p:cNvSpPr txBox="1"/>
             <p:nvPr/>
           </p:nvSpPr>
           <p:spPr>
             <a:xfrm>
-              <a:off x="2247030" y="6468978"/>
-              <a:ext cx="13055645" cy="1214446"/>
+              <a:off x="746832" y="28330982"/>
+              <a:ext cx="12358774" cy="954107"/>
             </a:xfrm>
             <a:prstGeom prst="rect">
               <a:avLst/>
             </a:prstGeom>
-            <a:grpFill/>
-            <a:ln>
-              <a:noFill/>
-            </a:ln>
+            <a:noFill/>
           </p:spPr>
-          <p:style>
-            <a:lnRef idx="2">
-              <a:schemeClr val="accent1">
-                <a:shade val="50000"/>
-              </a:schemeClr>
-            </a:lnRef>
-            <a:fillRef idx="1">
-              <a:schemeClr val="accent1"/>
-            </a:fillRef>
-            <a:effectRef idx="0">
-              <a:schemeClr val="accent1"/>
-            </a:effectRef>
-            <a:fontRef idx="minor">
-              <a:schemeClr val="lt1"/>
-            </a:fontRef>
-          </p:style>
           <p:txBody>
-            <a:bodyPr rtlCol="0" anchor="ctr"/>
+            <a:bodyPr wrap="square" rtlCol="0">
+              <a:spAutoFit/>
+            </a:bodyPr>
             <a:lstStyle/>
             <a:p>
-              <a:pPr algn="ctr"/>
               <a:r>
-                <a:rPr lang="ko-KR" altLang="en-US" sz="5400" dirty="0" smtClean="0">
-                  <a:latin typeface="KoPub돋움체 Bold" pitchFamily="2" charset="-127"/>
-                  <a:ea typeface="KoPub돋움체 Bold" pitchFamily="2" charset="-127"/>
+                <a:rPr lang="ko-KR" altLang="en-US" sz="2800" dirty="0" smtClean="0">
+                  <a:latin typeface="KoPub돋움체 Light" pitchFamily="2" charset="-127"/>
+                  <a:ea typeface="KoPub돋움체 Light" pitchFamily="2" charset="-127"/>
                 </a:rPr>
-                <a:t>인공 신경망의 학습</a:t>
+                <a:t> 다음 계층으로 신호를 발산하기 전에</a:t>
               </a:r>
-              <a:endParaRPr lang="ko-KR" altLang="en-US" sz="5400" dirty="0">
-                <a:latin typeface="KoPub돋움체 Bold" pitchFamily="2" charset="-127"/>
-                <a:ea typeface="KoPub돋움체 Bold" pitchFamily="2" charset="-127"/>
+              <a:r>
+                <a:rPr lang="en-US" altLang="ko-KR" sz="2800" dirty="0" smtClean="0">
+                  <a:latin typeface="KoPub돋움체 Light" pitchFamily="2" charset="-127"/>
+                  <a:ea typeface="KoPub돋움체 Light" pitchFamily="2" charset="-127"/>
+                </a:rPr>
+                <a:t>, </a:t>
+              </a:r>
+              <a:r>
+                <a:rPr lang="ko-KR" altLang="en-US" sz="2800" dirty="0" smtClean="0">
+                  <a:latin typeface="KoPub돋움체 Light" pitchFamily="2" charset="-127"/>
+                  <a:ea typeface="KoPub돋움체 Light" pitchFamily="2" charset="-127"/>
+                </a:rPr>
+                <a:t>가중치와의 곱에 </a:t>
+              </a:r>
+              <a:r>
+                <a:rPr lang="ko-KR" altLang="en-US" sz="2800" b="1" dirty="0" smtClean="0">
+                  <a:latin typeface="KoPub돋움체 Light" pitchFamily="2" charset="-127"/>
+                  <a:ea typeface="KoPub돋움체 Light" pitchFamily="2" charset="-127"/>
+                </a:rPr>
+                <a:t>활성화 함수</a:t>
+              </a:r>
+              <a:r>
+                <a:rPr lang="ko-KR" altLang="en-US" sz="2800" dirty="0" smtClean="0">
+                  <a:latin typeface="KoPub돋움체 Light" pitchFamily="2" charset="-127"/>
+                  <a:ea typeface="KoPub돋움체 Light" pitchFamily="2" charset="-127"/>
+                </a:rPr>
+                <a:t>를 적용하게 되는데</a:t>
+              </a:r>
+              <a:r>
+                <a:rPr lang="en-US" altLang="ko-KR" sz="2800" dirty="0" smtClean="0">
+                  <a:latin typeface="KoPub돋움체 Light" pitchFamily="2" charset="-127"/>
+                  <a:ea typeface="KoPub돋움체 Light" pitchFamily="2" charset="-127"/>
+                </a:rPr>
+                <a:t>, </a:t>
+              </a:r>
+              <a:r>
+                <a:rPr lang="ko-KR" altLang="en-US" sz="2800" dirty="0" smtClean="0">
+                  <a:latin typeface="KoPub돋움체 Light" pitchFamily="2" charset="-127"/>
+                  <a:ea typeface="KoPub돋움체 Light" pitchFamily="2" charset="-127"/>
+                </a:rPr>
+                <a:t>이는 축삭돌기가 일정 세기 이상의 신호만을 발산하는</a:t>
+              </a:r>
+              <a:r>
+                <a:rPr lang="en-US" altLang="ko-KR" sz="2800" dirty="0">
+                  <a:latin typeface="KoPub돋움체 Light" pitchFamily="2" charset="-127"/>
+                  <a:ea typeface="KoPub돋움체 Light" pitchFamily="2" charset="-127"/>
+                </a:rPr>
+                <a:t> </a:t>
+              </a:r>
+              <a:r>
+                <a:rPr lang="ko-KR" altLang="en-US" sz="2800" dirty="0" smtClean="0">
+                  <a:latin typeface="KoPub돋움체 Light" pitchFamily="2" charset="-127"/>
+                  <a:ea typeface="KoPub돋움체 Light" pitchFamily="2" charset="-127"/>
+                </a:rPr>
+                <a:t>모습을 본 따왔다</a:t>
+              </a:r>
+              <a:r>
+                <a:rPr lang="en-US" altLang="ko-KR" sz="2800" dirty="0" smtClean="0">
+                  <a:latin typeface="KoPub돋움체 Light" pitchFamily="2" charset="-127"/>
+                  <a:ea typeface="KoPub돋움체 Light" pitchFamily="2" charset="-127"/>
+                </a:rPr>
+                <a:t>. </a:t>
+              </a:r>
+              <a:endParaRPr lang="ko-KR" altLang="en-US" sz="2800" b="1" dirty="0">
+                <a:latin typeface="KoPub돋움체 Light" pitchFamily="2" charset="-127"/>
+                <a:ea typeface="KoPub돋움체 Light" pitchFamily="2" charset="-127"/>
               </a:endParaRPr>
             </a:p>
           </p:txBody>
         </p:sp>
+        <p:grpSp>
+          <p:nvGrpSpPr>
+            <p:cNvPr id="76" name="그룹 75"/>
+            <p:cNvGrpSpPr/>
+            <p:nvPr/>
+          </p:nvGrpSpPr>
+          <p:grpSpPr>
+            <a:xfrm>
+              <a:off x="1818402" y="23783866"/>
+              <a:ext cx="10072758" cy="4126398"/>
+              <a:chOff x="675394" y="26471618"/>
+              <a:chExt cx="12358774" cy="5407004"/>
+            </a:xfrm>
+          </p:grpSpPr>
+          <p:pic>
+            <p:nvPicPr>
+              <p:cNvPr id="52" name="그림 51" descr="ReLU_그래프.png"/>
+              <p:cNvPicPr>
+                <a:picLocks noChangeAspect="1"/>
+              </p:cNvPicPr>
+              <p:nvPr/>
+            </p:nvPicPr>
+            <p:blipFill>
+              <a:blip r:embed="rId5"/>
+              <a:stretch>
+                <a:fillRect/>
+              </a:stretch>
+            </p:blipFill>
+            <p:spPr>
+              <a:xfrm>
+                <a:off x="8962202" y="26971684"/>
+                <a:ext cx="3990320" cy="3462339"/>
+              </a:xfrm>
+              <a:prstGeom prst="rect">
+                <a:avLst/>
+              </a:prstGeom>
+            </p:spPr>
+          </p:pic>
+          <p:pic>
+            <p:nvPicPr>
+              <p:cNvPr id="53" name="그림 52" descr="tanh_그래프.png"/>
+              <p:cNvPicPr>
+                <a:picLocks noChangeAspect="1"/>
+              </p:cNvPicPr>
+              <p:nvPr/>
+            </p:nvPicPr>
+            <p:blipFill>
+              <a:blip r:embed="rId6"/>
+              <a:stretch>
+                <a:fillRect/>
+              </a:stretch>
+            </p:blipFill>
+            <p:spPr>
+              <a:xfrm>
+                <a:off x="5034170" y="26614494"/>
+                <a:ext cx="3912655" cy="3395667"/>
+              </a:xfrm>
+              <a:prstGeom prst="rect">
+                <a:avLst/>
+              </a:prstGeom>
+            </p:spPr>
+          </p:pic>
+          <p:pic>
+            <p:nvPicPr>
+              <p:cNvPr id="54" name="그림 53" descr="로지스틱_시그모이드_그래프.png"/>
+              <p:cNvPicPr>
+                <a:picLocks noChangeAspect="1"/>
+              </p:cNvPicPr>
+              <p:nvPr/>
+            </p:nvPicPr>
+            <p:blipFill>
+              <a:blip r:embed="rId7"/>
+              <a:stretch>
+                <a:fillRect/>
+              </a:stretch>
+            </p:blipFill>
+            <p:spPr>
+              <a:xfrm>
+                <a:off x="675394" y="26471618"/>
+                <a:ext cx="4343400" cy="3771900"/>
+              </a:xfrm>
+              <a:prstGeom prst="rect">
+                <a:avLst/>
+              </a:prstGeom>
+            </p:spPr>
+          </p:pic>
+          <p:pic>
+            <p:nvPicPr>
+              <p:cNvPr id="11267" name="_x234505152" descr="DRW000011dc7957"/>
+              <p:cNvPicPr>
+                <a:picLocks noChangeAspect="1" noChangeArrowheads="1"/>
+              </p:cNvPicPr>
+              <p:nvPr/>
+            </p:nvPicPr>
+            <p:blipFill>
+              <a:blip r:embed="rId8"/>
+              <a:srcRect/>
+              <a:stretch>
+                <a:fillRect/>
+              </a:stretch>
+            </p:blipFill>
+            <p:spPr bwMode="auto">
+              <a:xfrm>
+                <a:off x="1532650" y="30186394"/>
+                <a:ext cx="2452152" cy="949329"/>
+              </a:xfrm>
+              <a:prstGeom prst="rect">
+                <a:avLst/>
+              </a:prstGeom>
+              <a:noFill/>
+            </p:spPr>
+          </p:pic>
+          <p:pic>
+            <p:nvPicPr>
+              <p:cNvPr id="62" name="_x234504032" descr="DRW000011dc796b"/>
+              <p:cNvPicPr>
+                <a:picLocks noChangeAspect="1" noChangeArrowheads="1"/>
+              </p:cNvPicPr>
+              <p:nvPr/>
+            </p:nvPicPr>
+            <p:blipFill>
+              <a:blip r:embed="rId9"/>
+              <a:srcRect t="-1" r="58813" b="-33334"/>
+              <a:stretch>
+                <a:fillRect/>
+              </a:stretch>
+            </p:blipFill>
+            <p:spPr bwMode="auto">
+              <a:xfrm>
+                <a:off x="5033112" y="30329270"/>
+                <a:ext cx="3929090" cy="928694"/>
+              </a:xfrm>
+              <a:prstGeom prst="rect">
+                <a:avLst/>
+              </a:prstGeom>
+              <a:noFill/>
+            </p:spPr>
+          </p:pic>
+          <p:pic>
+            <p:nvPicPr>
+              <p:cNvPr id="11273" name="_x234503152" descr="DRW000011dc7975"/>
+              <p:cNvPicPr>
+                <a:picLocks noChangeAspect="1" noChangeArrowheads="1"/>
+              </p:cNvPicPr>
+              <p:nvPr/>
+            </p:nvPicPr>
+            <p:blipFill>
+              <a:blip r:embed="rId10"/>
+              <a:srcRect/>
+              <a:stretch>
+                <a:fillRect/>
+              </a:stretch>
+            </p:blipFill>
+            <p:spPr bwMode="auto">
+              <a:xfrm>
+                <a:off x="9605144" y="30543584"/>
+                <a:ext cx="3348971" cy="466727"/>
+              </a:xfrm>
+              <a:prstGeom prst="rect">
+                <a:avLst/>
+              </a:prstGeom>
+              <a:noFill/>
+            </p:spPr>
+          </p:pic>
+          <p:sp>
+            <p:nvSpPr>
+              <p:cNvPr id="81" name="TextBox 80"/>
+              <p:cNvSpPr txBox="1"/>
+              <p:nvPr/>
+            </p:nvSpPr>
+            <p:spPr>
+              <a:xfrm>
+                <a:off x="675394" y="31193023"/>
+                <a:ext cx="12358774" cy="685599"/>
+              </a:xfrm>
+              <a:prstGeom prst="rect">
+                <a:avLst/>
+              </a:prstGeom>
+              <a:noFill/>
+            </p:spPr>
+            <p:txBody>
+              <a:bodyPr wrap="square" rtlCol="0">
+                <a:spAutoFit/>
+              </a:bodyPr>
+              <a:lstStyle/>
+              <a:p>
+                <a:r>
+                  <a:rPr lang="ko-KR" altLang="en-US" sz="2800" b="1" dirty="0" smtClean="0">
+                    <a:latin typeface="KoPub돋움체 Light" pitchFamily="2" charset="-127"/>
+                    <a:ea typeface="KoPub돋움체 Light" pitchFamily="2" charset="-127"/>
+                  </a:rPr>
+                  <a:t>   </a:t>
+                </a:r>
+                <a:r>
+                  <a:rPr lang="en-US" altLang="ko-KR" sz="2800" b="1" dirty="0" smtClean="0">
+                    <a:latin typeface="KoPub돋움체 Light" pitchFamily="2" charset="-127"/>
+                    <a:ea typeface="KoPub돋움체 Light" pitchFamily="2" charset="-127"/>
+                  </a:rPr>
+                  <a:t>Logistic Sigmoid           </a:t>
+                </a:r>
+                <a:r>
+                  <a:rPr lang="en-US" altLang="ko-KR" sz="2800" b="1" dirty="0" err="1" smtClean="0">
+                    <a:latin typeface="KoPub돋움체 Light" pitchFamily="2" charset="-127"/>
+                    <a:ea typeface="KoPub돋움체 Light" pitchFamily="2" charset="-127"/>
+                  </a:rPr>
+                  <a:t>Tanh</a:t>
+                </a:r>
+                <a:r>
+                  <a:rPr lang="en-US" altLang="ko-KR" sz="2800" b="1" dirty="0" smtClean="0">
+                    <a:latin typeface="KoPub돋움체 Light" pitchFamily="2" charset="-127"/>
+                    <a:ea typeface="KoPub돋움체 Light" pitchFamily="2" charset="-127"/>
+                  </a:rPr>
+                  <a:t>                     </a:t>
+                </a:r>
+                <a:r>
+                  <a:rPr lang="en-US" altLang="ko-KR" sz="2800" b="1" dirty="0" err="1" smtClean="0">
+                    <a:latin typeface="KoPub돋움체 Light" pitchFamily="2" charset="-127"/>
+                    <a:ea typeface="KoPub돋움체 Light" pitchFamily="2" charset="-127"/>
+                  </a:rPr>
+                  <a:t>ReLU</a:t>
+                </a:r>
+                <a:endParaRPr lang="ko-KR" altLang="en-US" sz="2800" b="1" dirty="0">
+                  <a:latin typeface="KoPub돋움체 Light" pitchFamily="2" charset="-127"/>
+                  <a:ea typeface="KoPub돋움체 Light" pitchFamily="2" charset="-127"/>
+                </a:endParaRPr>
+              </a:p>
+            </p:txBody>
+          </p:sp>
+        </p:grpSp>
+        <p:pic>
+          <p:nvPicPr>
+            <p:cNvPr id="131" name="그림 130" descr="피드포워드_뉴럴넷_그림.png"/>
+            <p:cNvPicPr>
+              <a:picLocks noChangeAspect="1"/>
+            </p:cNvPicPr>
+            <p:nvPr/>
+          </p:nvPicPr>
+          <p:blipFill>
+            <a:blip r:embed="rId4"/>
+            <a:stretch>
+              <a:fillRect/>
+            </a:stretch>
+          </p:blipFill>
+          <p:spPr>
+            <a:xfrm>
+              <a:off x="7533442" y="4842465"/>
+              <a:ext cx="4786346" cy="2637398"/>
+            </a:xfrm>
+            <a:prstGeom prst="rect">
+              <a:avLst/>
+            </a:prstGeom>
+          </p:spPr>
+        </p:pic>
       </p:grpSp>
       <p:grpSp>
         <p:nvGrpSpPr>
@@ -4786,7 +4588,7 @@
         </p:nvGrpSpPr>
         <p:grpSpPr>
           <a:xfrm>
-            <a:off x="13605672" y="18327686"/>
+            <a:off x="13605672" y="5111656"/>
             <a:ext cx="11644394" cy="1632215"/>
             <a:chOff x="1032584" y="6040350"/>
             <a:chExt cx="14270091" cy="2000264"/>
@@ -4840,7 +4642,7 @@
                   <a:latin typeface="KoPub돋움체 Bold" pitchFamily="2" charset="-127"/>
                   <a:ea typeface="KoPub돋움체 Bold" pitchFamily="2" charset="-127"/>
                 </a:rPr>
-                <a:t>4</a:t>
+                <a:t>3</a:t>
               </a:r>
               <a:endParaRPr lang="ko-KR" altLang="en-US" sz="5400" dirty="0">
                 <a:latin typeface="KoPub돋움체 Bold" pitchFamily="2" charset="-127"/>
@@ -4906,232 +4708,6 @@
       </p:grpSp>
       <p:sp>
         <p:nvSpPr>
-          <p:cNvPr id="81" name="TextBox 80"/>
-          <p:cNvSpPr txBox="1"/>
-          <p:nvPr/>
-        </p:nvSpPr>
-        <p:spPr>
-          <a:xfrm>
-            <a:off x="675394" y="33979102"/>
-            <a:ext cx="12358774" cy="707886"/>
-          </a:xfrm>
-          <a:prstGeom prst="rect">
-            <a:avLst/>
-          </a:prstGeom>
-          <a:noFill/>
-        </p:spPr>
-        <p:txBody>
-          <a:bodyPr wrap="square" rtlCol="0">
-            <a:spAutoFit/>
-          </a:bodyPr>
-          <a:lstStyle/>
-          <a:p>
-            <a:r>
-              <a:rPr lang="ko-KR" altLang="en-US" sz="4000" b="1" dirty="0" smtClean="0">
-                <a:latin typeface="KoPub돋움체 Light" pitchFamily="2" charset="-127"/>
-                <a:ea typeface="KoPub돋움체 Light" pitchFamily="2" charset="-127"/>
-              </a:rPr>
-              <a:t>   </a:t>
-            </a:r>
-            <a:r>
-              <a:rPr lang="en-US" altLang="ko-KR" sz="4000" b="1" dirty="0" smtClean="0">
-                <a:latin typeface="KoPub돋움체 Light" pitchFamily="2" charset="-127"/>
-                <a:ea typeface="KoPub돋움체 Light" pitchFamily="2" charset="-127"/>
-              </a:rPr>
-              <a:t>Logistic Sigmoid           </a:t>
-            </a:r>
-            <a:r>
-              <a:rPr lang="en-US" altLang="ko-KR" sz="4000" b="1" dirty="0" err="1" smtClean="0">
-                <a:latin typeface="KoPub돋움체 Light" pitchFamily="2" charset="-127"/>
-                <a:ea typeface="KoPub돋움체 Light" pitchFamily="2" charset="-127"/>
-              </a:rPr>
-              <a:t>Tanh</a:t>
-            </a:r>
-            <a:r>
-              <a:rPr lang="en-US" altLang="ko-KR" sz="4000" b="1" dirty="0" smtClean="0">
-                <a:latin typeface="KoPub돋움체 Light" pitchFamily="2" charset="-127"/>
-                <a:ea typeface="KoPub돋움체 Light" pitchFamily="2" charset="-127"/>
-              </a:rPr>
-              <a:t>                     </a:t>
-            </a:r>
-            <a:r>
-              <a:rPr lang="en-US" altLang="ko-KR" sz="4000" b="1" dirty="0" err="1" smtClean="0">
-                <a:latin typeface="KoPub돋움체 Light" pitchFamily="2" charset="-127"/>
-                <a:ea typeface="KoPub돋움체 Light" pitchFamily="2" charset="-127"/>
-              </a:rPr>
-              <a:t>ReLU</a:t>
-            </a:r>
-            <a:endParaRPr lang="ko-KR" altLang="en-US" sz="4000" b="1" dirty="0">
-              <a:latin typeface="KoPub돋움체 Light" pitchFamily="2" charset="-127"/>
-              <a:ea typeface="KoPub돋움체 Light" pitchFamily="2" charset="-127"/>
-            </a:endParaRPr>
-          </a:p>
-        </p:txBody>
-      </p:sp>
-      <p:sp>
-        <p:nvSpPr>
-          <p:cNvPr id="86" name="TextBox 85"/>
-          <p:cNvSpPr txBox="1"/>
-          <p:nvPr/>
-        </p:nvSpPr>
-        <p:spPr>
-          <a:xfrm>
-            <a:off x="13248482" y="6820520"/>
-            <a:ext cx="12358774" cy="2062103"/>
-          </a:xfrm>
-          <a:prstGeom prst="rect">
-            <a:avLst/>
-          </a:prstGeom>
-          <a:noFill/>
-        </p:spPr>
-        <p:txBody>
-          <a:bodyPr wrap="square" rtlCol="0">
-            <a:spAutoFit/>
-          </a:bodyPr>
-          <a:lstStyle/>
-          <a:p>
-            <a:r>
-              <a:rPr lang="ko-KR" altLang="en-US" sz="3200" dirty="0" smtClean="0">
-                <a:latin typeface="KoPub돋움체 Light" pitchFamily="2" charset="-127"/>
-                <a:ea typeface="KoPub돋움체 Light" pitchFamily="2" charset="-127"/>
-              </a:rPr>
-              <a:t>인공 신경망을 실제 문제 해결에 사용하려면</a:t>
-            </a:r>
-            <a:r>
-              <a:rPr lang="en-US" altLang="ko-KR" sz="3200" dirty="0" smtClean="0">
-                <a:latin typeface="KoPub돋움체 Light" pitchFamily="2" charset="-127"/>
-                <a:ea typeface="KoPub돋움체 Light" pitchFamily="2" charset="-127"/>
-              </a:rPr>
-              <a:t>, </a:t>
-            </a:r>
-            <a:r>
-              <a:rPr lang="ko-KR" altLang="en-US" sz="3200" dirty="0" smtClean="0">
-                <a:latin typeface="KoPub돋움체 Light" pitchFamily="2" charset="-127"/>
-                <a:ea typeface="KoPub돋움체 Light" pitchFamily="2" charset="-127"/>
-              </a:rPr>
-              <a:t>가중치를 조절하여 문제 해결에 알맞게 </a:t>
-            </a:r>
-            <a:r>
-              <a:rPr lang="en-US" altLang="ko-KR" sz="3200" dirty="0" smtClean="0">
-                <a:latin typeface="KoPub돋움체 Light" pitchFamily="2" charset="-127"/>
-                <a:ea typeface="KoPub돋움체 Light" pitchFamily="2" charset="-127"/>
-              </a:rPr>
-              <a:t>‘</a:t>
-            </a:r>
-            <a:r>
-              <a:rPr lang="ko-KR" altLang="en-US" sz="3200" dirty="0" smtClean="0">
-                <a:latin typeface="KoPub돋움체 Light" pitchFamily="2" charset="-127"/>
-                <a:ea typeface="KoPub돋움체 Light" pitchFamily="2" charset="-127"/>
-              </a:rPr>
-              <a:t>학습</a:t>
-            </a:r>
-            <a:r>
-              <a:rPr lang="en-US" altLang="ko-KR" sz="3200" dirty="0" smtClean="0">
-                <a:latin typeface="KoPub돋움체 Light" pitchFamily="2" charset="-127"/>
-                <a:ea typeface="KoPub돋움체 Light" pitchFamily="2" charset="-127"/>
-              </a:rPr>
-              <a:t>’ </a:t>
-            </a:r>
-            <a:r>
-              <a:rPr lang="ko-KR" altLang="en-US" sz="3200" dirty="0" smtClean="0">
-                <a:latin typeface="KoPub돋움체 Light" pitchFamily="2" charset="-127"/>
-                <a:ea typeface="KoPub돋움체 Light" pitchFamily="2" charset="-127"/>
-              </a:rPr>
-              <a:t>시켜야 한다</a:t>
-            </a:r>
-            <a:r>
-              <a:rPr lang="en-US" altLang="ko-KR" sz="3200" dirty="0" smtClean="0">
-                <a:latin typeface="KoPub돋움체 Light" pitchFamily="2" charset="-127"/>
-                <a:ea typeface="KoPub돋움체 Light" pitchFamily="2" charset="-127"/>
-              </a:rPr>
-              <a:t>. </a:t>
-            </a:r>
-            <a:r>
-              <a:rPr lang="ko-KR" altLang="en-US" sz="3200" dirty="0" smtClean="0">
-                <a:latin typeface="KoPub돋움체 Light" pitchFamily="2" charset="-127"/>
-                <a:ea typeface="KoPub돋움체 Light" pitchFamily="2" charset="-127"/>
-              </a:rPr>
-              <a:t>학습은</a:t>
-            </a:r>
-            <a:r>
-              <a:rPr lang="en-US" altLang="ko-KR" sz="3200" dirty="0">
-                <a:latin typeface="KoPub돋움체 Light" pitchFamily="2" charset="-127"/>
-                <a:ea typeface="KoPub돋움체 Light" pitchFamily="2" charset="-127"/>
-              </a:rPr>
-              <a:t> </a:t>
-            </a:r>
-            <a:r>
-              <a:rPr lang="ko-KR" altLang="en-US" sz="3200" dirty="0" smtClean="0">
-                <a:latin typeface="KoPub돋움체 Light" pitchFamily="2" charset="-127"/>
-                <a:ea typeface="KoPub돋움체 Light" pitchFamily="2" charset="-127"/>
-              </a:rPr>
-              <a:t>주어진 데이터 세트를 이용해서 수행하는데</a:t>
-            </a:r>
-            <a:r>
-              <a:rPr lang="en-US" altLang="ko-KR" sz="3200" dirty="0" smtClean="0">
-                <a:latin typeface="KoPub돋움체 Light" pitchFamily="2" charset="-127"/>
-                <a:ea typeface="KoPub돋움체 Light" pitchFamily="2" charset="-127"/>
-              </a:rPr>
-              <a:t>, </a:t>
-            </a:r>
-            <a:r>
-              <a:rPr lang="ko-KR" altLang="en-US" sz="3200" dirty="0" err="1" smtClean="0">
-                <a:latin typeface="KoPub돋움체 Light" pitchFamily="2" charset="-127"/>
-                <a:ea typeface="KoPub돋움체 Light" pitchFamily="2" charset="-127"/>
-              </a:rPr>
-              <a:t>편미분을</a:t>
-            </a:r>
-            <a:r>
-              <a:rPr lang="ko-KR" altLang="en-US" sz="3200" dirty="0" smtClean="0">
-                <a:latin typeface="KoPub돋움체 Light" pitchFamily="2" charset="-127"/>
-                <a:ea typeface="KoPub돋움체 Light" pitchFamily="2" charset="-127"/>
-              </a:rPr>
-              <a:t> 통해 주어진 입력에 대한 신경망의 출력이 주어진 기대 출력 값과 가까워지게끔 가중치를 조절한다</a:t>
-            </a:r>
-            <a:r>
-              <a:rPr lang="en-US" altLang="ko-KR" sz="3200" dirty="0" smtClean="0">
-                <a:latin typeface="KoPub돋움체 Light" pitchFamily="2" charset="-127"/>
-                <a:ea typeface="KoPub돋움체 Light" pitchFamily="2" charset="-127"/>
-              </a:rPr>
-              <a:t>. </a:t>
-            </a:r>
-            <a:r>
-              <a:rPr lang="ko-KR" altLang="en-US" sz="3200" dirty="0" smtClean="0">
-                <a:latin typeface="KoPub돋움체 Light" pitchFamily="2" charset="-127"/>
-                <a:ea typeface="KoPub돋움체 Light" pitchFamily="2" charset="-127"/>
-              </a:rPr>
-              <a:t>이를 경사 감소법이라고 한다</a:t>
-            </a:r>
-            <a:r>
-              <a:rPr lang="en-US" altLang="ko-KR" sz="2000" dirty="0" smtClean="0">
-                <a:latin typeface="KoPub돋움체 Light" pitchFamily="2" charset="-127"/>
-                <a:ea typeface="KoPub돋움체 Light" pitchFamily="2" charset="-127"/>
-              </a:rPr>
-              <a:t>(E(u)</a:t>
-            </a:r>
-            <a:r>
-              <a:rPr lang="ko-KR" altLang="en-US" sz="2000" dirty="0" smtClean="0">
-                <a:latin typeface="KoPub돋움체 Light" pitchFamily="2" charset="-127"/>
-                <a:ea typeface="KoPub돋움체 Light" pitchFamily="2" charset="-127"/>
-              </a:rPr>
-              <a:t>를 최소화</a:t>
-            </a:r>
-            <a:r>
-              <a:rPr lang="en-US" altLang="ko-KR" sz="2000" dirty="0" smtClean="0">
-                <a:latin typeface="KoPub돋움체 Light" pitchFamily="2" charset="-127"/>
-                <a:ea typeface="KoPub돋움체 Light" pitchFamily="2" charset="-127"/>
-              </a:rPr>
-              <a:t>)</a:t>
-            </a:r>
-            <a:endParaRPr lang="en-US" altLang="ko-KR" sz="3200" dirty="0" smtClean="0">
-              <a:latin typeface="KoPub돋움체 Light" pitchFamily="2" charset="-127"/>
-              <a:ea typeface="KoPub돋움체 Light" pitchFamily="2" charset="-127"/>
-            </a:endParaRPr>
-          </a:p>
-        </p:txBody>
-      </p:sp>
-      <p:sp>
-        <p:nvSpPr>
           <p:cNvPr id="11276" name="Rectangle 12"/>
           <p:cNvSpPr>
             <a:spLocks noChangeArrowheads="1"/>
@@ -5168,32 +4744,6 @@
           </a:p>
         </p:txBody>
       </p:sp>
-      <p:pic>
-        <p:nvPicPr>
-          <p:cNvPr id="11275" name="_x234506832" descr="DRW000011dc7986"/>
-          <p:cNvPicPr>
-            <a:picLocks noChangeAspect="1" noChangeArrowheads="1"/>
-          </p:cNvPicPr>
-          <p:nvPr/>
-        </p:nvPicPr>
-        <p:blipFill>
-          <a:blip r:embed="rId12"/>
-          <a:srcRect/>
-          <a:stretch>
-            <a:fillRect/>
-          </a:stretch>
-        </p:blipFill>
-        <p:spPr bwMode="auto">
-          <a:xfrm>
-            <a:off x="16248877" y="12184018"/>
-            <a:ext cx="4931459" cy="571504"/>
-          </a:xfrm>
-          <a:prstGeom prst="rect">
-            <a:avLst/>
-          </a:prstGeom>
-          <a:noFill/>
-        </p:spPr>
-      </p:pic>
       <p:sp>
         <p:nvSpPr>
           <p:cNvPr id="11278" name="Rectangle 14"/>
@@ -5270,244 +4820,6 @@
           </a:p>
         </p:txBody>
       </p:sp>
-      <p:pic>
-        <p:nvPicPr>
-          <p:cNvPr id="11279" name="_x234506672" descr="EMB000011dc798c"/>
-          <p:cNvPicPr>
-            <a:picLocks noChangeAspect="1" noChangeArrowheads="1"/>
-          </p:cNvPicPr>
-          <p:nvPr/>
-        </p:nvPicPr>
-        <p:blipFill>
-          <a:blip r:embed="rId13"/>
-          <a:srcRect l="4327" t="4875" r="5426" b="4153"/>
-          <a:stretch>
-            <a:fillRect/>
-          </a:stretch>
-        </p:blipFill>
-        <p:spPr bwMode="auto">
-          <a:xfrm>
-            <a:off x="15248746" y="8826432"/>
-            <a:ext cx="3190805" cy="2286016"/>
-          </a:xfrm>
-          <a:prstGeom prst="rect">
-            <a:avLst/>
-          </a:prstGeom>
-          <a:noFill/>
-        </p:spPr>
-      </p:pic>
-      <p:pic>
-        <p:nvPicPr>
-          <p:cNvPr id="11288" name="Picture 24"/>
-          <p:cNvPicPr>
-            <a:picLocks noChangeAspect="1" noChangeArrowheads="1"/>
-          </p:cNvPicPr>
-          <p:nvPr/>
-        </p:nvPicPr>
-        <p:blipFill>
-          <a:blip r:embed="rId14"/>
-          <a:srcRect/>
-          <a:stretch>
-            <a:fillRect/>
-          </a:stretch>
-        </p:blipFill>
-        <p:spPr bwMode="auto">
-          <a:xfrm>
-            <a:off x="19249274" y="8826432"/>
-            <a:ext cx="4517972" cy="2143140"/>
-          </a:xfrm>
-          <a:prstGeom prst="rect">
-            <a:avLst/>
-          </a:prstGeom>
-          <a:noFill/>
-          <a:ln w="9525">
-            <a:noFill/>
-            <a:miter lim="800000"/>
-            <a:headEnd/>
-            <a:tailEnd/>
-          </a:ln>
-          <a:effectLst/>
-        </p:spPr>
-      </p:pic>
-      <p:sp>
-        <p:nvSpPr>
-          <p:cNvPr id="104" name="TextBox 103"/>
-          <p:cNvSpPr txBox="1"/>
-          <p:nvPr/>
-        </p:nvSpPr>
-        <p:spPr>
-          <a:xfrm>
-            <a:off x="13427077" y="11041010"/>
-            <a:ext cx="12001584" cy="1077218"/>
-          </a:xfrm>
-          <a:prstGeom prst="rect">
-            <a:avLst/>
-          </a:prstGeom>
-          <a:noFill/>
-        </p:spPr>
-        <p:txBody>
-          <a:bodyPr wrap="square" rtlCol="0">
-            <a:spAutoFit/>
-          </a:bodyPr>
-          <a:lstStyle/>
-          <a:p>
-            <a:r>
-              <a:rPr lang="en-US" altLang="ko-KR" sz="3200" dirty="0" smtClean="0">
-                <a:latin typeface="KoPub돋움체 Light" pitchFamily="2" charset="-127"/>
-                <a:ea typeface="KoPub돋움체 Light" pitchFamily="2" charset="-127"/>
-              </a:rPr>
-              <a:t> </a:t>
-            </a:r>
-            <a:r>
-              <a:rPr lang="ko-KR" altLang="en-US" sz="3200" dirty="0" smtClean="0">
-                <a:latin typeface="KoPub돋움체 Light" pitchFamily="2" charset="-127"/>
-                <a:ea typeface="KoPub돋움체 Light" pitchFamily="2" charset="-127"/>
-              </a:rPr>
-              <a:t>경사 감소 법을 이용해 신경망의 오차를 최소화한다</a:t>
-            </a:r>
-            <a:r>
-              <a:rPr lang="en-US" altLang="ko-KR" sz="3200" dirty="0" smtClean="0">
-                <a:latin typeface="KoPub돋움체 Light" pitchFamily="2" charset="-127"/>
-                <a:ea typeface="KoPub돋움체 Light" pitchFamily="2" charset="-127"/>
-              </a:rPr>
-              <a:t>. </a:t>
-            </a:r>
-            <a:r>
-              <a:rPr lang="ko-KR" altLang="en-US" sz="3200" dirty="0" smtClean="0">
-                <a:latin typeface="KoPub돋움체 Light" pitchFamily="2" charset="-127"/>
-                <a:ea typeface="KoPub돋움체 Light" pitchFamily="2" charset="-127"/>
-              </a:rPr>
-              <a:t>출력 층의    오차함수는 아래와 같이 구한다</a:t>
-            </a:r>
-            <a:r>
-              <a:rPr lang="en-US" altLang="ko-KR" sz="3200" dirty="0" smtClean="0">
-                <a:latin typeface="KoPub돋움체 Light" pitchFamily="2" charset="-127"/>
-                <a:ea typeface="KoPub돋움체 Light" pitchFamily="2" charset="-127"/>
-              </a:rPr>
-              <a:t>(</a:t>
-            </a:r>
-            <a:r>
-              <a:rPr lang="ko-KR" altLang="en-US" sz="3200" dirty="0" smtClean="0">
-                <a:latin typeface="KoPub돋움체 Light" pitchFamily="2" charset="-127"/>
-                <a:ea typeface="KoPub돋움체 Light" pitchFamily="2" charset="-127"/>
-              </a:rPr>
-              <a:t>최소제곱 오차</a:t>
-            </a:r>
-            <a:r>
-              <a:rPr lang="en-US" altLang="ko-KR" sz="3200" dirty="0" smtClean="0">
-                <a:latin typeface="KoPub돋움체 Light" pitchFamily="2" charset="-127"/>
-                <a:ea typeface="KoPub돋움체 Light" pitchFamily="2" charset="-127"/>
-              </a:rPr>
-              <a:t>)</a:t>
-            </a:r>
-            <a:endParaRPr lang="ko-KR" altLang="en-US" sz="3200" dirty="0">
-              <a:latin typeface="KoPub돋움체 Light" pitchFamily="2" charset="-127"/>
-              <a:ea typeface="KoPub돋움체 Light" pitchFamily="2" charset="-127"/>
-            </a:endParaRPr>
-          </a:p>
-        </p:txBody>
-      </p:sp>
-      <p:sp>
-        <p:nvSpPr>
-          <p:cNvPr id="105" name="TextBox 104"/>
-          <p:cNvSpPr txBox="1"/>
-          <p:nvPr/>
-        </p:nvSpPr>
-        <p:spPr>
-          <a:xfrm>
-            <a:off x="13248482" y="12826960"/>
-            <a:ext cx="12358774" cy="1569660"/>
-          </a:xfrm>
-          <a:prstGeom prst="rect">
-            <a:avLst/>
-          </a:prstGeom>
-          <a:noFill/>
-        </p:spPr>
-        <p:txBody>
-          <a:bodyPr wrap="square" rtlCol="0">
-            <a:spAutoFit/>
-          </a:bodyPr>
-          <a:lstStyle/>
-          <a:p>
-            <a:r>
-              <a:rPr lang="ko-KR" altLang="en-US" sz="3200" dirty="0" smtClean="0">
-                <a:latin typeface="KoPub돋움체 Light" pitchFamily="2" charset="-127"/>
-                <a:ea typeface="KoPub돋움체 Light" pitchFamily="2" charset="-127"/>
-              </a:rPr>
-              <a:t>출력 층의 오차함수를 통해 구한 오차를 이용해 가중치를 보정하고</a:t>
-            </a:r>
-            <a:r>
-              <a:rPr lang="en-US" altLang="ko-KR" sz="3200" dirty="0" smtClean="0">
-                <a:latin typeface="KoPub돋움체 Light" pitchFamily="2" charset="-127"/>
-                <a:ea typeface="KoPub돋움체 Light" pitchFamily="2" charset="-127"/>
-              </a:rPr>
-              <a:t>,</a:t>
-            </a:r>
-          </a:p>
-          <a:p>
-            <a:r>
-              <a:rPr lang="ko-KR" altLang="en-US" sz="3200" dirty="0" smtClean="0">
-                <a:latin typeface="KoPub돋움체 Light" pitchFamily="2" charset="-127"/>
-                <a:ea typeface="KoPub돋움체 Light" pitchFamily="2" charset="-127"/>
-              </a:rPr>
-              <a:t>이 오차를 이용해 이전 계층의 오차를 계산한다</a:t>
-            </a:r>
-            <a:r>
-              <a:rPr lang="en-US" altLang="ko-KR" sz="3200" dirty="0" smtClean="0">
-                <a:latin typeface="KoPub돋움체 Light" pitchFamily="2" charset="-127"/>
-                <a:ea typeface="KoPub돋움체 Light" pitchFamily="2" charset="-127"/>
-              </a:rPr>
-              <a:t>. </a:t>
-            </a:r>
-            <a:r>
-              <a:rPr lang="ko-KR" altLang="en-US" sz="3200" dirty="0" smtClean="0">
-                <a:latin typeface="KoPub돋움체 Light" pitchFamily="2" charset="-127"/>
-                <a:ea typeface="KoPub돋움체 Light" pitchFamily="2" charset="-127"/>
-              </a:rPr>
-              <a:t>이전 계층으로 분배되는 오차는 그 </a:t>
-            </a:r>
-            <a:r>
-              <a:rPr lang="ko-KR" altLang="en-US" sz="3200" dirty="0" err="1" smtClean="0">
-                <a:latin typeface="KoPub돋움체 Light" pitchFamily="2" charset="-127"/>
-                <a:ea typeface="KoPub돋움체 Light" pitchFamily="2" charset="-127"/>
-              </a:rPr>
-              <a:t>유닛에</a:t>
-            </a:r>
-            <a:r>
-              <a:rPr lang="ko-KR" altLang="en-US" sz="3200" dirty="0" smtClean="0">
-                <a:latin typeface="KoPub돋움체 Light" pitchFamily="2" charset="-127"/>
-                <a:ea typeface="KoPub돋움체 Light" pitchFamily="2" charset="-127"/>
-              </a:rPr>
-              <a:t> 연결된 가중치에 비례한다</a:t>
-            </a:r>
-            <a:r>
-              <a:rPr lang="en-US" altLang="ko-KR" sz="3200" dirty="0" smtClean="0">
-                <a:latin typeface="KoPub돋움체 Light" pitchFamily="2" charset="-127"/>
-                <a:ea typeface="KoPub돋움체 Light" pitchFamily="2" charset="-127"/>
-              </a:rPr>
-              <a:t> : </a:t>
-            </a:r>
-            <a:r>
-              <a:rPr lang="ko-KR" altLang="en-US" sz="3200" b="1" dirty="0" err="1" smtClean="0">
-                <a:latin typeface="KoPub돋움체 Light" pitchFamily="2" charset="-127"/>
-                <a:ea typeface="KoPub돋움체 Light" pitchFamily="2" charset="-127"/>
-              </a:rPr>
-              <a:t>역전파</a:t>
-            </a:r>
-            <a:r>
-              <a:rPr lang="en-US" altLang="ko-KR" sz="3200" dirty="0" smtClean="0">
-                <a:latin typeface="KoPub돋움체 Light" pitchFamily="2" charset="-127"/>
-                <a:ea typeface="KoPub돋움체 Light" pitchFamily="2" charset="-127"/>
-              </a:rPr>
-              <a:t> </a:t>
-            </a:r>
-            <a:endParaRPr lang="ko-KR" altLang="en-US" sz="3200" dirty="0">
-              <a:latin typeface="KoPub돋움체 Light" pitchFamily="2" charset="-127"/>
-              <a:ea typeface="KoPub돋움체 Light" pitchFamily="2" charset="-127"/>
-            </a:endParaRPr>
-          </a:p>
-        </p:txBody>
-      </p:sp>
       <p:sp>
         <p:nvSpPr>
           <p:cNvPr id="11290" name="Rectangle 26"/>
@@ -5546,32 +4858,6 @@
           </a:p>
         </p:txBody>
       </p:sp>
-      <p:pic>
-        <p:nvPicPr>
-          <p:cNvPr id="11289" name="_x151462952" descr="EMB000011dc79cc"/>
-          <p:cNvPicPr>
-            <a:picLocks noChangeAspect="1" noChangeArrowheads="1"/>
-          </p:cNvPicPr>
-          <p:nvPr/>
-        </p:nvPicPr>
-        <p:blipFill>
-          <a:blip r:embed="rId15"/>
-          <a:srcRect/>
-          <a:stretch>
-            <a:fillRect/>
-          </a:stretch>
-        </p:blipFill>
-        <p:spPr bwMode="auto">
-          <a:xfrm>
-            <a:off x="15605935" y="14327158"/>
-            <a:ext cx="3714776" cy="1659415"/>
-          </a:xfrm>
-          <a:prstGeom prst="rect">
-            <a:avLst/>
-          </a:prstGeom>
-          <a:noFill/>
-        </p:spPr>
-      </p:pic>
       <p:sp>
         <p:nvSpPr>
           <p:cNvPr id="11292" name="Rectangle 28"/>
@@ -5607,110 +4893,6 @@
           <a:lstStyle/>
           <a:p>
             <a:endParaRPr lang="ko-KR" altLang="en-US"/>
-          </a:p>
-        </p:txBody>
-      </p:sp>
-      <p:pic>
-        <p:nvPicPr>
-          <p:cNvPr id="11291" name="_x234501072" descr="DRW000011dc79d6"/>
-          <p:cNvPicPr>
-            <a:picLocks noChangeAspect="1" noChangeArrowheads="1"/>
-          </p:cNvPicPr>
-          <p:nvPr/>
-        </p:nvPicPr>
-        <p:blipFill>
-          <a:blip r:embed="rId16"/>
-          <a:srcRect/>
-          <a:stretch>
-            <a:fillRect/>
-          </a:stretch>
-        </p:blipFill>
-        <p:spPr bwMode="auto">
-          <a:xfrm>
-            <a:off x="20820910" y="14327158"/>
-            <a:ext cx="1928826" cy="1643074"/>
-          </a:xfrm>
-          <a:prstGeom prst="rect">
-            <a:avLst/>
-          </a:prstGeom>
-          <a:noFill/>
-        </p:spPr>
-      </p:pic>
-      <p:sp>
-        <p:nvSpPr>
-          <p:cNvPr id="110" name="TextBox 109"/>
-          <p:cNvSpPr txBox="1"/>
-          <p:nvPr/>
-        </p:nvSpPr>
-        <p:spPr>
-          <a:xfrm>
-            <a:off x="13248482" y="15970232"/>
-            <a:ext cx="12358774" cy="584775"/>
-          </a:xfrm>
-          <a:prstGeom prst="rect">
-            <a:avLst/>
-          </a:prstGeom>
-          <a:noFill/>
-        </p:spPr>
-        <p:txBody>
-          <a:bodyPr wrap="square" rtlCol="0">
-            <a:spAutoFit/>
-          </a:bodyPr>
-          <a:lstStyle/>
-          <a:p>
-            <a:r>
-              <a:rPr lang="en-US" altLang="ko-KR" sz="3200" dirty="0" smtClean="0">
-                <a:latin typeface="KoPub돋움체 Light" pitchFamily="2" charset="-127"/>
-                <a:ea typeface="KoPub돋움체 Light" pitchFamily="2" charset="-127"/>
-              </a:rPr>
-              <a:t> </a:t>
-            </a:r>
-            <a:r>
-              <a:rPr lang="ko-KR" altLang="en-US" sz="3200" dirty="0" smtClean="0">
-                <a:latin typeface="KoPub돋움체 Light" pitchFamily="2" charset="-127"/>
-                <a:ea typeface="KoPub돋움체 Light" pitchFamily="2" charset="-127"/>
-              </a:rPr>
-              <a:t>오차함수를 위의 가중치 보정 식에 대입하면 아래와 같다</a:t>
-            </a:r>
-            <a:r>
-              <a:rPr lang="en-US" altLang="ko-KR" sz="2800" dirty="0" smtClean="0">
-                <a:latin typeface="KoPub돋움체 Light" pitchFamily="2" charset="-127"/>
-                <a:ea typeface="KoPub돋움체 Light" pitchFamily="2" charset="-127"/>
-              </a:rPr>
-              <a:t>(</a:t>
-            </a:r>
-            <a:r>
-              <a:rPr lang="ko-KR" altLang="en-US" sz="2800" dirty="0" err="1" smtClean="0">
-                <a:latin typeface="KoPub돋움체 Light" pitchFamily="2" charset="-127"/>
-                <a:ea typeface="KoPub돋움체 Light" pitchFamily="2" charset="-127"/>
-              </a:rPr>
-              <a:t>로지스틱</a:t>
-            </a:r>
-            <a:r>
-              <a:rPr lang="ko-KR" altLang="en-US" sz="2800" dirty="0" smtClean="0">
-                <a:latin typeface="KoPub돋움체 Light" pitchFamily="2" charset="-127"/>
-                <a:ea typeface="KoPub돋움체 Light" pitchFamily="2" charset="-127"/>
-              </a:rPr>
-              <a:t> </a:t>
-            </a:r>
-            <a:r>
-              <a:rPr lang="ko-KR" altLang="en-US" sz="2800" dirty="0" err="1" smtClean="0">
-                <a:latin typeface="KoPub돋움체 Light" pitchFamily="2" charset="-127"/>
-                <a:ea typeface="KoPub돋움체 Light" pitchFamily="2" charset="-127"/>
-              </a:rPr>
-              <a:t>시그모이드</a:t>
-            </a:r>
-            <a:r>
-              <a:rPr lang="en-US" altLang="ko-KR" sz="2800" dirty="0" smtClean="0">
-                <a:latin typeface="KoPub돋움체 Light" pitchFamily="2" charset="-127"/>
-                <a:ea typeface="KoPub돋움체 Light" pitchFamily="2" charset="-127"/>
-              </a:rPr>
-              <a:t>)</a:t>
-            </a:r>
-            <a:endParaRPr lang="ko-KR" altLang="en-US" sz="3200" dirty="0">
-              <a:latin typeface="KoPub돋움체 Light" pitchFamily="2" charset="-127"/>
-              <a:ea typeface="KoPub돋움체 Light" pitchFamily="2" charset="-127"/>
-            </a:endParaRPr>
           </a:p>
         </p:txBody>
       </p:sp>
@@ -5752,124 +4934,6 @@
           </a:p>
         </p:txBody>
       </p:sp>
-      <p:pic>
-        <p:nvPicPr>
-          <p:cNvPr id="11293" name="_x234504192" descr="DRW000011dc79e2"/>
-          <p:cNvPicPr>
-            <a:picLocks noChangeAspect="1" noChangeArrowheads="1"/>
-          </p:cNvPicPr>
-          <p:nvPr/>
-        </p:nvPicPr>
-        <p:blipFill>
-          <a:blip r:embed="rId17"/>
-          <a:srcRect/>
-          <a:stretch>
-            <a:fillRect/>
-          </a:stretch>
-        </p:blipFill>
-        <p:spPr bwMode="auto">
-          <a:xfrm>
-            <a:off x="13391356" y="16541736"/>
-            <a:ext cx="11479001" cy="785818"/>
-          </a:xfrm>
-          <a:prstGeom prst="rect">
-            <a:avLst/>
-          </a:prstGeom>
-          <a:noFill/>
-        </p:spPr>
-      </p:pic>
-      <p:sp>
-        <p:nvSpPr>
-          <p:cNvPr id="117" name="TextBox 116"/>
-          <p:cNvSpPr txBox="1"/>
-          <p:nvPr/>
-        </p:nvSpPr>
-        <p:spPr>
-          <a:xfrm>
-            <a:off x="13248482" y="17398992"/>
-            <a:ext cx="12358774" cy="1077218"/>
-          </a:xfrm>
-          <a:prstGeom prst="rect">
-            <a:avLst/>
-          </a:prstGeom>
-          <a:noFill/>
-        </p:spPr>
-        <p:txBody>
-          <a:bodyPr wrap="square" rtlCol="0">
-            <a:spAutoFit/>
-          </a:bodyPr>
-          <a:lstStyle/>
-          <a:p>
-            <a:r>
-              <a:rPr lang="en-US" altLang="ko-KR" sz="3200" dirty="0" smtClean="0">
-                <a:latin typeface="KoPub돋움체 Light" pitchFamily="2" charset="-127"/>
-                <a:ea typeface="KoPub돋움체 Light" pitchFamily="2" charset="-127"/>
-              </a:rPr>
-              <a:t> </a:t>
-            </a:r>
-            <a:r>
-              <a:rPr lang="ko-KR" altLang="en-US" sz="3200" dirty="0" smtClean="0">
-                <a:latin typeface="KoPub돋움체 Light" pitchFamily="2" charset="-127"/>
-                <a:ea typeface="KoPub돋움체 Light" pitchFamily="2" charset="-127"/>
-              </a:rPr>
-              <a:t>위와 같은 과정을 통해 신경망을 학습시킬 수 있었다</a:t>
-            </a:r>
-            <a:r>
-              <a:rPr lang="en-US" altLang="ko-KR" sz="3200" dirty="0" smtClean="0">
-                <a:latin typeface="KoPub돋움체 Light" pitchFamily="2" charset="-127"/>
-                <a:ea typeface="KoPub돋움체 Light" pitchFamily="2" charset="-127"/>
-              </a:rPr>
-              <a:t>. </a:t>
-            </a:r>
-            <a:r>
-              <a:rPr lang="ko-KR" altLang="en-US" sz="3200" dirty="0" smtClean="0">
-                <a:latin typeface="KoPub돋움체 Light" pitchFamily="2" charset="-127"/>
-                <a:ea typeface="KoPub돋움체 Light" pitchFamily="2" charset="-127"/>
-              </a:rPr>
-              <a:t>학습된 신경망은 학습 데이터와 같은 유형의 문제를 해결할 수 있다</a:t>
-            </a:r>
-            <a:r>
-              <a:rPr lang="en-US" altLang="ko-KR" sz="2800" dirty="0" smtClean="0">
-                <a:latin typeface="KoPub돋움체 Light" pitchFamily="2" charset="-127"/>
-                <a:ea typeface="KoPub돋움체 Light" pitchFamily="2" charset="-127"/>
-              </a:rPr>
-              <a:t>(</a:t>
-            </a:r>
-            <a:r>
-              <a:rPr lang="ko-KR" altLang="en-US" sz="2800" dirty="0" smtClean="0">
-                <a:latin typeface="KoPub돋움체 Light" pitchFamily="2" charset="-127"/>
-                <a:ea typeface="KoPub돋움체 Light" pitchFamily="2" charset="-127"/>
-              </a:rPr>
-              <a:t>분류</a:t>
-            </a:r>
-            <a:r>
-              <a:rPr lang="en-US" altLang="ko-KR" sz="2800" dirty="0" smtClean="0">
-                <a:latin typeface="KoPub돋움체 Light" pitchFamily="2" charset="-127"/>
-                <a:ea typeface="KoPub돋움체 Light" pitchFamily="2" charset="-127"/>
-              </a:rPr>
-              <a:t>, </a:t>
-            </a:r>
-            <a:r>
-              <a:rPr lang="ko-KR" altLang="en-US" sz="2800" dirty="0" smtClean="0">
-                <a:latin typeface="KoPub돋움체 Light" pitchFamily="2" charset="-127"/>
-                <a:ea typeface="KoPub돋움체 Light" pitchFamily="2" charset="-127"/>
-              </a:rPr>
-              <a:t>회귀 등</a:t>
-            </a:r>
-            <a:r>
-              <a:rPr lang="en-US" altLang="ko-KR" sz="2800" dirty="0" smtClean="0">
-                <a:latin typeface="KoPub돋움체 Light" pitchFamily="2" charset="-127"/>
-                <a:ea typeface="KoPub돋움체 Light" pitchFamily="2" charset="-127"/>
-              </a:rPr>
-              <a:t>)</a:t>
-            </a:r>
-            <a:endParaRPr lang="ko-KR" altLang="en-US" sz="3200" dirty="0">
-              <a:latin typeface="KoPub돋움체 Light" pitchFamily="2" charset="-127"/>
-              <a:ea typeface="KoPub돋움체 Light" pitchFamily="2" charset="-127"/>
-            </a:endParaRPr>
-          </a:p>
-        </p:txBody>
-      </p:sp>
       <p:sp>
         <p:nvSpPr>
           <p:cNvPr id="118" name="TextBox 117"/>
@@ -5878,7 +4942,7 @@
         </p:nvSpPr>
         <p:spPr>
           <a:xfrm>
-            <a:off x="13248482" y="22899718"/>
+            <a:off x="13248482" y="9683688"/>
             <a:ext cx="12358774" cy="584775"/>
           </a:xfrm>
           <a:prstGeom prst="rect">
@@ -5921,7 +4985,7 @@
         </p:nvSpPr>
         <p:spPr>
           <a:xfrm>
-            <a:off x="13248482" y="25685800"/>
+            <a:off x="13248482" y="12469770"/>
             <a:ext cx="12358774" cy="2062103"/>
           </a:xfrm>
           <a:prstGeom prst="rect">
@@ -6132,7 +5196,7 @@
           <p:nvPr/>
         </p:nvPicPr>
         <p:blipFill>
-          <a:blip r:embed="rId18"/>
+          <a:blip r:embed="rId11"/>
           <a:srcRect/>
           <a:stretch>
             <a:fillRect/>
@@ -6140,7 +5204,7 @@
         </p:blipFill>
         <p:spPr bwMode="auto">
           <a:xfrm>
-            <a:off x="14034301" y="23487054"/>
+            <a:off x="14034301" y="10271024"/>
             <a:ext cx="1285884" cy="1579246"/>
           </a:xfrm>
           <a:prstGeom prst="rect">
@@ -6158,7 +5222,7 @@
           <p:nvPr/>
         </p:nvPicPr>
         <p:blipFill>
-          <a:blip r:embed="rId19"/>
+          <a:blip r:embed="rId12"/>
           <a:srcRect/>
           <a:stretch>
             <a:fillRect/>
@@ -6166,7 +5230,7 @@
         </p:blipFill>
         <p:spPr bwMode="auto">
           <a:xfrm>
-            <a:off x="13677110" y="25109254"/>
+            <a:off x="13677110" y="11893224"/>
             <a:ext cx="2214578" cy="601941"/>
           </a:xfrm>
           <a:prstGeom prst="rect">
@@ -6184,7 +5248,7 @@
           <p:nvPr/>
         </p:nvGraphicFramePr>
         <p:xfrm>
-          <a:off x="16820382" y="23185470"/>
+          <a:off x="16820382" y="9969440"/>
           <a:ext cx="8215370" cy="2214576"/>
         </p:xfrm>
         <a:graphic>
@@ -7001,7 +6065,7 @@
         </p:nvSpPr>
         <p:spPr>
           <a:xfrm>
-            <a:off x="13248482" y="27704417"/>
+            <a:off x="13248482" y="14488387"/>
             <a:ext cx="12358774" cy="584775"/>
           </a:xfrm>
           <a:prstGeom prst="rect">
@@ -7058,7 +6122,7 @@
         </p:nvSpPr>
         <p:spPr>
           <a:xfrm>
-            <a:off x="13248482" y="30686460"/>
+            <a:off x="13248482" y="17470430"/>
             <a:ext cx="12215898" cy="5016758"/>
           </a:xfrm>
           <a:prstGeom prst="rect">
@@ -7331,7 +6395,7 @@
           <p:nvPr/>
         </p:nvPicPr>
         <p:blipFill>
-          <a:blip r:embed="rId20" cstate="print"/>
+          <a:blip r:embed="rId13" cstate="print"/>
           <a:srcRect/>
           <a:stretch>
             <a:fillRect/>
@@ -7339,7 +6403,7 @@
         </p:blipFill>
         <p:spPr bwMode="auto">
           <a:xfrm>
-            <a:off x="16320316" y="28329006"/>
+            <a:off x="16320316" y="15112976"/>
             <a:ext cx="2955617" cy="2101092"/>
           </a:xfrm>
           <a:prstGeom prst="rect">
@@ -7357,7 +6421,7 @@
           <p:nvPr/>
         </p:nvPicPr>
         <p:blipFill>
-          <a:blip r:embed="rId21"/>
+          <a:blip r:embed="rId14"/>
           <a:srcRect l="2628" r="27448"/>
           <a:stretch>
             <a:fillRect/>
@@ -7365,7 +6429,7 @@
         </p:blipFill>
         <p:spPr bwMode="auto">
           <a:xfrm>
-            <a:off x="13319920" y="28329006"/>
+            <a:off x="13319920" y="15112976"/>
             <a:ext cx="3000396" cy="2253516"/>
           </a:xfrm>
           <a:prstGeom prst="rect">
@@ -7421,7 +6485,7 @@
           <p:nvPr/>
         </p:nvPicPr>
         <p:blipFill>
-          <a:blip r:embed="rId22"/>
+          <a:blip r:embed="rId15"/>
           <a:srcRect/>
           <a:stretch>
             <a:fillRect/>
@@ -7429,7 +6493,7 @@
         </p:blipFill>
         <p:spPr bwMode="auto">
           <a:xfrm>
-            <a:off x="21035224" y="27686064"/>
+            <a:off x="21035224" y="14470034"/>
             <a:ext cx="2641635" cy="565152"/>
           </a:xfrm>
           <a:prstGeom prst="rect">
@@ -7447,7 +6511,7 @@
           <p:nvPr/>
         </p:nvGraphicFramePr>
         <p:xfrm>
-          <a:off x="19392150" y="28329006"/>
+          <a:off x="19392150" y="15112976"/>
           <a:ext cx="6143668" cy="2286018"/>
         </p:xfrm>
         <a:graphic>
@@ -8271,7 +7335,7 @@
         </p:nvSpPr>
         <p:spPr>
           <a:xfrm>
-            <a:off x="13248482" y="20756578"/>
+            <a:off x="13248482" y="7540548"/>
             <a:ext cx="12287336" cy="2062103"/>
           </a:xfrm>
           <a:prstGeom prst="rect">
@@ -8405,7 +7469,7 @@
         </p:nvSpPr>
         <p:spPr>
           <a:xfrm>
-            <a:off x="13319920" y="20113636"/>
+            <a:off x="13319920" y="6897606"/>
             <a:ext cx="12358774" cy="584775"/>
           </a:xfrm>
           <a:prstGeom prst="rect">
@@ -8430,6 +7494,3875 @@
               <a:latin typeface="KoPub돋움체 Light" pitchFamily="2" charset="-127"/>
               <a:ea typeface="KoPub돋움체 Light" pitchFamily="2" charset="-127"/>
             </a:endParaRPr>
+          </a:p>
+        </p:txBody>
+      </p:sp>
+      <p:grpSp>
+        <p:nvGrpSpPr>
+          <p:cNvPr id="106" name="그룹 105"/>
+          <p:cNvGrpSpPr/>
+          <p:nvPr/>
+        </p:nvGrpSpPr>
+        <p:grpSpPr>
+          <a:xfrm>
+            <a:off x="746832" y="26900246"/>
+            <a:ext cx="12358774" cy="9429816"/>
+            <a:chOff x="13248482" y="6820520"/>
+            <a:chExt cx="12358774" cy="11532579"/>
+          </a:xfrm>
+        </p:grpSpPr>
+        <p:pic>
+          <p:nvPicPr>
+            <p:cNvPr id="95" name="_x234506672" descr="EMB000011dc798c"/>
+            <p:cNvPicPr>
+              <a:picLocks noChangeAspect="1" noChangeArrowheads="1"/>
+            </p:cNvPicPr>
+            <p:nvPr/>
+          </p:nvPicPr>
+          <p:blipFill>
+            <a:blip r:embed="rId16"/>
+            <a:srcRect l="4327" t="4875" r="5426" b="4153"/>
+            <a:stretch>
+              <a:fillRect/>
+            </a:stretch>
+          </p:blipFill>
+          <p:spPr bwMode="auto">
+            <a:xfrm>
+              <a:off x="15248746" y="8826432"/>
+              <a:ext cx="3190805" cy="2286016"/>
+            </a:xfrm>
+            <a:prstGeom prst="rect">
+              <a:avLst/>
+            </a:prstGeom>
+            <a:noFill/>
+          </p:spPr>
+        </p:pic>
+        <p:sp>
+          <p:nvSpPr>
+            <p:cNvPr id="93" name="TextBox 92"/>
+            <p:cNvSpPr txBox="1"/>
+            <p:nvPr/>
+          </p:nvSpPr>
+          <p:spPr>
+            <a:xfrm>
+              <a:off x="13248482" y="6820520"/>
+              <a:ext cx="12358774" cy="1815882"/>
+            </a:xfrm>
+            <a:prstGeom prst="rect">
+              <a:avLst/>
+            </a:prstGeom>
+            <a:noFill/>
+          </p:spPr>
+          <p:txBody>
+            <a:bodyPr wrap="square" rtlCol="0">
+              <a:spAutoFit/>
+            </a:bodyPr>
+            <a:lstStyle/>
+            <a:p>
+              <a:r>
+                <a:rPr lang="ko-KR" altLang="en-US" sz="2800" dirty="0" smtClean="0">
+                  <a:latin typeface="KoPub돋움체 Light" pitchFamily="2" charset="-127"/>
+                  <a:ea typeface="KoPub돋움체 Light" pitchFamily="2" charset="-127"/>
+                </a:rPr>
+                <a:t>인공 신경망을 실제 문제 해결에 사용하려면</a:t>
+              </a:r>
+              <a:r>
+                <a:rPr lang="en-US" altLang="ko-KR" sz="2800" dirty="0" smtClean="0">
+                  <a:latin typeface="KoPub돋움체 Light" pitchFamily="2" charset="-127"/>
+                  <a:ea typeface="KoPub돋움체 Light" pitchFamily="2" charset="-127"/>
+                </a:rPr>
+                <a:t>, </a:t>
+              </a:r>
+              <a:r>
+                <a:rPr lang="ko-KR" altLang="en-US" sz="2800" dirty="0" smtClean="0">
+                  <a:latin typeface="KoPub돋움체 Light" pitchFamily="2" charset="-127"/>
+                  <a:ea typeface="KoPub돋움체 Light" pitchFamily="2" charset="-127"/>
+                </a:rPr>
+                <a:t>가중치를 조절하여 문제 해결에 알맞게 </a:t>
+              </a:r>
+              <a:r>
+                <a:rPr lang="en-US" altLang="ko-KR" sz="2800" dirty="0" smtClean="0">
+                  <a:latin typeface="KoPub돋움체 Light" pitchFamily="2" charset="-127"/>
+                  <a:ea typeface="KoPub돋움체 Light" pitchFamily="2" charset="-127"/>
+                </a:rPr>
+                <a:t>‘</a:t>
+              </a:r>
+              <a:r>
+                <a:rPr lang="ko-KR" altLang="en-US" sz="2800" dirty="0" smtClean="0">
+                  <a:latin typeface="KoPub돋움체 Light" pitchFamily="2" charset="-127"/>
+                  <a:ea typeface="KoPub돋움체 Light" pitchFamily="2" charset="-127"/>
+                </a:rPr>
+                <a:t>학습</a:t>
+              </a:r>
+              <a:r>
+                <a:rPr lang="en-US" altLang="ko-KR" sz="2800" dirty="0" smtClean="0">
+                  <a:latin typeface="KoPub돋움체 Light" pitchFamily="2" charset="-127"/>
+                  <a:ea typeface="KoPub돋움체 Light" pitchFamily="2" charset="-127"/>
+                </a:rPr>
+                <a:t>’ </a:t>
+              </a:r>
+              <a:r>
+                <a:rPr lang="ko-KR" altLang="en-US" sz="2800" dirty="0" smtClean="0">
+                  <a:latin typeface="KoPub돋움체 Light" pitchFamily="2" charset="-127"/>
+                  <a:ea typeface="KoPub돋움체 Light" pitchFamily="2" charset="-127"/>
+                </a:rPr>
+                <a:t>시켜야 한다</a:t>
+              </a:r>
+              <a:r>
+                <a:rPr lang="en-US" altLang="ko-KR" sz="2800" dirty="0" smtClean="0">
+                  <a:latin typeface="KoPub돋움체 Light" pitchFamily="2" charset="-127"/>
+                  <a:ea typeface="KoPub돋움체 Light" pitchFamily="2" charset="-127"/>
+                </a:rPr>
+                <a:t>. </a:t>
+              </a:r>
+              <a:r>
+                <a:rPr lang="ko-KR" altLang="en-US" sz="2800" dirty="0" smtClean="0">
+                  <a:latin typeface="KoPub돋움체 Light" pitchFamily="2" charset="-127"/>
+                  <a:ea typeface="KoPub돋움체 Light" pitchFamily="2" charset="-127"/>
+                </a:rPr>
+                <a:t>학습은</a:t>
+              </a:r>
+              <a:r>
+                <a:rPr lang="en-US" altLang="ko-KR" sz="2800" dirty="0">
+                  <a:latin typeface="KoPub돋움체 Light" pitchFamily="2" charset="-127"/>
+                  <a:ea typeface="KoPub돋움체 Light" pitchFamily="2" charset="-127"/>
+                </a:rPr>
+                <a:t> </a:t>
+              </a:r>
+              <a:r>
+                <a:rPr lang="ko-KR" altLang="en-US" sz="2800" dirty="0" smtClean="0">
+                  <a:latin typeface="KoPub돋움체 Light" pitchFamily="2" charset="-127"/>
+                  <a:ea typeface="KoPub돋움체 Light" pitchFamily="2" charset="-127"/>
+                </a:rPr>
+                <a:t>주어진 데이터 세트를 이용해서 수행하는데</a:t>
+              </a:r>
+              <a:r>
+                <a:rPr lang="en-US" altLang="ko-KR" sz="2800" dirty="0" smtClean="0">
+                  <a:latin typeface="KoPub돋움체 Light" pitchFamily="2" charset="-127"/>
+                  <a:ea typeface="KoPub돋움체 Light" pitchFamily="2" charset="-127"/>
+                </a:rPr>
+                <a:t>, </a:t>
+              </a:r>
+              <a:r>
+                <a:rPr lang="ko-KR" altLang="en-US" sz="2800" dirty="0" err="1" smtClean="0">
+                  <a:latin typeface="KoPub돋움체 Light" pitchFamily="2" charset="-127"/>
+                  <a:ea typeface="KoPub돋움체 Light" pitchFamily="2" charset="-127"/>
+                </a:rPr>
+                <a:t>편미분을</a:t>
+              </a:r>
+              <a:r>
+                <a:rPr lang="ko-KR" altLang="en-US" sz="2800" dirty="0" smtClean="0">
+                  <a:latin typeface="KoPub돋움체 Light" pitchFamily="2" charset="-127"/>
+                  <a:ea typeface="KoPub돋움체 Light" pitchFamily="2" charset="-127"/>
+                </a:rPr>
+                <a:t> 통해 주어진 입력에 대한 신경망의 출력이 주어진 기대 출력 값과 가까워지게끔 가중치를 조절한다</a:t>
+              </a:r>
+              <a:r>
+                <a:rPr lang="en-US" altLang="ko-KR" sz="2800" dirty="0" smtClean="0">
+                  <a:latin typeface="KoPub돋움체 Light" pitchFamily="2" charset="-127"/>
+                  <a:ea typeface="KoPub돋움체 Light" pitchFamily="2" charset="-127"/>
+                </a:rPr>
+                <a:t>. </a:t>
+              </a:r>
+              <a:r>
+                <a:rPr lang="ko-KR" altLang="en-US" sz="2800" dirty="0" smtClean="0">
+                  <a:latin typeface="KoPub돋움체 Light" pitchFamily="2" charset="-127"/>
+                  <a:ea typeface="KoPub돋움체 Light" pitchFamily="2" charset="-127"/>
+                </a:rPr>
+                <a:t>이를 경사 감소법이라고 한다</a:t>
+              </a:r>
+              <a:r>
+                <a:rPr lang="en-US" altLang="ko-KR" sz="1800" dirty="0" smtClean="0">
+                  <a:latin typeface="KoPub돋움체 Light" pitchFamily="2" charset="-127"/>
+                  <a:ea typeface="KoPub돋움체 Light" pitchFamily="2" charset="-127"/>
+                </a:rPr>
+                <a:t>(E(u)</a:t>
+              </a:r>
+              <a:r>
+                <a:rPr lang="ko-KR" altLang="en-US" sz="1800" dirty="0" smtClean="0">
+                  <a:latin typeface="KoPub돋움체 Light" pitchFamily="2" charset="-127"/>
+                  <a:ea typeface="KoPub돋움체 Light" pitchFamily="2" charset="-127"/>
+                </a:rPr>
+                <a:t>를 최소화</a:t>
+              </a:r>
+              <a:r>
+                <a:rPr lang="en-US" altLang="ko-KR" sz="1800" dirty="0" smtClean="0">
+                  <a:latin typeface="KoPub돋움체 Light" pitchFamily="2" charset="-127"/>
+                  <a:ea typeface="KoPub돋움체 Light" pitchFamily="2" charset="-127"/>
+                </a:rPr>
+                <a:t>)</a:t>
+              </a:r>
+              <a:endParaRPr lang="en-US" altLang="ko-KR" sz="2800" dirty="0" smtClean="0">
+                <a:latin typeface="KoPub돋움체 Light" pitchFamily="2" charset="-127"/>
+                <a:ea typeface="KoPub돋움체 Light" pitchFamily="2" charset="-127"/>
+              </a:endParaRPr>
+            </a:p>
+          </p:txBody>
+        </p:sp>
+        <p:pic>
+          <p:nvPicPr>
+            <p:cNvPr id="94" name="_x234506832" descr="DRW000011dc7986"/>
+            <p:cNvPicPr>
+              <a:picLocks noChangeAspect="1" noChangeArrowheads="1"/>
+            </p:cNvPicPr>
+            <p:nvPr/>
+          </p:nvPicPr>
+          <p:blipFill>
+            <a:blip r:embed="rId17"/>
+            <a:srcRect/>
+            <a:stretch>
+              <a:fillRect/>
+            </a:stretch>
+          </p:blipFill>
+          <p:spPr bwMode="auto">
+            <a:xfrm>
+              <a:off x="16679741" y="12233951"/>
+              <a:ext cx="4069732" cy="471638"/>
+            </a:xfrm>
+            <a:prstGeom prst="rect">
+              <a:avLst/>
+            </a:prstGeom>
+            <a:noFill/>
+          </p:spPr>
+        </p:pic>
+        <p:pic>
+          <p:nvPicPr>
+            <p:cNvPr id="96" name="Picture 24"/>
+            <p:cNvPicPr>
+              <a:picLocks noChangeAspect="1" noChangeArrowheads="1"/>
+            </p:cNvPicPr>
+            <p:nvPr/>
+          </p:nvPicPr>
+          <p:blipFill>
+            <a:blip r:embed="rId18"/>
+            <a:srcRect/>
+            <a:stretch>
+              <a:fillRect/>
+            </a:stretch>
+          </p:blipFill>
+          <p:spPr bwMode="auto">
+            <a:xfrm>
+              <a:off x="19249274" y="8826432"/>
+              <a:ext cx="4517972" cy="2143140"/>
+            </a:xfrm>
+            <a:prstGeom prst="rect">
+              <a:avLst/>
+            </a:prstGeom>
+            <a:noFill/>
+            <a:ln w="9525">
+              <a:noFill/>
+              <a:miter lim="800000"/>
+              <a:headEnd/>
+              <a:tailEnd/>
+            </a:ln>
+            <a:effectLst/>
+          </p:spPr>
+        </p:pic>
+        <p:sp>
+          <p:nvSpPr>
+            <p:cNvPr id="97" name="TextBox 96"/>
+            <p:cNvSpPr txBox="1"/>
+            <p:nvPr/>
+          </p:nvSpPr>
+          <p:spPr>
+            <a:xfrm>
+              <a:off x="13427077" y="11041010"/>
+              <a:ext cx="12001584" cy="954107"/>
+            </a:xfrm>
+            <a:prstGeom prst="rect">
+              <a:avLst/>
+            </a:prstGeom>
+            <a:noFill/>
+          </p:spPr>
+          <p:txBody>
+            <a:bodyPr wrap="square" rtlCol="0">
+              <a:spAutoFit/>
+            </a:bodyPr>
+            <a:lstStyle/>
+            <a:p>
+              <a:r>
+                <a:rPr lang="en-US" altLang="ko-KR" sz="2800" dirty="0" smtClean="0">
+                  <a:latin typeface="KoPub돋움체 Light" pitchFamily="2" charset="-127"/>
+                  <a:ea typeface="KoPub돋움체 Light" pitchFamily="2" charset="-127"/>
+                </a:rPr>
+                <a:t> </a:t>
+              </a:r>
+              <a:r>
+                <a:rPr lang="ko-KR" altLang="en-US" sz="2800" dirty="0" smtClean="0">
+                  <a:latin typeface="KoPub돋움체 Light" pitchFamily="2" charset="-127"/>
+                  <a:ea typeface="KoPub돋움체 Light" pitchFamily="2" charset="-127"/>
+                </a:rPr>
+                <a:t>경사 감소 법을 이용해 신경망의 오차를 최소화한다</a:t>
+              </a:r>
+              <a:r>
+                <a:rPr lang="en-US" altLang="ko-KR" sz="2800" dirty="0" smtClean="0">
+                  <a:latin typeface="KoPub돋움체 Light" pitchFamily="2" charset="-127"/>
+                  <a:ea typeface="KoPub돋움체 Light" pitchFamily="2" charset="-127"/>
+                </a:rPr>
+                <a:t>. </a:t>
+              </a:r>
+              <a:r>
+                <a:rPr lang="ko-KR" altLang="en-US" sz="2800" dirty="0" smtClean="0">
+                  <a:latin typeface="KoPub돋움체 Light" pitchFamily="2" charset="-127"/>
+                  <a:ea typeface="KoPub돋움체 Light" pitchFamily="2" charset="-127"/>
+                </a:rPr>
+                <a:t>출력 층의    오차함수는 아래와 같이 구한다</a:t>
+              </a:r>
+              <a:r>
+                <a:rPr lang="en-US" altLang="ko-KR" sz="2800" dirty="0" smtClean="0">
+                  <a:latin typeface="KoPub돋움체 Light" pitchFamily="2" charset="-127"/>
+                  <a:ea typeface="KoPub돋움체 Light" pitchFamily="2" charset="-127"/>
+                </a:rPr>
+                <a:t>(</a:t>
+              </a:r>
+              <a:r>
+                <a:rPr lang="ko-KR" altLang="en-US" sz="2800" dirty="0" smtClean="0">
+                  <a:latin typeface="KoPub돋움체 Light" pitchFamily="2" charset="-127"/>
+                  <a:ea typeface="KoPub돋움체 Light" pitchFamily="2" charset="-127"/>
+                </a:rPr>
+                <a:t>최소제곱 오차</a:t>
+              </a:r>
+              <a:r>
+                <a:rPr lang="en-US" altLang="ko-KR" sz="2800" dirty="0" smtClean="0">
+                  <a:latin typeface="KoPub돋움체 Light" pitchFamily="2" charset="-127"/>
+                  <a:ea typeface="KoPub돋움체 Light" pitchFamily="2" charset="-127"/>
+                </a:rPr>
+                <a:t>)</a:t>
+              </a:r>
+              <a:endParaRPr lang="ko-KR" altLang="en-US" sz="2800" dirty="0">
+                <a:latin typeface="KoPub돋움체 Light" pitchFamily="2" charset="-127"/>
+                <a:ea typeface="KoPub돋움체 Light" pitchFamily="2" charset="-127"/>
+              </a:endParaRPr>
+            </a:p>
+          </p:txBody>
+        </p:sp>
+        <p:sp>
+          <p:nvSpPr>
+            <p:cNvPr id="98" name="TextBox 97"/>
+            <p:cNvSpPr txBox="1"/>
+            <p:nvPr/>
+          </p:nvSpPr>
+          <p:spPr>
+            <a:xfrm>
+              <a:off x="13248482" y="12826960"/>
+              <a:ext cx="12358774" cy="1384995"/>
+            </a:xfrm>
+            <a:prstGeom prst="rect">
+              <a:avLst/>
+            </a:prstGeom>
+            <a:noFill/>
+          </p:spPr>
+          <p:txBody>
+            <a:bodyPr wrap="square" rtlCol="0">
+              <a:spAutoFit/>
+            </a:bodyPr>
+            <a:lstStyle/>
+            <a:p>
+              <a:r>
+                <a:rPr lang="ko-KR" altLang="en-US" sz="2800" dirty="0" smtClean="0">
+                  <a:latin typeface="KoPub돋움체 Light" pitchFamily="2" charset="-127"/>
+                  <a:ea typeface="KoPub돋움체 Light" pitchFamily="2" charset="-127"/>
+                </a:rPr>
+                <a:t>출력 층의 오차함수를 통해 구한 오차를 이용해 가중치를 보정하고</a:t>
+              </a:r>
+              <a:r>
+                <a:rPr lang="en-US" altLang="ko-KR" sz="2800" dirty="0" smtClean="0">
+                  <a:latin typeface="KoPub돋움체 Light" pitchFamily="2" charset="-127"/>
+                  <a:ea typeface="KoPub돋움체 Light" pitchFamily="2" charset="-127"/>
+                </a:rPr>
+                <a:t>,</a:t>
+              </a:r>
+            </a:p>
+            <a:p>
+              <a:r>
+                <a:rPr lang="ko-KR" altLang="en-US" sz="2800" dirty="0" smtClean="0">
+                  <a:latin typeface="KoPub돋움체 Light" pitchFamily="2" charset="-127"/>
+                  <a:ea typeface="KoPub돋움체 Light" pitchFamily="2" charset="-127"/>
+                </a:rPr>
+                <a:t>이 오차를 이용해 이전 계층의 오차를 계산한다</a:t>
+              </a:r>
+              <a:r>
+                <a:rPr lang="en-US" altLang="ko-KR" sz="2800" dirty="0" smtClean="0">
+                  <a:latin typeface="KoPub돋움체 Light" pitchFamily="2" charset="-127"/>
+                  <a:ea typeface="KoPub돋움체 Light" pitchFamily="2" charset="-127"/>
+                </a:rPr>
+                <a:t>. </a:t>
+              </a:r>
+              <a:r>
+                <a:rPr lang="ko-KR" altLang="en-US" sz="2800" dirty="0" smtClean="0">
+                  <a:latin typeface="KoPub돋움체 Light" pitchFamily="2" charset="-127"/>
+                  <a:ea typeface="KoPub돋움체 Light" pitchFamily="2" charset="-127"/>
+                </a:rPr>
+                <a:t>이전 계층으로 분배되는 오차는 그 </a:t>
+              </a:r>
+              <a:r>
+                <a:rPr lang="ko-KR" altLang="en-US" sz="2800" dirty="0" err="1" smtClean="0">
+                  <a:latin typeface="KoPub돋움체 Light" pitchFamily="2" charset="-127"/>
+                  <a:ea typeface="KoPub돋움체 Light" pitchFamily="2" charset="-127"/>
+                </a:rPr>
+                <a:t>유닛에</a:t>
+              </a:r>
+              <a:r>
+                <a:rPr lang="ko-KR" altLang="en-US" sz="2800" dirty="0" smtClean="0">
+                  <a:latin typeface="KoPub돋움체 Light" pitchFamily="2" charset="-127"/>
+                  <a:ea typeface="KoPub돋움체 Light" pitchFamily="2" charset="-127"/>
+                </a:rPr>
+                <a:t> 연결된 가중치에 비례한다</a:t>
+              </a:r>
+              <a:r>
+                <a:rPr lang="en-US" altLang="ko-KR" sz="2800" dirty="0" smtClean="0">
+                  <a:latin typeface="KoPub돋움체 Light" pitchFamily="2" charset="-127"/>
+                  <a:ea typeface="KoPub돋움체 Light" pitchFamily="2" charset="-127"/>
+                </a:rPr>
+                <a:t> : </a:t>
+              </a:r>
+              <a:r>
+                <a:rPr lang="ko-KR" altLang="en-US" sz="2800" b="1" dirty="0" err="1" smtClean="0">
+                  <a:latin typeface="KoPub돋움체 Light" pitchFamily="2" charset="-127"/>
+                  <a:ea typeface="KoPub돋움체 Light" pitchFamily="2" charset="-127"/>
+                </a:rPr>
+                <a:t>역전파</a:t>
+              </a:r>
+              <a:r>
+                <a:rPr lang="en-US" altLang="ko-KR" sz="2800" dirty="0" smtClean="0">
+                  <a:latin typeface="KoPub돋움체 Light" pitchFamily="2" charset="-127"/>
+                  <a:ea typeface="KoPub돋움체 Light" pitchFamily="2" charset="-127"/>
+                </a:rPr>
+                <a:t> </a:t>
+              </a:r>
+              <a:endParaRPr lang="ko-KR" altLang="en-US" sz="2800" dirty="0">
+                <a:latin typeface="KoPub돋움체 Light" pitchFamily="2" charset="-127"/>
+                <a:ea typeface="KoPub돋움체 Light" pitchFamily="2" charset="-127"/>
+              </a:endParaRPr>
+            </a:p>
+          </p:txBody>
+        </p:sp>
+        <p:pic>
+          <p:nvPicPr>
+            <p:cNvPr id="99" name="_x151462952" descr="EMB000011dc79cc"/>
+            <p:cNvPicPr>
+              <a:picLocks noChangeAspect="1" noChangeArrowheads="1"/>
+            </p:cNvPicPr>
+            <p:nvPr/>
+          </p:nvPicPr>
+          <p:blipFill>
+            <a:blip r:embed="rId19"/>
+            <a:srcRect/>
+            <a:stretch>
+              <a:fillRect/>
+            </a:stretch>
+          </p:blipFill>
+          <p:spPr bwMode="auto">
+            <a:xfrm>
+              <a:off x="16156272" y="14572998"/>
+              <a:ext cx="2614102" cy="1167736"/>
+            </a:xfrm>
+            <a:prstGeom prst="rect">
+              <a:avLst/>
+            </a:prstGeom>
+            <a:noFill/>
+          </p:spPr>
+        </p:pic>
+        <p:pic>
+          <p:nvPicPr>
+            <p:cNvPr id="100" name="_x234501072" descr="DRW000011dc79d6"/>
+            <p:cNvPicPr>
+              <a:picLocks noChangeAspect="1" noChangeArrowheads="1"/>
+            </p:cNvPicPr>
+            <p:nvPr/>
+          </p:nvPicPr>
+          <p:blipFill>
+            <a:blip r:embed="rId20"/>
+            <a:srcRect/>
+            <a:stretch>
+              <a:fillRect/>
+            </a:stretch>
+          </p:blipFill>
+          <p:spPr bwMode="auto">
+            <a:xfrm>
+              <a:off x="21106662" y="14570576"/>
+              <a:ext cx="1357322" cy="1156238"/>
+            </a:xfrm>
+            <a:prstGeom prst="rect">
+              <a:avLst/>
+            </a:prstGeom>
+            <a:noFill/>
+          </p:spPr>
+        </p:pic>
+        <p:sp>
+          <p:nvSpPr>
+            <p:cNvPr id="101" name="TextBox 100"/>
+            <p:cNvSpPr txBox="1"/>
+            <p:nvPr/>
+          </p:nvSpPr>
+          <p:spPr>
+            <a:xfrm>
+              <a:off x="13248482" y="15970232"/>
+              <a:ext cx="12358774" cy="523220"/>
+            </a:xfrm>
+            <a:prstGeom prst="rect">
+              <a:avLst/>
+            </a:prstGeom>
+            <a:noFill/>
+          </p:spPr>
+          <p:txBody>
+            <a:bodyPr wrap="square" rtlCol="0">
+              <a:spAutoFit/>
+            </a:bodyPr>
+            <a:lstStyle/>
+            <a:p>
+              <a:r>
+                <a:rPr lang="en-US" altLang="ko-KR" sz="2800" dirty="0" smtClean="0">
+                  <a:latin typeface="KoPub돋움체 Light" pitchFamily="2" charset="-127"/>
+                  <a:ea typeface="KoPub돋움체 Light" pitchFamily="2" charset="-127"/>
+                </a:rPr>
+                <a:t> </a:t>
+              </a:r>
+              <a:r>
+                <a:rPr lang="ko-KR" altLang="en-US" sz="2800" dirty="0" smtClean="0">
+                  <a:latin typeface="KoPub돋움체 Light" pitchFamily="2" charset="-127"/>
+                  <a:ea typeface="KoPub돋움체 Light" pitchFamily="2" charset="-127"/>
+                </a:rPr>
+                <a:t>오차함수를 위의 가중치 보정 식에 대입하면 아래와 같다</a:t>
+              </a:r>
+              <a:r>
+                <a:rPr lang="en-US" altLang="ko-KR" sz="2400" dirty="0" smtClean="0">
+                  <a:latin typeface="KoPub돋움체 Light" pitchFamily="2" charset="-127"/>
+                  <a:ea typeface="KoPub돋움체 Light" pitchFamily="2" charset="-127"/>
+                </a:rPr>
+                <a:t>(</a:t>
+              </a:r>
+              <a:r>
+                <a:rPr lang="ko-KR" altLang="en-US" sz="2400" dirty="0" err="1" smtClean="0">
+                  <a:latin typeface="KoPub돋움체 Light" pitchFamily="2" charset="-127"/>
+                  <a:ea typeface="KoPub돋움체 Light" pitchFamily="2" charset="-127"/>
+                </a:rPr>
+                <a:t>로지스틱</a:t>
+              </a:r>
+              <a:r>
+                <a:rPr lang="ko-KR" altLang="en-US" sz="2400" dirty="0" smtClean="0">
+                  <a:latin typeface="KoPub돋움체 Light" pitchFamily="2" charset="-127"/>
+                  <a:ea typeface="KoPub돋움체 Light" pitchFamily="2" charset="-127"/>
+                </a:rPr>
+                <a:t> </a:t>
+              </a:r>
+              <a:r>
+                <a:rPr lang="ko-KR" altLang="en-US" sz="2400" dirty="0" err="1" smtClean="0">
+                  <a:latin typeface="KoPub돋움체 Light" pitchFamily="2" charset="-127"/>
+                  <a:ea typeface="KoPub돋움체 Light" pitchFamily="2" charset="-127"/>
+                </a:rPr>
+                <a:t>시그모이드</a:t>
+              </a:r>
+              <a:r>
+                <a:rPr lang="en-US" altLang="ko-KR" sz="2400" dirty="0" smtClean="0">
+                  <a:latin typeface="KoPub돋움체 Light" pitchFamily="2" charset="-127"/>
+                  <a:ea typeface="KoPub돋움체 Light" pitchFamily="2" charset="-127"/>
+                </a:rPr>
+                <a:t>)</a:t>
+              </a:r>
+              <a:endParaRPr lang="ko-KR" altLang="en-US" sz="2800" dirty="0">
+                <a:latin typeface="KoPub돋움체 Light" pitchFamily="2" charset="-127"/>
+                <a:ea typeface="KoPub돋움체 Light" pitchFamily="2" charset="-127"/>
+              </a:endParaRPr>
+            </a:p>
+          </p:txBody>
+        </p:sp>
+        <p:pic>
+          <p:nvPicPr>
+            <p:cNvPr id="102" name="_x234504192" descr="DRW000011dc79e2"/>
+            <p:cNvPicPr>
+              <a:picLocks noChangeAspect="1" noChangeArrowheads="1"/>
+            </p:cNvPicPr>
+            <p:nvPr/>
+          </p:nvPicPr>
+          <p:blipFill>
+            <a:blip r:embed="rId21"/>
+            <a:srcRect/>
+            <a:stretch>
+              <a:fillRect/>
+            </a:stretch>
+          </p:blipFill>
+          <p:spPr bwMode="auto">
+            <a:xfrm>
+              <a:off x="15797729" y="16706469"/>
+              <a:ext cx="6666256" cy="456352"/>
+            </a:xfrm>
+            <a:prstGeom prst="rect">
+              <a:avLst/>
+            </a:prstGeom>
+            <a:noFill/>
+          </p:spPr>
+        </p:pic>
+        <p:sp>
+          <p:nvSpPr>
+            <p:cNvPr id="103" name="TextBox 102"/>
+            <p:cNvSpPr txBox="1"/>
+            <p:nvPr/>
+          </p:nvSpPr>
+          <p:spPr>
+            <a:xfrm>
+              <a:off x="13248482" y="17398992"/>
+              <a:ext cx="12358774" cy="954107"/>
+            </a:xfrm>
+            <a:prstGeom prst="rect">
+              <a:avLst/>
+            </a:prstGeom>
+            <a:noFill/>
+          </p:spPr>
+          <p:txBody>
+            <a:bodyPr wrap="square" rtlCol="0">
+              <a:spAutoFit/>
+            </a:bodyPr>
+            <a:lstStyle/>
+            <a:p>
+              <a:r>
+                <a:rPr lang="en-US" altLang="ko-KR" sz="2800" dirty="0" smtClean="0">
+                  <a:latin typeface="KoPub돋움체 Light" pitchFamily="2" charset="-127"/>
+                  <a:ea typeface="KoPub돋움체 Light" pitchFamily="2" charset="-127"/>
+                </a:rPr>
+                <a:t> </a:t>
+              </a:r>
+              <a:r>
+                <a:rPr lang="ko-KR" altLang="en-US" sz="2800" dirty="0" smtClean="0">
+                  <a:latin typeface="KoPub돋움체 Light" pitchFamily="2" charset="-127"/>
+                  <a:ea typeface="KoPub돋움체 Light" pitchFamily="2" charset="-127"/>
+                </a:rPr>
+                <a:t>위와 같은 과정을 통해 신경망을 학습시킬 수 있었다</a:t>
+              </a:r>
+              <a:r>
+                <a:rPr lang="en-US" altLang="ko-KR" sz="2800" dirty="0" smtClean="0">
+                  <a:latin typeface="KoPub돋움체 Light" pitchFamily="2" charset="-127"/>
+                  <a:ea typeface="KoPub돋움체 Light" pitchFamily="2" charset="-127"/>
+                </a:rPr>
+                <a:t>. </a:t>
+              </a:r>
+              <a:r>
+                <a:rPr lang="ko-KR" altLang="en-US" sz="2800" dirty="0" smtClean="0">
+                  <a:latin typeface="KoPub돋움체 Light" pitchFamily="2" charset="-127"/>
+                  <a:ea typeface="KoPub돋움체 Light" pitchFamily="2" charset="-127"/>
+                </a:rPr>
+                <a:t>학습된 신경망은 학습 데이터와 같은 유형의 문제를 해결할 수 있다</a:t>
+              </a:r>
+              <a:r>
+                <a:rPr lang="en-US" altLang="ko-KR" sz="2400" dirty="0" smtClean="0">
+                  <a:latin typeface="KoPub돋움체 Light" pitchFamily="2" charset="-127"/>
+                  <a:ea typeface="KoPub돋움체 Light" pitchFamily="2" charset="-127"/>
+                </a:rPr>
+                <a:t>(</a:t>
+              </a:r>
+              <a:r>
+                <a:rPr lang="ko-KR" altLang="en-US" sz="2400" dirty="0" smtClean="0">
+                  <a:latin typeface="KoPub돋움체 Light" pitchFamily="2" charset="-127"/>
+                  <a:ea typeface="KoPub돋움체 Light" pitchFamily="2" charset="-127"/>
+                </a:rPr>
+                <a:t>분류</a:t>
+              </a:r>
+              <a:r>
+                <a:rPr lang="en-US" altLang="ko-KR" sz="2400" dirty="0" smtClean="0">
+                  <a:latin typeface="KoPub돋움체 Light" pitchFamily="2" charset="-127"/>
+                  <a:ea typeface="KoPub돋움체 Light" pitchFamily="2" charset="-127"/>
+                </a:rPr>
+                <a:t>, </a:t>
+              </a:r>
+              <a:r>
+                <a:rPr lang="ko-KR" altLang="en-US" sz="2400" dirty="0" smtClean="0">
+                  <a:latin typeface="KoPub돋움체 Light" pitchFamily="2" charset="-127"/>
+                  <a:ea typeface="KoPub돋움체 Light" pitchFamily="2" charset="-127"/>
+                </a:rPr>
+                <a:t>회귀 등</a:t>
+              </a:r>
+              <a:r>
+                <a:rPr lang="en-US" altLang="ko-KR" sz="2400" dirty="0" smtClean="0">
+                  <a:latin typeface="KoPub돋움체 Light" pitchFamily="2" charset="-127"/>
+                  <a:ea typeface="KoPub돋움체 Light" pitchFamily="2" charset="-127"/>
+                </a:rPr>
+                <a:t>)</a:t>
+              </a:r>
+              <a:endParaRPr lang="ko-KR" altLang="en-US" sz="2800" dirty="0">
+                <a:latin typeface="KoPub돋움체 Light" pitchFamily="2" charset="-127"/>
+                <a:ea typeface="KoPub돋움체 Light" pitchFamily="2" charset="-127"/>
+              </a:endParaRPr>
+            </a:p>
+          </p:txBody>
+        </p:sp>
+      </p:grpSp>
+      <p:grpSp>
+        <p:nvGrpSpPr>
+          <p:cNvPr id="108" name="그룹 107"/>
+          <p:cNvGrpSpPr/>
+          <p:nvPr/>
+        </p:nvGrpSpPr>
+        <p:grpSpPr>
+          <a:xfrm>
+            <a:off x="13605672" y="21971024"/>
+            <a:ext cx="11644394" cy="1632215"/>
+            <a:chOff x="1032584" y="6040350"/>
+            <a:chExt cx="14270091" cy="2000264"/>
+          </a:xfrm>
+          <a:solidFill>
+            <a:schemeClr val="accent4"/>
+          </a:solidFill>
+        </p:grpSpPr>
+        <p:sp>
+          <p:nvSpPr>
+            <p:cNvPr id="109" name="타원 108"/>
+            <p:cNvSpPr/>
+            <p:nvPr/>
+          </p:nvSpPr>
+          <p:spPr>
+            <a:xfrm>
+              <a:off x="1032584" y="6040350"/>
+              <a:ext cx="2000264" cy="2000264"/>
+            </a:xfrm>
+            <a:prstGeom prst="ellipse">
+              <a:avLst/>
+            </a:prstGeom>
+            <a:grpFill/>
+            <a:ln>
+              <a:noFill/>
+            </a:ln>
+          </p:spPr>
+          <p:style>
+            <a:lnRef idx="2">
+              <a:schemeClr val="accent1">
+                <a:shade val="50000"/>
+              </a:schemeClr>
+            </a:lnRef>
+            <a:fillRef idx="1">
+              <a:schemeClr val="accent1"/>
+            </a:fillRef>
+            <a:effectRef idx="0">
+              <a:schemeClr val="accent1"/>
+            </a:effectRef>
+            <a:fontRef idx="minor">
+              <a:schemeClr val="lt1"/>
+            </a:fontRef>
+          </p:style>
+          <p:txBody>
+            <a:bodyPr rtlCol="0" anchor="ctr"/>
+            <a:lstStyle/>
+            <a:p>
+              <a:pPr algn="ctr"/>
+              <a:r>
+                <a:rPr lang="en-US" altLang="ko-KR" sz="5400" dirty="0" smtClean="0">
+                  <a:latin typeface="KoPub돋움체 Bold" pitchFamily="2" charset="-127"/>
+                  <a:ea typeface="KoPub돋움체 Bold" pitchFamily="2" charset="-127"/>
+                </a:rPr>
+                <a:t>4</a:t>
+              </a:r>
+              <a:endParaRPr lang="ko-KR" altLang="en-US" sz="5400" dirty="0">
+                <a:latin typeface="KoPub돋움체 Bold" pitchFamily="2" charset="-127"/>
+                <a:ea typeface="KoPub돋움체 Bold" pitchFamily="2" charset="-127"/>
+              </a:endParaRPr>
+            </a:p>
+          </p:txBody>
+        </p:sp>
+        <p:sp>
+          <p:nvSpPr>
+            <p:cNvPr id="111" name="직사각형 110"/>
+            <p:cNvSpPr/>
+            <p:nvPr/>
+          </p:nvSpPr>
+          <p:spPr>
+            <a:xfrm>
+              <a:off x="2247030" y="6468978"/>
+              <a:ext cx="13055645" cy="1214446"/>
+            </a:xfrm>
+            <a:prstGeom prst="rect">
+              <a:avLst/>
+            </a:prstGeom>
+            <a:grpFill/>
+            <a:ln>
+              <a:noFill/>
+            </a:ln>
+          </p:spPr>
+          <p:style>
+            <a:lnRef idx="2">
+              <a:schemeClr val="accent1">
+                <a:shade val="50000"/>
+              </a:schemeClr>
+            </a:lnRef>
+            <a:fillRef idx="1">
+              <a:schemeClr val="accent1"/>
+            </a:fillRef>
+            <a:effectRef idx="0">
+              <a:schemeClr val="accent1"/>
+            </a:effectRef>
+            <a:fontRef idx="minor">
+              <a:schemeClr val="lt1"/>
+            </a:fontRef>
+          </p:style>
+          <p:txBody>
+            <a:bodyPr rtlCol="0" anchor="ctr"/>
+            <a:lstStyle/>
+            <a:p>
+              <a:pPr algn="ctr"/>
+              <a:r>
+                <a:rPr lang="ko-KR" altLang="en-US" sz="5400" dirty="0" smtClean="0">
+                  <a:latin typeface="KoPub돋움체 Bold" pitchFamily="2" charset="-127"/>
+                  <a:ea typeface="KoPub돋움체 Bold" pitchFamily="2" charset="-127"/>
+                </a:rPr>
+                <a:t>향후 전망과 활용</a:t>
+              </a:r>
+              <a:endParaRPr lang="ko-KR" altLang="en-US" sz="5400" dirty="0">
+                <a:latin typeface="KoPub돋움체 Bold" pitchFamily="2" charset="-127"/>
+                <a:ea typeface="KoPub돋움체 Bold" pitchFamily="2" charset="-127"/>
+              </a:endParaRPr>
+            </a:p>
+          </p:txBody>
+        </p:sp>
+      </p:grpSp>
+      <p:sp>
+        <p:nvSpPr>
+          <p:cNvPr id="82" name="TextBox 81"/>
+          <p:cNvSpPr txBox="1"/>
+          <p:nvPr/>
+        </p:nvSpPr>
+        <p:spPr>
+          <a:xfrm>
+            <a:off x="13248482" y="23756974"/>
+            <a:ext cx="12215898" cy="1077218"/>
+          </a:xfrm>
+          <a:prstGeom prst="rect">
+            <a:avLst/>
+          </a:prstGeom>
+          <a:noFill/>
+        </p:spPr>
+        <p:txBody>
+          <a:bodyPr wrap="square" rtlCol="0">
+            <a:spAutoFit/>
+          </a:bodyPr>
+          <a:lstStyle/>
+          <a:p>
+            <a:r>
+              <a:rPr lang="en-US" altLang="ko-KR" sz="3200" dirty="0" smtClean="0">
+                <a:latin typeface="KoPub돋움체 Light" pitchFamily="2" charset="-127"/>
+                <a:ea typeface="KoPub돋움체 Light" pitchFamily="2" charset="-127"/>
+              </a:rPr>
+              <a:t> </a:t>
+            </a:r>
+            <a:r>
+              <a:rPr lang="ko-KR" altLang="en-US" sz="3200" dirty="0" smtClean="0">
+                <a:latin typeface="KoPub돋움체 Light" pitchFamily="2" charset="-127"/>
+                <a:ea typeface="KoPub돋움체 Light" pitchFamily="2" charset="-127"/>
+              </a:rPr>
+              <a:t>일련의 과정을 통해 신경망의 성능을 향상시켰으며</a:t>
+            </a:r>
+            <a:r>
+              <a:rPr lang="en-US" altLang="ko-KR" sz="3200" dirty="0" smtClean="0">
+                <a:latin typeface="KoPub돋움체 Light" pitchFamily="2" charset="-127"/>
+                <a:ea typeface="KoPub돋움체 Light" pitchFamily="2" charset="-127"/>
+              </a:rPr>
+              <a:t>, </a:t>
+            </a:r>
+            <a:r>
+              <a:rPr lang="ko-KR" altLang="en-US" sz="3200" dirty="0" smtClean="0">
+                <a:latin typeface="KoPub돋움체 Light" pitchFamily="2" charset="-127"/>
+                <a:ea typeface="KoPub돋움체 Light" pitchFamily="2" charset="-127"/>
+              </a:rPr>
+              <a:t>성능 향상에 대한 지표는 아래와 같다</a:t>
+            </a:r>
+            <a:r>
+              <a:rPr lang="en-US" altLang="ko-KR" sz="3200" dirty="0" smtClean="0">
+                <a:latin typeface="KoPub돋움체 Light" pitchFamily="2" charset="-127"/>
+                <a:ea typeface="KoPub돋움체 Light" pitchFamily="2" charset="-127"/>
+              </a:rPr>
+              <a:t>.</a:t>
+            </a:r>
+            <a:endParaRPr lang="ko-KR" altLang="en-US" sz="3200" dirty="0">
+              <a:latin typeface="KoPub돋움체 Light" pitchFamily="2" charset="-127"/>
+              <a:ea typeface="KoPub돋움체 Light" pitchFamily="2" charset="-127"/>
+            </a:endParaRPr>
+          </a:p>
+        </p:txBody>
+      </p:sp>
+      <p:graphicFrame>
+        <p:nvGraphicFramePr>
+          <p:cNvPr id="83" name="표 82"/>
+          <p:cNvGraphicFramePr>
+            <a:graphicFrameLocks noGrp="1"/>
+          </p:cNvGraphicFramePr>
+          <p:nvPr/>
+        </p:nvGraphicFramePr>
+        <p:xfrm>
+          <a:off x="13248482" y="26828808"/>
+          <a:ext cx="7215238" cy="2143140"/>
+        </p:xfrm>
+        <a:graphic>
+          <a:graphicData uri="http://schemas.openxmlformats.org/drawingml/2006/table">
+            <a:tbl>
+              <a:tblPr/>
+              <a:tblGrid>
+                <a:gridCol w="3607619"/>
+                <a:gridCol w="3607619"/>
+              </a:tblGrid>
+              <a:tr h="357190">
+                <a:tc>
+                  <a:txBody>
+                    <a:bodyPr/>
+                    <a:lstStyle/>
+                    <a:p>
+                      <a:pPr marL="0" marR="0" indent="0" algn="ctr" fontAlgn="base" latinLnBrk="0">
+                        <a:lnSpc>
+                          <a:spcPct val="160000"/>
+                        </a:lnSpc>
+                        <a:spcBef>
+                          <a:spcPts val="0"/>
+                        </a:spcBef>
+                        <a:spcAft>
+                          <a:spcPts val="0"/>
+                        </a:spcAft>
+                      </a:pPr>
+                      <a:r>
+                        <a:rPr lang="ko-KR" altLang="en-US" sz="1200" b="1" kern="0" spc="0" dirty="0">
+                          <a:solidFill>
+                            <a:srgbClr val="FFFFFF"/>
+                          </a:solidFill>
+                          <a:latin typeface="KoPub돋움체 Bold" pitchFamily="2" charset="-127"/>
+                          <a:ea typeface="KoPub돋움체 Bold" pitchFamily="2" charset="-127"/>
+                        </a:rPr>
+                        <a:t>학습 데이터 양</a:t>
+                      </a:r>
+                    </a:p>
+                  </a:txBody>
+                  <a:tcPr marL="64770" marR="64770" marT="17907" marB="17907" anchor="ctr">
+                    <a:lnL>
+                      <a:noFill/>
+                    </a:lnL>
+                    <a:lnR w="10795" cap="flat" cmpd="sng" algn="ctr">
+                      <a:solidFill>
+                        <a:srgbClr val="1C3D62"/>
+                      </a:solidFill>
+                      <a:prstDash val="solid"/>
+                      <a:round/>
+                      <a:headEnd type="none" w="med" len="med"/>
+                      <a:tailEnd type="none" w="med" len="med"/>
+                    </a:lnR>
+                    <a:lnT>
+                      <a:noFill/>
+                    </a:lnT>
+                    <a:lnB w="32385" cap="flat" cmpd="sng" algn="ctr">
+                      <a:solidFill>
+                        <a:srgbClr val="FFFFFF"/>
+                      </a:solidFill>
+                      <a:prstDash val="solid"/>
+                      <a:round/>
+                      <a:headEnd type="none" w="med" len="med"/>
+                      <a:tailEnd type="none" w="med" len="med"/>
+                    </a:lnB>
+                    <a:solidFill>
+                      <a:srgbClr val="262626"/>
+                    </a:solidFill>
+                  </a:tcPr>
+                </a:tc>
+                <a:tc>
+                  <a:txBody>
+                    <a:bodyPr/>
+                    <a:lstStyle/>
+                    <a:p>
+                      <a:pPr marL="0" marR="0" indent="0" algn="ctr" fontAlgn="base" latinLnBrk="0">
+                        <a:lnSpc>
+                          <a:spcPct val="160000"/>
+                        </a:lnSpc>
+                        <a:spcBef>
+                          <a:spcPts val="0"/>
+                        </a:spcBef>
+                        <a:spcAft>
+                          <a:spcPts val="0"/>
+                        </a:spcAft>
+                      </a:pPr>
+                      <a:r>
+                        <a:rPr lang="en-US" sz="1100" kern="0" spc="0" dirty="0">
+                          <a:solidFill>
+                            <a:srgbClr val="000000"/>
+                          </a:solidFill>
+                          <a:latin typeface="KoPub돋움체 Light" pitchFamily="2" charset="-127"/>
+                          <a:ea typeface="KoPub돋움체 Light" pitchFamily="2" charset="-127"/>
+                        </a:rPr>
+                        <a:t>60,000</a:t>
+                      </a:r>
+                    </a:p>
+                  </a:txBody>
+                  <a:tcPr marL="64770" marR="64770" marT="17907" marB="17907" anchor="ctr">
+                    <a:lnL w="10795" cap="flat" cmpd="sng" algn="ctr">
+                      <a:solidFill>
+                        <a:srgbClr val="1C3D62"/>
+                      </a:solidFill>
+                      <a:prstDash val="solid"/>
+                      <a:round/>
+                      <a:headEnd type="none" w="med" len="med"/>
+                      <a:tailEnd type="none" w="med" len="med"/>
+                    </a:lnL>
+                    <a:lnR>
+                      <a:noFill/>
+                    </a:lnR>
+                    <a:lnT>
+                      <a:noFill/>
+                    </a:lnT>
+                    <a:lnB w="10795" cap="flat" cmpd="sng" algn="ctr">
+                      <a:solidFill>
+                        <a:srgbClr val="1C3D62"/>
+                      </a:solidFill>
+                      <a:prstDash val="solid"/>
+                      <a:round/>
+                      <a:headEnd type="none" w="med" len="med"/>
+                      <a:tailEnd type="none" w="med" len="med"/>
+                    </a:lnB>
+                  </a:tcPr>
+                </a:tc>
+              </a:tr>
+              <a:tr h="357190">
+                <a:tc>
+                  <a:txBody>
+                    <a:bodyPr/>
+                    <a:lstStyle/>
+                    <a:p>
+                      <a:pPr marL="0" marR="0" indent="0" algn="ctr" fontAlgn="base" latinLnBrk="0">
+                        <a:lnSpc>
+                          <a:spcPct val="160000"/>
+                        </a:lnSpc>
+                        <a:spcBef>
+                          <a:spcPts val="0"/>
+                        </a:spcBef>
+                        <a:spcAft>
+                          <a:spcPts val="0"/>
+                        </a:spcAft>
+                      </a:pPr>
+                      <a:r>
+                        <a:rPr lang="ko-KR" altLang="en-US" sz="1200" b="1" kern="0" spc="0" dirty="0">
+                          <a:solidFill>
+                            <a:srgbClr val="FFFFFF"/>
+                          </a:solidFill>
+                          <a:latin typeface="KoPub돋움체 Bold" pitchFamily="2" charset="-127"/>
+                          <a:ea typeface="KoPub돋움체 Bold" pitchFamily="2" charset="-127"/>
+                        </a:rPr>
+                        <a:t>주기</a:t>
+                      </a:r>
+                      <a:r>
+                        <a:rPr lang="en-US" altLang="ko-KR" sz="1200" b="1" kern="0" spc="0" dirty="0">
+                          <a:solidFill>
+                            <a:srgbClr val="FFFFFF"/>
+                          </a:solidFill>
+                          <a:latin typeface="KoPub돋움체 Bold" pitchFamily="2" charset="-127"/>
+                          <a:ea typeface="KoPub돋움체 Bold" pitchFamily="2" charset="-127"/>
+                        </a:rPr>
+                        <a:t>(</a:t>
+                      </a:r>
+                      <a:r>
+                        <a:rPr lang="en-US" sz="1200" b="1" kern="0" spc="0" dirty="0">
+                          <a:solidFill>
+                            <a:srgbClr val="FFFFFF"/>
+                          </a:solidFill>
+                          <a:latin typeface="KoPub돋움체 Bold" pitchFamily="2" charset="-127"/>
+                          <a:ea typeface="KoPub돋움체 Bold" pitchFamily="2" charset="-127"/>
+                        </a:rPr>
+                        <a:t>epoch)</a:t>
+                      </a:r>
+                    </a:p>
+                  </a:txBody>
+                  <a:tcPr marL="64770" marR="64770" marT="17907" marB="17907" anchor="ctr">
+                    <a:lnL>
+                      <a:noFill/>
+                    </a:lnL>
+                    <a:lnR w="10795" cap="flat" cmpd="sng" algn="ctr">
+                      <a:solidFill>
+                        <a:srgbClr val="1C3D62"/>
+                      </a:solidFill>
+                      <a:prstDash val="solid"/>
+                      <a:round/>
+                      <a:headEnd type="none" w="med" len="med"/>
+                      <a:tailEnd type="none" w="med" len="med"/>
+                    </a:lnR>
+                    <a:lnT w="32385" cap="flat" cmpd="sng" algn="ctr">
+                      <a:solidFill>
+                        <a:srgbClr val="FFFFFF"/>
+                      </a:solidFill>
+                      <a:prstDash val="solid"/>
+                      <a:round/>
+                      <a:headEnd type="none" w="med" len="med"/>
+                      <a:tailEnd type="none" w="med" len="med"/>
+                    </a:lnT>
+                    <a:lnB w="32385" cap="flat" cmpd="sng" algn="ctr">
+                      <a:solidFill>
+                        <a:srgbClr val="FFFFFF"/>
+                      </a:solidFill>
+                      <a:prstDash val="solid"/>
+                      <a:round/>
+                      <a:headEnd type="none" w="med" len="med"/>
+                      <a:tailEnd type="none" w="med" len="med"/>
+                    </a:lnB>
+                    <a:solidFill>
+                      <a:srgbClr val="262626"/>
+                    </a:solidFill>
+                  </a:tcPr>
+                </a:tc>
+                <a:tc>
+                  <a:txBody>
+                    <a:bodyPr/>
+                    <a:lstStyle/>
+                    <a:p>
+                      <a:pPr marL="0" marR="0" indent="0" algn="ctr" fontAlgn="base" latinLnBrk="0">
+                        <a:lnSpc>
+                          <a:spcPct val="160000"/>
+                        </a:lnSpc>
+                        <a:spcBef>
+                          <a:spcPts val="0"/>
+                        </a:spcBef>
+                        <a:spcAft>
+                          <a:spcPts val="0"/>
+                        </a:spcAft>
+                      </a:pPr>
+                      <a:r>
+                        <a:rPr lang="en-US" altLang="ko-KR" sz="1100" kern="0" spc="0" dirty="0">
+                          <a:solidFill>
+                            <a:srgbClr val="000000"/>
+                          </a:solidFill>
+                          <a:latin typeface="KoPub돋움체 Light" pitchFamily="2" charset="-127"/>
+                          <a:ea typeface="KoPub돋움체 Light" pitchFamily="2" charset="-127"/>
+                        </a:rPr>
+                        <a:t>5</a:t>
+                      </a:r>
+                      <a:r>
+                        <a:rPr lang="ko-KR" altLang="en-US" sz="1100" kern="0" spc="0" dirty="0">
+                          <a:solidFill>
+                            <a:srgbClr val="000000"/>
+                          </a:solidFill>
+                          <a:latin typeface="KoPub돋움체 Light" pitchFamily="2" charset="-127"/>
+                          <a:ea typeface="KoPub돋움체 Light" pitchFamily="2" charset="-127"/>
+                        </a:rPr>
+                        <a:t>회</a:t>
+                      </a:r>
+                    </a:p>
+                  </a:txBody>
+                  <a:tcPr marL="64770" marR="64770" marT="17907" marB="17907" anchor="ctr">
+                    <a:lnL w="10795" cap="flat" cmpd="sng" algn="ctr">
+                      <a:solidFill>
+                        <a:srgbClr val="1C3D62"/>
+                      </a:solidFill>
+                      <a:prstDash val="solid"/>
+                      <a:round/>
+                      <a:headEnd type="none" w="med" len="med"/>
+                      <a:tailEnd type="none" w="med" len="med"/>
+                    </a:lnL>
+                    <a:lnR>
+                      <a:noFill/>
+                    </a:lnR>
+                    <a:lnT w="10795" cap="flat" cmpd="sng" algn="ctr">
+                      <a:solidFill>
+                        <a:srgbClr val="1C3D62"/>
+                      </a:solidFill>
+                      <a:prstDash val="solid"/>
+                      <a:round/>
+                      <a:headEnd type="none" w="med" len="med"/>
+                      <a:tailEnd type="none" w="med" len="med"/>
+                    </a:lnT>
+                    <a:lnB w="10795" cap="flat" cmpd="sng" algn="ctr">
+                      <a:solidFill>
+                        <a:srgbClr val="1C3D62"/>
+                      </a:solidFill>
+                      <a:prstDash val="solid"/>
+                      <a:round/>
+                      <a:headEnd type="none" w="med" len="med"/>
+                      <a:tailEnd type="none" w="med" len="med"/>
+                    </a:lnB>
+                  </a:tcPr>
+                </a:tc>
+              </a:tr>
+              <a:tr h="357190">
+                <a:tc>
+                  <a:txBody>
+                    <a:bodyPr/>
+                    <a:lstStyle/>
+                    <a:p>
+                      <a:pPr marL="0" marR="0" indent="0" algn="ctr" fontAlgn="base" latinLnBrk="0">
+                        <a:lnSpc>
+                          <a:spcPct val="160000"/>
+                        </a:lnSpc>
+                        <a:spcBef>
+                          <a:spcPts val="0"/>
+                        </a:spcBef>
+                        <a:spcAft>
+                          <a:spcPts val="0"/>
+                        </a:spcAft>
+                      </a:pPr>
+                      <a:r>
+                        <a:rPr lang="ko-KR" altLang="en-US" sz="1200" b="1" kern="0" spc="0" dirty="0" err="1">
+                          <a:solidFill>
+                            <a:srgbClr val="FFFFFF"/>
+                          </a:solidFill>
+                          <a:latin typeface="KoPub돋움체 Bold" pitchFamily="2" charset="-127"/>
+                          <a:ea typeface="KoPub돋움체 Bold" pitchFamily="2" charset="-127"/>
+                        </a:rPr>
+                        <a:t>학습률</a:t>
+                      </a:r>
+                      <a:endParaRPr lang="ko-KR" altLang="en-US" sz="1200" b="1" kern="0" spc="0" dirty="0">
+                        <a:solidFill>
+                          <a:srgbClr val="FFFFFF"/>
+                        </a:solidFill>
+                        <a:latin typeface="KoPub돋움체 Bold" pitchFamily="2" charset="-127"/>
+                        <a:ea typeface="KoPub돋움체 Bold" pitchFamily="2" charset="-127"/>
+                      </a:endParaRPr>
+                    </a:p>
+                  </a:txBody>
+                  <a:tcPr marL="64770" marR="64770" marT="17907" marB="17907" anchor="ctr">
+                    <a:lnL>
+                      <a:noFill/>
+                    </a:lnL>
+                    <a:lnR w="10795" cap="flat" cmpd="sng" algn="ctr">
+                      <a:solidFill>
+                        <a:srgbClr val="1C3D62"/>
+                      </a:solidFill>
+                      <a:prstDash val="solid"/>
+                      <a:round/>
+                      <a:headEnd type="none" w="med" len="med"/>
+                      <a:tailEnd type="none" w="med" len="med"/>
+                    </a:lnR>
+                    <a:lnT w="32385" cap="flat" cmpd="sng" algn="ctr">
+                      <a:solidFill>
+                        <a:srgbClr val="FFFFFF"/>
+                      </a:solidFill>
+                      <a:prstDash val="solid"/>
+                      <a:round/>
+                      <a:headEnd type="none" w="med" len="med"/>
+                      <a:tailEnd type="none" w="med" len="med"/>
+                    </a:lnT>
+                    <a:lnB w="3556" cap="flat" cmpd="sng" algn="ctr">
+                      <a:solidFill>
+                        <a:srgbClr val="FFFFFF"/>
+                      </a:solidFill>
+                      <a:prstDash val="solid"/>
+                      <a:round/>
+                      <a:headEnd type="none" w="med" len="med"/>
+                      <a:tailEnd type="none" w="med" len="med"/>
+                    </a:lnB>
+                    <a:solidFill>
+                      <a:srgbClr val="262626"/>
+                    </a:solidFill>
+                  </a:tcPr>
+                </a:tc>
+                <a:tc>
+                  <a:txBody>
+                    <a:bodyPr/>
+                    <a:lstStyle/>
+                    <a:p>
+                      <a:pPr marL="0" marR="0" indent="0" algn="ctr" fontAlgn="base" latinLnBrk="0">
+                        <a:lnSpc>
+                          <a:spcPct val="160000"/>
+                        </a:lnSpc>
+                        <a:spcBef>
+                          <a:spcPts val="0"/>
+                        </a:spcBef>
+                        <a:spcAft>
+                          <a:spcPts val="0"/>
+                        </a:spcAft>
+                      </a:pPr>
+                      <a:r>
+                        <a:rPr lang="en-US" sz="1100" kern="0" spc="0" dirty="0">
+                          <a:solidFill>
+                            <a:srgbClr val="000000"/>
+                          </a:solidFill>
+                          <a:latin typeface="KoPub돋움체 Light" pitchFamily="2" charset="-127"/>
+                          <a:ea typeface="KoPub돋움체 Light" pitchFamily="2" charset="-127"/>
+                        </a:rPr>
+                        <a:t>0.1</a:t>
+                      </a:r>
+                    </a:p>
+                  </a:txBody>
+                  <a:tcPr marL="64770" marR="64770" marT="17907" marB="17907" anchor="ctr">
+                    <a:lnL w="10795" cap="flat" cmpd="sng" algn="ctr">
+                      <a:solidFill>
+                        <a:srgbClr val="1C3D62"/>
+                      </a:solidFill>
+                      <a:prstDash val="solid"/>
+                      <a:round/>
+                      <a:headEnd type="none" w="med" len="med"/>
+                      <a:tailEnd type="none" w="med" len="med"/>
+                    </a:lnL>
+                    <a:lnR>
+                      <a:noFill/>
+                    </a:lnR>
+                    <a:lnT w="10795" cap="flat" cmpd="sng" algn="ctr">
+                      <a:solidFill>
+                        <a:srgbClr val="1C3D62"/>
+                      </a:solidFill>
+                      <a:prstDash val="solid"/>
+                      <a:round/>
+                      <a:headEnd type="none" w="med" len="med"/>
+                      <a:tailEnd type="none" w="med" len="med"/>
+                    </a:lnT>
+                    <a:lnB w="10795" cap="flat" cmpd="sng" algn="ctr">
+                      <a:solidFill>
+                        <a:srgbClr val="1C3D62"/>
+                      </a:solidFill>
+                      <a:prstDash val="solid"/>
+                      <a:round/>
+                      <a:headEnd type="none" w="med" len="med"/>
+                      <a:tailEnd type="none" w="med" len="med"/>
+                    </a:lnB>
+                  </a:tcPr>
+                </a:tc>
+              </a:tr>
+              <a:tr h="357190">
+                <a:tc>
+                  <a:txBody>
+                    <a:bodyPr/>
+                    <a:lstStyle/>
+                    <a:p>
+                      <a:pPr marL="0" marR="0" indent="0" algn="ctr" fontAlgn="base" latinLnBrk="0">
+                        <a:lnSpc>
+                          <a:spcPct val="160000"/>
+                        </a:lnSpc>
+                        <a:spcBef>
+                          <a:spcPts val="0"/>
+                        </a:spcBef>
+                        <a:spcAft>
+                          <a:spcPts val="0"/>
+                        </a:spcAft>
+                      </a:pPr>
+                      <a:r>
+                        <a:rPr lang="ko-KR" altLang="en-US" sz="1200" b="1" kern="0" spc="0" dirty="0">
+                          <a:solidFill>
+                            <a:srgbClr val="FFFFFF"/>
+                          </a:solidFill>
+                          <a:latin typeface="KoPub돋움체 Bold" pitchFamily="2" charset="-127"/>
+                          <a:ea typeface="KoPub돋움체 Bold" pitchFamily="2" charset="-127"/>
+                        </a:rPr>
+                        <a:t>감쇠상수</a:t>
+                      </a:r>
+                    </a:p>
+                  </a:txBody>
+                  <a:tcPr marL="64770" marR="64770" marT="17907" marB="17907" anchor="ctr">
+                    <a:lnL w="3556" cap="flat" cmpd="sng" algn="ctr">
+                      <a:solidFill>
+                        <a:srgbClr val="FFFFFF"/>
+                      </a:solidFill>
+                      <a:prstDash val="solid"/>
+                      <a:round/>
+                      <a:headEnd type="none" w="med" len="med"/>
+                      <a:tailEnd type="none" w="med" len="med"/>
+                    </a:lnL>
+                    <a:lnR w="3556" cap="flat" cmpd="sng" algn="ctr">
+                      <a:solidFill>
+                        <a:srgbClr val="FFFFFF"/>
+                      </a:solidFill>
+                      <a:prstDash val="solid"/>
+                      <a:round/>
+                      <a:headEnd type="none" w="med" len="med"/>
+                      <a:tailEnd type="none" w="med" len="med"/>
+                    </a:lnR>
+                    <a:lnT w="3556" cap="flat" cmpd="sng" algn="ctr">
+                      <a:solidFill>
+                        <a:srgbClr val="FFFFFF"/>
+                      </a:solidFill>
+                      <a:prstDash val="solid"/>
+                      <a:round/>
+                      <a:headEnd type="none" w="med" len="med"/>
+                      <a:tailEnd type="none" w="med" len="med"/>
+                    </a:lnT>
+                    <a:lnB w="3556" cap="flat" cmpd="sng" algn="ctr">
+                      <a:solidFill>
+                        <a:srgbClr val="FFFFFF"/>
+                      </a:solidFill>
+                      <a:prstDash val="solid"/>
+                      <a:round/>
+                      <a:headEnd type="none" w="med" len="med"/>
+                      <a:tailEnd type="none" w="med" len="med"/>
+                    </a:lnB>
+                    <a:solidFill>
+                      <a:srgbClr val="262626"/>
+                    </a:solidFill>
+                  </a:tcPr>
+                </a:tc>
+                <a:tc>
+                  <a:txBody>
+                    <a:bodyPr/>
+                    <a:lstStyle/>
+                    <a:p>
+                      <a:pPr marL="0" marR="0" indent="0" algn="ctr" fontAlgn="base" latinLnBrk="0">
+                        <a:lnSpc>
+                          <a:spcPct val="160000"/>
+                        </a:lnSpc>
+                        <a:spcBef>
+                          <a:spcPts val="0"/>
+                        </a:spcBef>
+                        <a:spcAft>
+                          <a:spcPts val="0"/>
+                        </a:spcAft>
+                      </a:pPr>
+                      <a:r>
+                        <a:rPr lang="en-US" sz="1100" kern="0" spc="0" dirty="0">
+                          <a:solidFill>
+                            <a:srgbClr val="000000"/>
+                          </a:solidFill>
+                          <a:latin typeface="KoPub돋움체 Light" pitchFamily="2" charset="-127"/>
+                          <a:ea typeface="KoPub돋움체 Light" pitchFamily="2" charset="-127"/>
+                        </a:rPr>
+                        <a:t>10^-8</a:t>
+                      </a:r>
+                    </a:p>
+                  </a:txBody>
+                  <a:tcPr marL="64770" marR="64770" marT="17907" marB="17907" anchor="ctr">
+                    <a:lnL w="3556" cap="flat" cmpd="sng" algn="ctr">
+                      <a:solidFill>
+                        <a:srgbClr val="FFFFFF"/>
+                      </a:solidFill>
+                      <a:prstDash val="solid"/>
+                      <a:round/>
+                      <a:headEnd type="none" w="med" len="med"/>
+                      <a:tailEnd type="none" w="med" len="med"/>
+                    </a:lnL>
+                    <a:lnR>
+                      <a:noFill/>
+                    </a:lnR>
+                    <a:lnT w="10795" cap="flat" cmpd="sng" algn="ctr">
+                      <a:solidFill>
+                        <a:srgbClr val="1C3D62"/>
+                      </a:solidFill>
+                      <a:prstDash val="solid"/>
+                      <a:round/>
+                      <a:headEnd type="none" w="med" len="med"/>
+                      <a:tailEnd type="none" w="med" len="med"/>
+                    </a:lnT>
+                    <a:lnB w="10795" cap="flat" cmpd="sng" algn="ctr">
+                      <a:solidFill>
+                        <a:srgbClr val="1C3D62"/>
+                      </a:solidFill>
+                      <a:prstDash val="solid"/>
+                      <a:round/>
+                      <a:headEnd type="none" w="med" len="med"/>
+                      <a:tailEnd type="none" w="med" len="med"/>
+                    </a:lnB>
+                  </a:tcPr>
+                </a:tc>
+              </a:tr>
+              <a:tr h="357190">
+                <a:tc>
+                  <a:txBody>
+                    <a:bodyPr/>
+                    <a:lstStyle/>
+                    <a:p>
+                      <a:pPr marL="0" marR="0" indent="0" algn="ctr" fontAlgn="base" latinLnBrk="0">
+                        <a:lnSpc>
+                          <a:spcPct val="160000"/>
+                        </a:lnSpc>
+                        <a:spcBef>
+                          <a:spcPts val="0"/>
+                        </a:spcBef>
+                        <a:spcAft>
+                          <a:spcPts val="0"/>
+                        </a:spcAft>
+                      </a:pPr>
+                      <a:r>
+                        <a:rPr lang="ko-KR" altLang="en-US" sz="1200" b="1" kern="0" spc="0" dirty="0">
+                          <a:solidFill>
+                            <a:srgbClr val="FFFFFF"/>
+                          </a:solidFill>
+                          <a:latin typeface="KoPub돋움체 Bold" pitchFamily="2" charset="-127"/>
+                          <a:ea typeface="KoPub돋움체 Bold" pitchFamily="2" charset="-127"/>
+                        </a:rPr>
+                        <a:t>학습 시간</a:t>
+                      </a:r>
+                    </a:p>
+                  </a:txBody>
+                  <a:tcPr marL="64770" marR="64770" marT="17907" marB="17907" anchor="ctr">
+                    <a:lnL>
+                      <a:noFill/>
+                    </a:lnL>
+                    <a:lnR w="10795" cap="flat" cmpd="sng" algn="ctr">
+                      <a:solidFill>
+                        <a:srgbClr val="1C3D62"/>
+                      </a:solidFill>
+                      <a:prstDash val="solid"/>
+                      <a:round/>
+                      <a:headEnd type="none" w="med" len="med"/>
+                      <a:tailEnd type="none" w="med" len="med"/>
+                    </a:lnR>
+                    <a:lnT w="3556" cap="flat" cmpd="sng" algn="ctr">
+                      <a:solidFill>
+                        <a:srgbClr val="FFFFFF"/>
+                      </a:solidFill>
+                      <a:prstDash val="solid"/>
+                      <a:round/>
+                      <a:headEnd type="none" w="med" len="med"/>
+                      <a:tailEnd type="none" w="med" len="med"/>
+                    </a:lnT>
+                    <a:lnB w="32385" cap="flat" cmpd="sng" algn="ctr">
+                      <a:solidFill>
+                        <a:srgbClr val="FFFFFF"/>
+                      </a:solidFill>
+                      <a:prstDash val="solid"/>
+                      <a:round/>
+                      <a:headEnd type="none" w="med" len="med"/>
+                      <a:tailEnd type="none" w="med" len="med"/>
+                    </a:lnB>
+                    <a:solidFill>
+                      <a:srgbClr val="262626"/>
+                    </a:solidFill>
+                  </a:tcPr>
+                </a:tc>
+                <a:tc>
+                  <a:txBody>
+                    <a:bodyPr/>
+                    <a:lstStyle/>
+                    <a:p>
+                      <a:pPr marL="0" marR="0" indent="0" algn="ctr" fontAlgn="base" latinLnBrk="0">
+                        <a:lnSpc>
+                          <a:spcPct val="160000"/>
+                        </a:lnSpc>
+                        <a:spcBef>
+                          <a:spcPts val="0"/>
+                        </a:spcBef>
+                        <a:spcAft>
+                          <a:spcPts val="0"/>
+                        </a:spcAft>
+                      </a:pPr>
+                      <a:r>
+                        <a:rPr lang="ko-KR" altLang="en-US" sz="1100" b="1" kern="0" spc="0" dirty="0">
+                          <a:solidFill>
+                            <a:srgbClr val="000000"/>
+                          </a:solidFill>
+                          <a:latin typeface="KoPub돋움체 Light" pitchFamily="2" charset="-127"/>
+                          <a:ea typeface="KoPub돋움체 Light" pitchFamily="2" charset="-127"/>
+                        </a:rPr>
+                        <a:t>약 </a:t>
+                      </a:r>
+                      <a:r>
+                        <a:rPr lang="en-US" altLang="ko-KR" sz="1100" b="1" kern="0" spc="0" dirty="0">
+                          <a:solidFill>
+                            <a:srgbClr val="000000"/>
+                          </a:solidFill>
+                          <a:latin typeface="KoPub돋움체 Light" pitchFamily="2" charset="-127"/>
+                          <a:ea typeface="KoPub돋움체 Light" pitchFamily="2" charset="-127"/>
+                        </a:rPr>
+                        <a:t>24</a:t>
+                      </a:r>
+                      <a:r>
+                        <a:rPr lang="ko-KR" altLang="en-US" sz="1100" b="1" kern="0" spc="0" dirty="0">
+                          <a:solidFill>
+                            <a:srgbClr val="000000"/>
+                          </a:solidFill>
+                          <a:latin typeface="KoPub돋움체 Light" pitchFamily="2" charset="-127"/>
+                          <a:ea typeface="KoPub돋움체 Light" pitchFamily="2" charset="-127"/>
+                        </a:rPr>
+                        <a:t>분</a:t>
+                      </a:r>
+                    </a:p>
+                  </a:txBody>
+                  <a:tcPr marL="64770" marR="64770" marT="17907" marB="17907" anchor="ctr">
+                    <a:lnL w="10795" cap="flat" cmpd="sng" algn="ctr">
+                      <a:solidFill>
+                        <a:srgbClr val="1C3D62"/>
+                      </a:solidFill>
+                      <a:prstDash val="solid"/>
+                      <a:round/>
+                      <a:headEnd type="none" w="med" len="med"/>
+                      <a:tailEnd type="none" w="med" len="med"/>
+                    </a:lnL>
+                    <a:lnR>
+                      <a:noFill/>
+                    </a:lnR>
+                    <a:lnT w="10795" cap="flat" cmpd="sng" algn="ctr">
+                      <a:solidFill>
+                        <a:srgbClr val="1C3D62"/>
+                      </a:solidFill>
+                      <a:prstDash val="solid"/>
+                      <a:round/>
+                      <a:headEnd type="none" w="med" len="med"/>
+                      <a:tailEnd type="none" w="med" len="med"/>
+                    </a:lnT>
+                    <a:lnB w="10795" cap="flat" cmpd="sng" algn="ctr">
+                      <a:solidFill>
+                        <a:srgbClr val="1C3D62"/>
+                      </a:solidFill>
+                      <a:prstDash val="solid"/>
+                      <a:round/>
+                      <a:headEnd type="none" w="med" len="med"/>
+                      <a:tailEnd type="none" w="med" len="med"/>
+                    </a:lnB>
+                  </a:tcPr>
+                </a:tc>
+              </a:tr>
+              <a:tr h="357190">
+                <a:tc>
+                  <a:txBody>
+                    <a:bodyPr/>
+                    <a:lstStyle/>
+                    <a:p>
+                      <a:pPr marL="0" marR="0" indent="0" algn="ctr" fontAlgn="base" latinLnBrk="0">
+                        <a:lnSpc>
+                          <a:spcPct val="160000"/>
+                        </a:lnSpc>
+                        <a:spcBef>
+                          <a:spcPts val="0"/>
+                        </a:spcBef>
+                        <a:spcAft>
+                          <a:spcPts val="0"/>
+                        </a:spcAft>
+                      </a:pPr>
+                      <a:r>
+                        <a:rPr lang="ko-KR" altLang="en-US" sz="1200" b="1" kern="0" spc="0" dirty="0">
+                          <a:solidFill>
+                            <a:srgbClr val="FFFFFF"/>
+                          </a:solidFill>
+                          <a:latin typeface="KoPub돋움체 Bold" pitchFamily="2" charset="-127"/>
+                          <a:ea typeface="KoPub돋움체 Bold" pitchFamily="2" charset="-127"/>
+                        </a:rPr>
+                        <a:t>정확도</a:t>
+                      </a:r>
+                    </a:p>
+                  </a:txBody>
+                  <a:tcPr marL="64770" marR="64770" marT="17907" marB="17907" anchor="ctr">
+                    <a:lnL>
+                      <a:noFill/>
+                    </a:lnL>
+                    <a:lnR w="10795" cap="flat" cmpd="sng" algn="ctr">
+                      <a:solidFill>
+                        <a:srgbClr val="1C3D62"/>
+                      </a:solidFill>
+                      <a:prstDash val="solid"/>
+                      <a:round/>
+                      <a:headEnd type="none" w="med" len="med"/>
+                      <a:tailEnd type="none" w="med" len="med"/>
+                    </a:lnR>
+                    <a:lnT w="32385" cap="flat" cmpd="sng" algn="ctr">
+                      <a:solidFill>
+                        <a:srgbClr val="FFFFFF"/>
+                      </a:solidFill>
+                      <a:prstDash val="solid"/>
+                      <a:round/>
+                      <a:headEnd type="none" w="med" len="med"/>
+                      <a:tailEnd type="none" w="med" len="med"/>
+                    </a:lnT>
+                    <a:lnB>
+                      <a:noFill/>
+                    </a:lnB>
+                    <a:solidFill>
+                      <a:srgbClr val="262626"/>
+                    </a:solidFill>
+                  </a:tcPr>
+                </a:tc>
+                <a:tc>
+                  <a:txBody>
+                    <a:bodyPr/>
+                    <a:lstStyle/>
+                    <a:p>
+                      <a:pPr marL="0" marR="0" indent="0" algn="ctr" fontAlgn="base" latinLnBrk="0">
+                        <a:lnSpc>
+                          <a:spcPct val="160000"/>
+                        </a:lnSpc>
+                        <a:spcBef>
+                          <a:spcPts val="0"/>
+                        </a:spcBef>
+                        <a:spcAft>
+                          <a:spcPts val="0"/>
+                        </a:spcAft>
+                      </a:pPr>
+                      <a:r>
+                        <a:rPr lang="en-US" sz="1100" b="1" kern="0" spc="0" dirty="0">
+                          <a:solidFill>
+                            <a:srgbClr val="000000"/>
+                          </a:solidFill>
+                          <a:latin typeface="KoPub돋움체 Light" pitchFamily="2" charset="-127"/>
+                          <a:ea typeface="KoPub돋움체 Light" pitchFamily="2" charset="-127"/>
+                        </a:rPr>
+                        <a:t>97,25%</a:t>
+                      </a:r>
+                    </a:p>
+                  </a:txBody>
+                  <a:tcPr marL="64770" marR="64770" marT="17907" marB="17907" anchor="ctr">
+                    <a:lnL w="10795" cap="flat" cmpd="sng" algn="ctr">
+                      <a:solidFill>
+                        <a:srgbClr val="1C3D62"/>
+                      </a:solidFill>
+                      <a:prstDash val="solid"/>
+                      <a:round/>
+                      <a:headEnd type="none" w="med" len="med"/>
+                      <a:tailEnd type="none" w="med" len="med"/>
+                    </a:lnL>
+                    <a:lnR>
+                      <a:noFill/>
+                    </a:lnR>
+                    <a:lnT w="10795" cap="flat" cmpd="sng" algn="ctr">
+                      <a:solidFill>
+                        <a:srgbClr val="1C3D62"/>
+                      </a:solidFill>
+                      <a:prstDash val="solid"/>
+                      <a:round/>
+                      <a:headEnd type="none" w="med" len="med"/>
+                      <a:tailEnd type="none" w="med" len="med"/>
+                    </a:lnT>
+                    <a:lnB>
+                      <a:noFill/>
+                    </a:lnB>
+                  </a:tcPr>
+                </a:tc>
+              </a:tr>
+            </a:tbl>
+          </a:graphicData>
+        </a:graphic>
+      </p:graphicFrame>
+      <p:graphicFrame>
+        <p:nvGraphicFramePr>
+          <p:cNvPr id="84" name="표 83"/>
+          <p:cNvGraphicFramePr>
+            <a:graphicFrameLocks noGrp="1"/>
+          </p:cNvGraphicFramePr>
+          <p:nvPr/>
+        </p:nvGraphicFramePr>
+        <p:xfrm>
+          <a:off x="13248482" y="29186262"/>
+          <a:ext cx="7215238" cy="2214576"/>
+        </p:xfrm>
+        <a:graphic>
+          <a:graphicData uri="http://schemas.openxmlformats.org/drawingml/2006/table">
+            <a:tbl>
+              <a:tblPr/>
+              <a:tblGrid>
+                <a:gridCol w="3607619"/>
+                <a:gridCol w="3607619"/>
+              </a:tblGrid>
+              <a:tr h="369096">
+                <a:tc>
+                  <a:txBody>
+                    <a:bodyPr/>
+                    <a:lstStyle/>
+                    <a:p>
+                      <a:pPr marL="0" marR="0" indent="0" algn="ctr" fontAlgn="base" latinLnBrk="0">
+                        <a:lnSpc>
+                          <a:spcPct val="160000"/>
+                        </a:lnSpc>
+                        <a:spcBef>
+                          <a:spcPts val="0"/>
+                        </a:spcBef>
+                        <a:spcAft>
+                          <a:spcPts val="0"/>
+                        </a:spcAft>
+                      </a:pPr>
+                      <a:r>
+                        <a:rPr lang="ko-KR" altLang="en-US" sz="1400" b="1" kern="0" spc="0" dirty="0">
+                          <a:solidFill>
+                            <a:srgbClr val="FFFFFF"/>
+                          </a:solidFill>
+                          <a:latin typeface="KoPub돋움체 Bold" pitchFamily="2" charset="-127"/>
+                          <a:ea typeface="KoPub돋움체 Bold" pitchFamily="2" charset="-127"/>
+                        </a:rPr>
+                        <a:t>학습 데이터 양</a:t>
+                      </a:r>
+                    </a:p>
+                  </a:txBody>
+                  <a:tcPr marL="64770" marR="64770" marT="17907" marB="17907" anchor="ctr">
+                    <a:lnL>
+                      <a:noFill/>
+                    </a:lnL>
+                    <a:lnR w="10795" cap="flat" cmpd="sng" algn="ctr">
+                      <a:solidFill>
+                        <a:srgbClr val="1C3D62"/>
+                      </a:solidFill>
+                      <a:prstDash val="solid"/>
+                      <a:round/>
+                      <a:headEnd type="none" w="med" len="med"/>
+                      <a:tailEnd type="none" w="med" len="med"/>
+                    </a:lnR>
+                    <a:lnT>
+                      <a:noFill/>
+                    </a:lnT>
+                    <a:lnB w="32385" cap="flat" cmpd="sng" algn="ctr">
+                      <a:solidFill>
+                        <a:srgbClr val="FFFFFF"/>
+                      </a:solidFill>
+                      <a:prstDash val="solid"/>
+                      <a:round/>
+                      <a:headEnd type="none" w="med" len="med"/>
+                      <a:tailEnd type="none" w="med" len="med"/>
+                    </a:lnB>
+                    <a:solidFill>
+                      <a:srgbClr val="262626"/>
+                    </a:solidFill>
+                  </a:tcPr>
+                </a:tc>
+                <a:tc>
+                  <a:txBody>
+                    <a:bodyPr/>
+                    <a:lstStyle/>
+                    <a:p>
+                      <a:pPr marL="0" marR="0" indent="0" algn="ctr" fontAlgn="base" latinLnBrk="0">
+                        <a:lnSpc>
+                          <a:spcPct val="160000"/>
+                        </a:lnSpc>
+                        <a:spcBef>
+                          <a:spcPts val="0"/>
+                        </a:spcBef>
+                        <a:spcAft>
+                          <a:spcPts val="0"/>
+                        </a:spcAft>
+                      </a:pPr>
+                      <a:r>
+                        <a:rPr lang="en-US" sz="1200" kern="0" spc="0" dirty="0">
+                          <a:solidFill>
+                            <a:srgbClr val="000000"/>
+                          </a:solidFill>
+                          <a:latin typeface="KoPub돋움체 Light" pitchFamily="2" charset="-127"/>
+                          <a:ea typeface="KoPub돋움체 Light" pitchFamily="2" charset="-127"/>
+                        </a:rPr>
+                        <a:t>60,000</a:t>
+                      </a:r>
+                    </a:p>
+                  </a:txBody>
+                  <a:tcPr marL="64770" marR="64770" marT="17907" marB="17907" anchor="ctr">
+                    <a:lnL w="10795" cap="flat" cmpd="sng" algn="ctr">
+                      <a:solidFill>
+                        <a:srgbClr val="1C3D62"/>
+                      </a:solidFill>
+                      <a:prstDash val="solid"/>
+                      <a:round/>
+                      <a:headEnd type="none" w="med" len="med"/>
+                      <a:tailEnd type="none" w="med" len="med"/>
+                    </a:lnL>
+                    <a:lnR>
+                      <a:noFill/>
+                    </a:lnR>
+                    <a:lnT>
+                      <a:noFill/>
+                    </a:lnT>
+                    <a:lnB w="10795" cap="flat" cmpd="sng" algn="ctr">
+                      <a:solidFill>
+                        <a:srgbClr val="1C3D62"/>
+                      </a:solidFill>
+                      <a:prstDash val="solid"/>
+                      <a:round/>
+                      <a:headEnd type="none" w="med" len="med"/>
+                      <a:tailEnd type="none" w="med" len="med"/>
+                    </a:lnB>
+                  </a:tcPr>
+                </a:tc>
+              </a:tr>
+              <a:tr h="369096">
+                <a:tc>
+                  <a:txBody>
+                    <a:bodyPr/>
+                    <a:lstStyle/>
+                    <a:p>
+                      <a:pPr marL="0" marR="0" indent="0" algn="ctr" fontAlgn="base" latinLnBrk="0">
+                        <a:lnSpc>
+                          <a:spcPct val="160000"/>
+                        </a:lnSpc>
+                        <a:spcBef>
+                          <a:spcPts val="0"/>
+                        </a:spcBef>
+                        <a:spcAft>
+                          <a:spcPts val="0"/>
+                        </a:spcAft>
+                      </a:pPr>
+                      <a:r>
+                        <a:rPr lang="ko-KR" altLang="en-US" sz="1400" b="1" kern="0" spc="0">
+                          <a:solidFill>
+                            <a:srgbClr val="FFFFFF"/>
+                          </a:solidFill>
+                          <a:latin typeface="KoPub돋움체 Bold" pitchFamily="2" charset="-127"/>
+                          <a:ea typeface="KoPub돋움체 Bold" pitchFamily="2" charset="-127"/>
+                        </a:rPr>
+                        <a:t>주기</a:t>
+                      </a:r>
+                      <a:r>
+                        <a:rPr lang="en-US" altLang="ko-KR" sz="1400" b="1" kern="0" spc="0">
+                          <a:solidFill>
+                            <a:srgbClr val="FFFFFF"/>
+                          </a:solidFill>
+                          <a:latin typeface="KoPub돋움체 Bold" pitchFamily="2" charset="-127"/>
+                          <a:ea typeface="KoPub돋움체 Bold" pitchFamily="2" charset="-127"/>
+                        </a:rPr>
+                        <a:t>(</a:t>
+                      </a:r>
+                      <a:r>
+                        <a:rPr lang="en-US" sz="1400" b="1" kern="0" spc="0">
+                          <a:solidFill>
+                            <a:srgbClr val="FFFFFF"/>
+                          </a:solidFill>
+                          <a:latin typeface="KoPub돋움체 Bold" pitchFamily="2" charset="-127"/>
+                          <a:ea typeface="KoPub돋움체 Bold" pitchFamily="2" charset="-127"/>
+                        </a:rPr>
+                        <a:t>epoch)</a:t>
+                      </a:r>
+                    </a:p>
+                  </a:txBody>
+                  <a:tcPr marL="64770" marR="64770" marT="17907" marB="17907" anchor="ctr">
+                    <a:lnL>
+                      <a:noFill/>
+                    </a:lnL>
+                    <a:lnR w="10795" cap="flat" cmpd="sng" algn="ctr">
+                      <a:solidFill>
+                        <a:srgbClr val="1C3D62"/>
+                      </a:solidFill>
+                      <a:prstDash val="solid"/>
+                      <a:round/>
+                      <a:headEnd type="none" w="med" len="med"/>
+                      <a:tailEnd type="none" w="med" len="med"/>
+                    </a:lnR>
+                    <a:lnT w="32385" cap="flat" cmpd="sng" algn="ctr">
+                      <a:solidFill>
+                        <a:srgbClr val="FFFFFF"/>
+                      </a:solidFill>
+                      <a:prstDash val="solid"/>
+                      <a:round/>
+                      <a:headEnd type="none" w="med" len="med"/>
+                      <a:tailEnd type="none" w="med" len="med"/>
+                    </a:lnT>
+                    <a:lnB w="32385" cap="flat" cmpd="sng" algn="ctr">
+                      <a:solidFill>
+                        <a:srgbClr val="FFFFFF"/>
+                      </a:solidFill>
+                      <a:prstDash val="solid"/>
+                      <a:round/>
+                      <a:headEnd type="none" w="med" len="med"/>
+                      <a:tailEnd type="none" w="med" len="med"/>
+                    </a:lnB>
+                    <a:solidFill>
+                      <a:srgbClr val="262626"/>
+                    </a:solidFill>
+                  </a:tcPr>
+                </a:tc>
+                <a:tc>
+                  <a:txBody>
+                    <a:bodyPr/>
+                    <a:lstStyle/>
+                    <a:p>
+                      <a:pPr marL="0" marR="0" indent="0" algn="ctr" fontAlgn="base" latinLnBrk="0">
+                        <a:lnSpc>
+                          <a:spcPct val="160000"/>
+                        </a:lnSpc>
+                        <a:spcBef>
+                          <a:spcPts val="0"/>
+                        </a:spcBef>
+                        <a:spcAft>
+                          <a:spcPts val="0"/>
+                        </a:spcAft>
+                      </a:pPr>
+                      <a:r>
+                        <a:rPr lang="en-US" altLang="ko-KR" sz="1200" kern="0" spc="0" dirty="0">
+                          <a:solidFill>
+                            <a:srgbClr val="000000"/>
+                          </a:solidFill>
+                          <a:latin typeface="KoPub돋움체 Light" pitchFamily="2" charset="-127"/>
+                          <a:ea typeface="KoPub돋움체 Light" pitchFamily="2" charset="-127"/>
+                        </a:rPr>
+                        <a:t>5</a:t>
+                      </a:r>
+                      <a:r>
+                        <a:rPr lang="ko-KR" altLang="en-US" sz="1200" kern="0" spc="0" dirty="0">
+                          <a:solidFill>
+                            <a:srgbClr val="000000"/>
+                          </a:solidFill>
+                          <a:latin typeface="KoPub돋움체 Light" pitchFamily="2" charset="-127"/>
+                          <a:ea typeface="KoPub돋움체 Light" pitchFamily="2" charset="-127"/>
+                        </a:rPr>
+                        <a:t>회</a:t>
+                      </a:r>
+                    </a:p>
+                  </a:txBody>
+                  <a:tcPr marL="64770" marR="64770" marT="17907" marB="17907" anchor="ctr">
+                    <a:lnL w="10795" cap="flat" cmpd="sng" algn="ctr">
+                      <a:solidFill>
+                        <a:srgbClr val="1C3D62"/>
+                      </a:solidFill>
+                      <a:prstDash val="solid"/>
+                      <a:round/>
+                      <a:headEnd type="none" w="med" len="med"/>
+                      <a:tailEnd type="none" w="med" len="med"/>
+                    </a:lnL>
+                    <a:lnR>
+                      <a:noFill/>
+                    </a:lnR>
+                    <a:lnT w="10795" cap="flat" cmpd="sng" algn="ctr">
+                      <a:solidFill>
+                        <a:srgbClr val="1C3D62"/>
+                      </a:solidFill>
+                      <a:prstDash val="solid"/>
+                      <a:round/>
+                      <a:headEnd type="none" w="med" len="med"/>
+                      <a:tailEnd type="none" w="med" len="med"/>
+                    </a:lnT>
+                    <a:lnB w="10795" cap="flat" cmpd="sng" algn="ctr">
+                      <a:solidFill>
+                        <a:srgbClr val="1C3D62"/>
+                      </a:solidFill>
+                      <a:prstDash val="solid"/>
+                      <a:round/>
+                      <a:headEnd type="none" w="med" len="med"/>
+                      <a:tailEnd type="none" w="med" len="med"/>
+                    </a:lnB>
+                  </a:tcPr>
+                </a:tc>
+              </a:tr>
+              <a:tr h="369096">
+                <a:tc>
+                  <a:txBody>
+                    <a:bodyPr/>
+                    <a:lstStyle/>
+                    <a:p>
+                      <a:pPr marL="0" marR="0" indent="0" algn="ctr" fontAlgn="base" latinLnBrk="0">
+                        <a:lnSpc>
+                          <a:spcPct val="160000"/>
+                        </a:lnSpc>
+                        <a:spcBef>
+                          <a:spcPts val="0"/>
+                        </a:spcBef>
+                        <a:spcAft>
+                          <a:spcPts val="0"/>
+                        </a:spcAft>
+                      </a:pPr>
+                      <a:r>
+                        <a:rPr lang="ko-KR" altLang="en-US" sz="1400" b="1" kern="0" spc="0">
+                          <a:solidFill>
+                            <a:srgbClr val="FFFFFF"/>
+                          </a:solidFill>
+                          <a:latin typeface="KoPub돋움체 Bold" pitchFamily="2" charset="-127"/>
+                          <a:ea typeface="KoPub돋움체 Bold" pitchFamily="2" charset="-127"/>
+                        </a:rPr>
+                        <a:t>학습률</a:t>
+                      </a:r>
+                    </a:p>
+                  </a:txBody>
+                  <a:tcPr marL="64770" marR="64770" marT="17907" marB="17907" anchor="ctr">
+                    <a:lnL>
+                      <a:noFill/>
+                    </a:lnL>
+                    <a:lnR w="10795" cap="flat" cmpd="sng" algn="ctr">
+                      <a:solidFill>
+                        <a:srgbClr val="1C3D62"/>
+                      </a:solidFill>
+                      <a:prstDash val="solid"/>
+                      <a:round/>
+                      <a:headEnd type="none" w="med" len="med"/>
+                      <a:tailEnd type="none" w="med" len="med"/>
+                    </a:lnR>
+                    <a:lnT w="32385" cap="flat" cmpd="sng" algn="ctr">
+                      <a:solidFill>
+                        <a:srgbClr val="FFFFFF"/>
+                      </a:solidFill>
+                      <a:prstDash val="solid"/>
+                      <a:round/>
+                      <a:headEnd type="none" w="med" len="med"/>
+                      <a:tailEnd type="none" w="med" len="med"/>
+                    </a:lnT>
+                    <a:lnB w="3556" cap="flat" cmpd="sng" algn="ctr">
+                      <a:solidFill>
+                        <a:srgbClr val="FFFFFF"/>
+                      </a:solidFill>
+                      <a:prstDash val="solid"/>
+                      <a:round/>
+                      <a:headEnd type="none" w="med" len="med"/>
+                      <a:tailEnd type="none" w="med" len="med"/>
+                    </a:lnB>
+                    <a:solidFill>
+                      <a:srgbClr val="262626"/>
+                    </a:solidFill>
+                  </a:tcPr>
+                </a:tc>
+                <a:tc>
+                  <a:txBody>
+                    <a:bodyPr/>
+                    <a:lstStyle/>
+                    <a:p>
+                      <a:pPr marL="0" marR="0" indent="0" algn="ctr" fontAlgn="base" latinLnBrk="0">
+                        <a:lnSpc>
+                          <a:spcPct val="160000"/>
+                        </a:lnSpc>
+                        <a:spcBef>
+                          <a:spcPts val="0"/>
+                        </a:spcBef>
+                        <a:spcAft>
+                          <a:spcPts val="0"/>
+                        </a:spcAft>
+                      </a:pPr>
+                      <a:r>
+                        <a:rPr lang="en-US" sz="1200" kern="0" spc="0" dirty="0">
+                          <a:solidFill>
+                            <a:srgbClr val="000000"/>
+                          </a:solidFill>
+                          <a:latin typeface="KoPub돋움체 Light" pitchFamily="2" charset="-127"/>
+                          <a:ea typeface="KoPub돋움체 Light" pitchFamily="2" charset="-127"/>
+                        </a:rPr>
+                        <a:t>0.1</a:t>
+                      </a:r>
+                    </a:p>
+                  </a:txBody>
+                  <a:tcPr marL="64770" marR="64770" marT="17907" marB="17907" anchor="ctr">
+                    <a:lnL w="10795" cap="flat" cmpd="sng" algn="ctr">
+                      <a:solidFill>
+                        <a:srgbClr val="1C3D62"/>
+                      </a:solidFill>
+                      <a:prstDash val="solid"/>
+                      <a:round/>
+                      <a:headEnd type="none" w="med" len="med"/>
+                      <a:tailEnd type="none" w="med" len="med"/>
+                    </a:lnL>
+                    <a:lnR>
+                      <a:noFill/>
+                    </a:lnR>
+                    <a:lnT w="10795" cap="flat" cmpd="sng" algn="ctr">
+                      <a:solidFill>
+                        <a:srgbClr val="1C3D62"/>
+                      </a:solidFill>
+                      <a:prstDash val="solid"/>
+                      <a:round/>
+                      <a:headEnd type="none" w="med" len="med"/>
+                      <a:tailEnd type="none" w="med" len="med"/>
+                    </a:lnT>
+                    <a:lnB w="10795" cap="flat" cmpd="sng" algn="ctr">
+                      <a:solidFill>
+                        <a:srgbClr val="1C3D62"/>
+                      </a:solidFill>
+                      <a:prstDash val="solid"/>
+                      <a:round/>
+                      <a:headEnd type="none" w="med" len="med"/>
+                      <a:tailEnd type="none" w="med" len="med"/>
+                    </a:lnB>
+                  </a:tcPr>
+                </a:tc>
+              </a:tr>
+              <a:tr h="369096">
+                <a:tc>
+                  <a:txBody>
+                    <a:bodyPr/>
+                    <a:lstStyle/>
+                    <a:p>
+                      <a:pPr marL="0" marR="0" indent="0" algn="ctr" fontAlgn="base" latinLnBrk="0">
+                        <a:lnSpc>
+                          <a:spcPct val="160000"/>
+                        </a:lnSpc>
+                        <a:spcBef>
+                          <a:spcPts val="0"/>
+                        </a:spcBef>
+                        <a:spcAft>
+                          <a:spcPts val="0"/>
+                        </a:spcAft>
+                      </a:pPr>
+                      <a:r>
+                        <a:rPr lang="ko-KR" altLang="en-US" sz="1400" b="1" kern="0" spc="0">
+                          <a:solidFill>
+                            <a:srgbClr val="FFFFFF"/>
+                          </a:solidFill>
+                          <a:latin typeface="KoPub돋움체 Bold" pitchFamily="2" charset="-127"/>
+                          <a:ea typeface="KoPub돋움체 Bold" pitchFamily="2" charset="-127"/>
+                        </a:rPr>
+                        <a:t>미니배치 수</a:t>
+                      </a:r>
+                    </a:p>
+                  </a:txBody>
+                  <a:tcPr marL="64770" marR="64770" marT="17907" marB="17907" anchor="ctr">
+                    <a:lnL w="3556" cap="flat" cmpd="sng" algn="ctr">
+                      <a:solidFill>
+                        <a:srgbClr val="FFFFFF"/>
+                      </a:solidFill>
+                      <a:prstDash val="solid"/>
+                      <a:round/>
+                      <a:headEnd type="none" w="med" len="med"/>
+                      <a:tailEnd type="none" w="med" len="med"/>
+                    </a:lnL>
+                    <a:lnR w="3556" cap="flat" cmpd="sng" algn="ctr">
+                      <a:solidFill>
+                        <a:srgbClr val="FFFFFF"/>
+                      </a:solidFill>
+                      <a:prstDash val="solid"/>
+                      <a:round/>
+                      <a:headEnd type="none" w="med" len="med"/>
+                      <a:tailEnd type="none" w="med" len="med"/>
+                    </a:lnR>
+                    <a:lnT w="3556" cap="flat" cmpd="sng" algn="ctr">
+                      <a:solidFill>
+                        <a:srgbClr val="FFFFFF"/>
+                      </a:solidFill>
+                      <a:prstDash val="solid"/>
+                      <a:round/>
+                      <a:headEnd type="none" w="med" len="med"/>
+                      <a:tailEnd type="none" w="med" len="med"/>
+                    </a:lnT>
+                    <a:lnB w="3556" cap="flat" cmpd="sng" algn="ctr">
+                      <a:solidFill>
+                        <a:srgbClr val="FFFFFF"/>
+                      </a:solidFill>
+                      <a:prstDash val="solid"/>
+                      <a:round/>
+                      <a:headEnd type="none" w="med" len="med"/>
+                      <a:tailEnd type="none" w="med" len="med"/>
+                    </a:lnB>
+                    <a:solidFill>
+                      <a:srgbClr val="262626"/>
+                    </a:solidFill>
+                  </a:tcPr>
+                </a:tc>
+                <a:tc>
+                  <a:txBody>
+                    <a:bodyPr/>
+                    <a:lstStyle/>
+                    <a:p>
+                      <a:pPr marL="0" marR="0" indent="0" algn="ctr" fontAlgn="base" latinLnBrk="0">
+                        <a:lnSpc>
+                          <a:spcPct val="160000"/>
+                        </a:lnSpc>
+                        <a:spcBef>
+                          <a:spcPts val="0"/>
+                        </a:spcBef>
+                        <a:spcAft>
+                          <a:spcPts val="0"/>
+                        </a:spcAft>
+                      </a:pPr>
+                      <a:r>
+                        <a:rPr lang="en-US" sz="1200" kern="0" spc="0" dirty="0">
+                          <a:solidFill>
+                            <a:srgbClr val="000000"/>
+                          </a:solidFill>
+                          <a:latin typeface="KoPub돋움체 Light" pitchFamily="2" charset="-127"/>
+                          <a:ea typeface="KoPub돋움체 Light" pitchFamily="2" charset="-127"/>
+                        </a:rPr>
+                        <a:t>10</a:t>
+                      </a:r>
+                    </a:p>
+                  </a:txBody>
+                  <a:tcPr marL="64770" marR="64770" marT="17907" marB="17907" anchor="ctr">
+                    <a:lnL w="3556" cap="flat" cmpd="sng" algn="ctr">
+                      <a:solidFill>
+                        <a:srgbClr val="FFFFFF"/>
+                      </a:solidFill>
+                      <a:prstDash val="solid"/>
+                      <a:round/>
+                      <a:headEnd type="none" w="med" len="med"/>
+                      <a:tailEnd type="none" w="med" len="med"/>
+                    </a:lnL>
+                    <a:lnR>
+                      <a:noFill/>
+                    </a:lnR>
+                    <a:lnT w="10795" cap="flat" cmpd="sng" algn="ctr">
+                      <a:solidFill>
+                        <a:srgbClr val="1C3D62"/>
+                      </a:solidFill>
+                      <a:prstDash val="solid"/>
+                      <a:round/>
+                      <a:headEnd type="none" w="med" len="med"/>
+                      <a:tailEnd type="none" w="med" len="med"/>
+                    </a:lnT>
+                    <a:lnB w="10795" cap="flat" cmpd="sng" algn="ctr">
+                      <a:solidFill>
+                        <a:srgbClr val="1C3D62"/>
+                      </a:solidFill>
+                      <a:prstDash val="solid"/>
+                      <a:round/>
+                      <a:headEnd type="none" w="med" len="med"/>
+                      <a:tailEnd type="none" w="med" len="med"/>
+                    </a:lnB>
+                  </a:tcPr>
+                </a:tc>
+              </a:tr>
+              <a:tr h="369096">
+                <a:tc>
+                  <a:txBody>
+                    <a:bodyPr/>
+                    <a:lstStyle/>
+                    <a:p>
+                      <a:pPr marL="0" marR="0" indent="0" algn="ctr" fontAlgn="base" latinLnBrk="0">
+                        <a:lnSpc>
+                          <a:spcPct val="160000"/>
+                        </a:lnSpc>
+                        <a:spcBef>
+                          <a:spcPts val="0"/>
+                        </a:spcBef>
+                        <a:spcAft>
+                          <a:spcPts val="0"/>
+                        </a:spcAft>
+                      </a:pPr>
+                      <a:r>
+                        <a:rPr lang="ko-KR" altLang="en-US" sz="1400" b="1" kern="0" spc="0">
+                          <a:solidFill>
+                            <a:srgbClr val="FFFFFF"/>
+                          </a:solidFill>
+                          <a:latin typeface="KoPub돋움체 Bold" pitchFamily="2" charset="-127"/>
+                          <a:ea typeface="KoPub돋움체 Bold" pitchFamily="2" charset="-127"/>
+                        </a:rPr>
+                        <a:t>학습 시간</a:t>
+                      </a:r>
+                    </a:p>
+                  </a:txBody>
+                  <a:tcPr marL="64770" marR="64770" marT="17907" marB="17907" anchor="ctr">
+                    <a:lnL>
+                      <a:noFill/>
+                    </a:lnL>
+                    <a:lnR w="10795" cap="flat" cmpd="sng" algn="ctr">
+                      <a:solidFill>
+                        <a:srgbClr val="1C3D62"/>
+                      </a:solidFill>
+                      <a:prstDash val="solid"/>
+                      <a:round/>
+                      <a:headEnd type="none" w="med" len="med"/>
+                      <a:tailEnd type="none" w="med" len="med"/>
+                    </a:lnR>
+                    <a:lnT w="3556" cap="flat" cmpd="sng" algn="ctr">
+                      <a:solidFill>
+                        <a:srgbClr val="FFFFFF"/>
+                      </a:solidFill>
+                      <a:prstDash val="solid"/>
+                      <a:round/>
+                      <a:headEnd type="none" w="med" len="med"/>
+                      <a:tailEnd type="none" w="med" len="med"/>
+                    </a:lnT>
+                    <a:lnB w="32385" cap="flat" cmpd="sng" algn="ctr">
+                      <a:solidFill>
+                        <a:srgbClr val="FFFFFF"/>
+                      </a:solidFill>
+                      <a:prstDash val="solid"/>
+                      <a:round/>
+                      <a:headEnd type="none" w="med" len="med"/>
+                      <a:tailEnd type="none" w="med" len="med"/>
+                    </a:lnB>
+                    <a:solidFill>
+                      <a:srgbClr val="262626"/>
+                    </a:solidFill>
+                  </a:tcPr>
+                </a:tc>
+                <a:tc>
+                  <a:txBody>
+                    <a:bodyPr/>
+                    <a:lstStyle/>
+                    <a:p>
+                      <a:pPr marL="0" marR="0" indent="0" algn="ctr" fontAlgn="base" latinLnBrk="0">
+                        <a:lnSpc>
+                          <a:spcPct val="160000"/>
+                        </a:lnSpc>
+                        <a:spcBef>
+                          <a:spcPts val="0"/>
+                        </a:spcBef>
+                        <a:spcAft>
+                          <a:spcPts val="0"/>
+                        </a:spcAft>
+                      </a:pPr>
+                      <a:r>
+                        <a:rPr lang="ko-KR" altLang="en-US" sz="1200" b="1" kern="0" spc="0" dirty="0">
+                          <a:solidFill>
+                            <a:srgbClr val="000000"/>
+                          </a:solidFill>
+                          <a:latin typeface="KoPub돋움체 Light" pitchFamily="2" charset="-127"/>
+                          <a:ea typeface="KoPub돋움체 Light" pitchFamily="2" charset="-127"/>
+                        </a:rPr>
+                        <a:t>약 </a:t>
+                      </a:r>
+                      <a:r>
+                        <a:rPr lang="en-US" altLang="ko-KR" sz="1200" b="1" kern="0" spc="0" dirty="0">
+                          <a:solidFill>
+                            <a:srgbClr val="000000"/>
+                          </a:solidFill>
+                          <a:latin typeface="KoPub돋움체 Light" pitchFamily="2" charset="-127"/>
+                          <a:ea typeface="KoPub돋움체 Light" pitchFamily="2" charset="-127"/>
+                        </a:rPr>
+                        <a:t>6</a:t>
+                      </a:r>
+                      <a:r>
+                        <a:rPr lang="ko-KR" altLang="en-US" sz="1200" b="1" kern="0" spc="0" dirty="0">
+                          <a:solidFill>
+                            <a:srgbClr val="000000"/>
+                          </a:solidFill>
+                          <a:latin typeface="KoPub돋움체 Light" pitchFamily="2" charset="-127"/>
+                          <a:ea typeface="KoPub돋움체 Light" pitchFamily="2" charset="-127"/>
+                        </a:rPr>
+                        <a:t>분</a:t>
+                      </a:r>
+                    </a:p>
+                  </a:txBody>
+                  <a:tcPr marL="64770" marR="64770" marT="17907" marB="17907" anchor="ctr">
+                    <a:lnL w="10795" cap="flat" cmpd="sng" algn="ctr">
+                      <a:solidFill>
+                        <a:srgbClr val="1C3D62"/>
+                      </a:solidFill>
+                      <a:prstDash val="solid"/>
+                      <a:round/>
+                      <a:headEnd type="none" w="med" len="med"/>
+                      <a:tailEnd type="none" w="med" len="med"/>
+                    </a:lnL>
+                    <a:lnR>
+                      <a:noFill/>
+                    </a:lnR>
+                    <a:lnT w="10795" cap="flat" cmpd="sng" algn="ctr">
+                      <a:solidFill>
+                        <a:srgbClr val="1C3D62"/>
+                      </a:solidFill>
+                      <a:prstDash val="solid"/>
+                      <a:round/>
+                      <a:headEnd type="none" w="med" len="med"/>
+                      <a:tailEnd type="none" w="med" len="med"/>
+                    </a:lnT>
+                    <a:lnB w="10795" cap="flat" cmpd="sng" algn="ctr">
+                      <a:solidFill>
+                        <a:srgbClr val="1C3D62"/>
+                      </a:solidFill>
+                      <a:prstDash val="solid"/>
+                      <a:round/>
+                      <a:headEnd type="none" w="med" len="med"/>
+                      <a:tailEnd type="none" w="med" len="med"/>
+                    </a:lnB>
+                  </a:tcPr>
+                </a:tc>
+              </a:tr>
+              <a:tr h="369096">
+                <a:tc>
+                  <a:txBody>
+                    <a:bodyPr/>
+                    <a:lstStyle/>
+                    <a:p>
+                      <a:pPr marL="0" marR="0" indent="0" algn="ctr" fontAlgn="base" latinLnBrk="0">
+                        <a:lnSpc>
+                          <a:spcPct val="160000"/>
+                        </a:lnSpc>
+                        <a:spcBef>
+                          <a:spcPts val="0"/>
+                        </a:spcBef>
+                        <a:spcAft>
+                          <a:spcPts val="0"/>
+                        </a:spcAft>
+                      </a:pPr>
+                      <a:r>
+                        <a:rPr lang="ko-KR" altLang="en-US" sz="1400" b="1" kern="0" spc="0" dirty="0">
+                          <a:solidFill>
+                            <a:srgbClr val="FFFFFF"/>
+                          </a:solidFill>
+                          <a:latin typeface="KoPub돋움체 Bold" pitchFamily="2" charset="-127"/>
+                          <a:ea typeface="KoPub돋움체 Bold" pitchFamily="2" charset="-127"/>
+                        </a:rPr>
+                        <a:t>정확도</a:t>
+                      </a:r>
+                    </a:p>
+                  </a:txBody>
+                  <a:tcPr marL="64770" marR="64770" marT="17907" marB="17907" anchor="ctr">
+                    <a:lnL>
+                      <a:noFill/>
+                    </a:lnL>
+                    <a:lnR w="10795" cap="flat" cmpd="sng" algn="ctr">
+                      <a:solidFill>
+                        <a:srgbClr val="1C3D62"/>
+                      </a:solidFill>
+                      <a:prstDash val="solid"/>
+                      <a:round/>
+                      <a:headEnd type="none" w="med" len="med"/>
+                      <a:tailEnd type="none" w="med" len="med"/>
+                    </a:lnR>
+                    <a:lnT w="32385" cap="flat" cmpd="sng" algn="ctr">
+                      <a:solidFill>
+                        <a:srgbClr val="FFFFFF"/>
+                      </a:solidFill>
+                      <a:prstDash val="solid"/>
+                      <a:round/>
+                      <a:headEnd type="none" w="med" len="med"/>
+                      <a:tailEnd type="none" w="med" len="med"/>
+                    </a:lnT>
+                    <a:lnB>
+                      <a:noFill/>
+                    </a:lnB>
+                    <a:solidFill>
+                      <a:srgbClr val="262626"/>
+                    </a:solidFill>
+                  </a:tcPr>
+                </a:tc>
+                <a:tc>
+                  <a:txBody>
+                    <a:bodyPr/>
+                    <a:lstStyle/>
+                    <a:p>
+                      <a:pPr marL="0" marR="0" indent="0" algn="ctr" fontAlgn="base" latinLnBrk="0">
+                        <a:lnSpc>
+                          <a:spcPct val="160000"/>
+                        </a:lnSpc>
+                        <a:spcBef>
+                          <a:spcPts val="0"/>
+                        </a:spcBef>
+                        <a:spcAft>
+                          <a:spcPts val="0"/>
+                        </a:spcAft>
+                      </a:pPr>
+                      <a:r>
+                        <a:rPr lang="en-US" sz="1200" b="0" kern="0" spc="0" dirty="0">
+                          <a:solidFill>
+                            <a:srgbClr val="000000"/>
+                          </a:solidFill>
+                          <a:latin typeface="KoPub돋움체 Light" pitchFamily="2" charset="-127"/>
+                          <a:ea typeface="KoPub돋움체 Light" pitchFamily="2" charset="-127"/>
+                        </a:rPr>
+                        <a:t>68.69%</a:t>
+                      </a:r>
+                    </a:p>
+                  </a:txBody>
+                  <a:tcPr marL="64770" marR="64770" marT="17907" marB="17907" anchor="ctr">
+                    <a:lnL w="10795" cap="flat" cmpd="sng" algn="ctr">
+                      <a:solidFill>
+                        <a:srgbClr val="1C3D62"/>
+                      </a:solidFill>
+                      <a:prstDash val="solid"/>
+                      <a:round/>
+                      <a:headEnd type="none" w="med" len="med"/>
+                      <a:tailEnd type="none" w="med" len="med"/>
+                    </a:lnL>
+                    <a:lnR>
+                      <a:noFill/>
+                    </a:lnR>
+                    <a:lnT w="10795" cap="flat" cmpd="sng" algn="ctr">
+                      <a:solidFill>
+                        <a:srgbClr val="1C3D62"/>
+                      </a:solidFill>
+                      <a:prstDash val="solid"/>
+                      <a:round/>
+                      <a:headEnd type="none" w="med" len="med"/>
+                      <a:tailEnd type="none" w="med" len="med"/>
+                    </a:lnT>
+                    <a:lnB>
+                      <a:noFill/>
+                    </a:lnB>
+                  </a:tcPr>
+                </a:tc>
+              </a:tr>
+            </a:tbl>
+          </a:graphicData>
+        </a:graphic>
+      </p:graphicFrame>
+      <p:graphicFrame>
+        <p:nvGraphicFramePr>
+          <p:cNvPr id="85" name="표 84"/>
+          <p:cNvGraphicFramePr>
+            <a:graphicFrameLocks noGrp="1"/>
+          </p:cNvGraphicFramePr>
+          <p:nvPr/>
+        </p:nvGraphicFramePr>
+        <p:xfrm>
+          <a:off x="13248482" y="25042857"/>
+          <a:ext cx="7215238" cy="1449263"/>
+        </p:xfrm>
+        <a:graphic>
+          <a:graphicData uri="http://schemas.openxmlformats.org/drawingml/2006/table">
+            <a:tbl>
+              <a:tblPr/>
+              <a:tblGrid>
+                <a:gridCol w="3607619"/>
+                <a:gridCol w="3607619"/>
+              </a:tblGrid>
+              <a:tr h="285652">
+                <a:tc>
+                  <a:txBody>
+                    <a:bodyPr/>
+                    <a:lstStyle/>
+                    <a:p>
+                      <a:pPr marL="0" marR="0" indent="0" algn="ctr" fontAlgn="base" latinLnBrk="0">
+                        <a:lnSpc>
+                          <a:spcPct val="160000"/>
+                        </a:lnSpc>
+                        <a:spcBef>
+                          <a:spcPts val="0"/>
+                        </a:spcBef>
+                        <a:spcAft>
+                          <a:spcPts val="0"/>
+                        </a:spcAft>
+                      </a:pPr>
+                      <a:r>
+                        <a:rPr lang="ko-KR" altLang="en-US" sz="1200" b="1" kern="0" spc="0" dirty="0">
+                          <a:solidFill>
+                            <a:srgbClr val="FFFFFF"/>
+                          </a:solidFill>
+                          <a:latin typeface="나눔명조"/>
+                          <a:ea typeface="나눔명조"/>
+                        </a:rPr>
+                        <a:t>학습 데이터 양</a:t>
+                      </a:r>
+                      <a:endParaRPr lang="ko-KR" altLang="en-US" sz="1200" b="1" kern="0" spc="0" dirty="0">
+                        <a:solidFill>
+                          <a:srgbClr val="FFFFFF"/>
+                        </a:solidFill>
+                        <a:latin typeface="함초롬바탕"/>
+                      </a:endParaRPr>
+                    </a:p>
+                  </a:txBody>
+                  <a:tcPr marL="64770" marR="64770" marT="17907" marB="17907" anchor="ctr">
+                    <a:lnL>
+                      <a:noFill/>
+                    </a:lnL>
+                    <a:lnR w="10795" cap="flat" cmpd="sng" algn="ctr">
+                      <a:solidFill>
+                        <a:srgbClr val="1C3D62"/>
+                      </a:solidFill>
+                      <a:prstDash val="solid"/>
+                      <a:round/>
+                      <a:headEnd type="none" w="med" len="med"/>
+                      <a:tailEnd type="none" w="med" len="med"/>
+                    </a:lnR>
+                    <a:lnT>
+                      <a:noFill/>
+                    </a:lnT>
+                    <a:lnB w="32385" cap="flat" cmpd="sng" algn="ctr">
+                      <a:solidFill>
+                        <a:srgbClr val="FFFFFF"/>
+                      </a:solidFill>
+                      <a:prstDash val="solid"/>
+                      <a:round/>
+                      <a:headEnd type="none" w="med" len="med"/>
+                      <a:tailEnd type="none" w="med" len="med"/>
+                    </a:lnB>
+                    <a:solidFill>
+                      <a:srgbClr val="262626"/>
+                    </a:solidFill>
+                  </a:tcPr>
+                </a:tc>
+                <a:tc>
+                  <a:txBody>
+                    <a:bodyPr/>
+                    <a:lstStyle/>
+                    <a:p>
+                      <a:pPr marL="0" marR="0" indent="0" algn="ctr" fontAlgn="base" latinLnBrk="0">
+                        <a:lnSpc>
+                          <a:spcPct val="160000"/>
+                        </a:lnSpc>
+                        <a:spcBef>
+                          <a:spcPts val="0"/>
+                        </a:spcBef>
+                        <a:spcAft>
+                          <a:spcPts val="0"/>
+                        </a:spcAft>
+                      </a:pPr>
+                      <a:r>
+                        <a:rPr lang="en-US" sz="1100" kern="0" spc="0" dirty="0">
+                          <a:solidFill>
+                            <a:srgbClr val="000000"/>
+                          </a:solidFill>
+                          <a:latin typeface="나눔명조"/>
+                          <a:ea typeface="나눔명조"/>
+                        </a:rPr>
+                        <a:t>60,000</a:t>
+                      </a:r>
+                      <a:endParaRPr lang="en-US" sz="1100" kern="0" spc="0" dirty="0">
+                        <a:solidFill>
+                          <a:srgbClr val="000000"/>
+                        </a:solidFill>
+                        <a:latin typeface="나눔명조"/>
+                      </a:endParaRPr>
+                    </a:p>
+                  </a:txBody>
+                  <a:tcPr marL="64770" marR="64770" marT="17907" marB="17907" anchor="ctr">
+                    <a:lnL w="10795" cap="flat" cmpd="sng" algn="ctr">
+                      <a:solidFill>
+                        <a:srgbClr val="1C3D62"/>
+                      </a:solidFill>
+                      <a:prstDash val="solid"/>
+                      <a:round/>
+                      <a:headEnd type="none" w="med" len="med"/>
+                      <a:tailEnd type="none" w="med" len="med"/>
+                    </a:lnL>
+                    <a:lnR>
+                      <a:noFill/>
+                    </a:lnR>
+                    <a:lnT>
+                      <a:noFill/>
+                    </a:lnT>
+                    <a:lnB w="10795" cap="flat" cmpd="sng" algn="ctr">
+                      <a:solidFill>
+                        <a:srgbClr val="1C3D62"/>
+                      </a:solidFill>
+                      <a:prstDash val="solid"/>
+                      <a:round/>
+                      <a:headEnd type="none" w="med" len="med"/>
+                      <a:tailEnd type="none" w="med" len="med"/>
+                    </a:lnB>
+                  </a:tcPr>
+                </a:tc>
+              </a:tr>
+              <a:tr h="286153">
+                <a:tc>
+                  <a:txBody>
+                    <a:bodyPr/>
+                    <a:lstStyle/>
+                    <a:p>
+                      <a:pPr marL="0" marR="0" indent="0" algn="ctr" fontAlgn="base" latinLnBrk="0">
+                        <a:lnSpc>
+                          <a:spcPct val="160000"/>
+                        </a:lnSpc>
+                        <a:spcBef>
+                          <a:spcPts val="0"/>
+                        </a:spcBef>
+                        <a:spcAft>
+                          <a:spcPts val="0"/>
+                        </a:spcAft>
+                      </a:pPr>
+                      <a:r>
+                        <a:rPr lang="ko-KR" altLang="en-US" sz="1200" b="1" kern="0" spc="0">
+                          <a:solidFill>
+                            <a:srgbClr val="FFFFFF"/>
+                          </a:solidFill>
+                          <a:latin typeface="나눔명조"/>
+                          <a:ea typeface="나눔명조"/>
+                        </a:rPr>
+                        <a:t>주기</a:t>
+                      </a:r>
+                      <a:r>
+                        <a:rPr lang="en-US" altLang="ko-KR" sz="1200" b="1" kern="0" spc="0">
+                          <a:solidFill>
+                            <a:srgbClr val="FFFFFF"/>
+                          </a:solidFill>
+                          <a:latin typeface="나눔명조"/>
+                          <a:ea typeface="나눔명조"/>
+                        </a:rPr>
+                        <a:t>(</a:t>
+                      </a:r>
+                      <a:r>
+                        <a:rPr lang="en-US" sz="1200" b="1" kern="0" spc="0">
+                          <a:solidFill>
+                            <a:srgbClr val="FFFFFF"/>
+                          </a:solidFill>
+                          <a:latin typeface="나눔명조"/>
+                          <a:ea typeface="나눔명조"/>
+                        </a:rPr>
+                        <a:t>epoch)</a:t>
+                      </a:r>
+                      <a:endParaRPr lang="en-US" sz="1200" b="1" kern="0" spc="0">
+                        <a:solidFill>
+                          <a:srgbClr val="FFFFFF"/>
+                        </a:solidFill>
+                        <a:latin typeface="나눔명조"/>
+                      </a:endParaRPr>
+                    </a:p>
+                  </a:txBody>
+                  <a:tcPr marL="64770" marR="64770" marT="17907" marB="17907" anchor="ctr">
+                    <a:lnL>
+                      <a:noFill/>
+                    </a:lnL>
+                    <a:lnR w="10795" cap="flat" cmpd="sng" algn="ctr">
+                      <a:solidFill>
+                        <a:srgbClr val="1C3D62"/>
+                      </a:solidFill>
+                      <a:prstDash val="solid"/>
+                      <a:round/>
+                      <a:headEnd type="none" w="med" len="med"/>
+                      <a:tailEnd type="none" w="med" len="med"/>
+                    </a:lnR>
+                    <a:lnT w="32385" cap="flat" cmpd="sng" algn="ctr">
+                      <a:solidFill>
+                        <a:srgbClr val="FFFFFF"/>
+                      </a:solidFill>
+                      <a:prstDash val="solid"/>
+                      <a:round/>
+                      <a:headEnd type="none" w="med" len="med"/>
+                      <a:tailEnd type="none" w="med" len="med"/>
+                    </a:lnT>
+                    <a:lnB w="32385" cap="flat" cmpd="sng" algn="ctr">
+                      <a:solidFill>
+                        <a:srgbClr val="FFFFFF"/>
+                      </a:solidFill>
+                      <a:prstDash val="solid"/>
+                      <a:round/>
+                      <a:headEnd type="none" w="med" len="med"/>
+                      <a:tailEnd type="none" w="med" len="med"/>
+                    </a:lnB>
+                    <a:solidFill>
+                      <a:srgbClr val="262626"/>
+                    </a:solidFill>
+                  </a:tcPr>
+                </a:tc>
+                <a:tc>
+                  <a:txBody>
+                    <a:bodyPr/>
+                    <a:lstStyle/>
+                    <a:p>
+                      <a:pPr marL="0" marR="0" indent="0" algn="ctr" fontAlgn="base" latinLnBrk="0">
+                        <a:lnSpc>
+                          <a:spcPct val="160000"/>
+                        </a:lnSpc>
+                        <a:spcBef>
+                          <a:spcPts val="0"/>
+                        </a:spcBef>
+                        <a:spcAft>
+                          <a:spcPts val="0"/>
+                        </a:spcAft>
+                      </a:pPr>
+                      <a:r>
+                        <a:rPr lang="en-US" altLang="ko-KR" sz="1100" kern="0" spc="0" dirty="0">
+                          <a:solidFill>
+                            <a:srgbClr val="000000"/>
+                          </a:solidFill>
+                          <a:latin typeface="나눔명조"/>
+                          <a:ea typeface="나눔명조"/>
+                        </a:rPr>
+                        <a:t>5</a:t>
+                      </a:r>
+                      <a:r>
+                        <a:rPr lang="ko-KR" altLang="en-US" sz="1100" kern="0" spc="0" dirty="0">
+                          <a:solidFill>
+                            <a:srgbClr val="000000"/>
+                          </a:solidFill>
+                          <a:latin typeface="나눔명조"/>
+                          <a:ea typeface="나눔명조"/>
+                        </a:rPr>
+                        <a:t>회</a:t>
+                      </a:r>
+                      <a:endParaRPr lang="ko-KR" altLang="en-US" sz="1100" kern="0" spc="0" dirty="0">
+                        <a:solidFill>
+                          <a:srgbClr val="000000"/>
+                        </a:solidFill>
+                        <a:latin typeface="함초롬바탕"/>
+                      </a:endParaRPr>
+                    </a:p>
+                  </a:txBody>
+                  <a:tcPr marL="64770" marR="64770" marT="17907" marB="17907" anchor="ctr">
+                    <a:lnL w="10795" cap="flat" cmpd="sng" algn="ctr">
+                      <a:solidFill>
+                        <a:srgbClr val="1C3D62"/>
+                      </a:solidFill>
+                      <a:prstDash val="solid"/>
+                      <a:round/>
+                      <a:headEnd type="none" w="med" len="med"/>
+                      <a:tailEnd type="none" w="med" len="med"/>
+                    </a:lnL>
+                    <a:lnR>
+                      <a:noFill/>
+                    </a:lnR>
+                    <a:lnT w="10795" cap="flat" cmpd="sng" algn="ctr">
+                      <a:solidFill>
+                        <a:srgbClr val="1C3D62"/>
+                      </a:solidFill>
+                      <a:prstDash val="solid"/>
+                      <a:round/>
+                      <a:headEnd type="none" w="med" len="med"/>
+                      <a:tailEnd type="none" w="med" len="med"/>
+                    </a:lnT>
+                    <a:lnB w="10795" cap="flat" cmpd="sng" algn="ctr">
+                      <a:solidFill>
+                        <a:srgbClr val="1C3D62"/>
+                      </a:solidFill>
+                      <a:prstDash val="solid"/>
+                      <a:round/>
+                      <a:headEnd type="none" w="med" len="med"/>
+                      <a:tailEnd type="none" w="med" len="med"/>
+                    </a:lnB>
+                  </a:tcPr>
+                </a:tc>
+              </a:tr>
+              <a:tr h="285652">
+                <a:tc>
+                  <a:txBody>
+                    <a:bodyPr/>
+                    <a:lstStyle/>
+                    <a:p>
+                      <a:pPr marL="0" marR="0" indent="0" algn="ctr" fontAlgn="base" latinLnBrk="0">
+                        <a:lnSpc>
+                          <a:spcPct val="160000"/>
+                        </a:lnSpc>
+                        <a:spcBef>
+                          <a:spcPts val="0"/>
+                        </a:spcBef>
+                        <a:spcAft>
+                          <a:spcPts val="0"/>
+                        </a:spcAft>
+                      </a:pPr>
+                      <a:r>
+                        <a:rPr lang="ko-KR" altLang="en-US" sz="1200" b="1" kern="0" spc="0">
+                          <a:solidFill>
+                            <a:srgbClr val="FFFFFF"/>
+                          </a:solidFill>
+                          <a:latin typeface="나눔명조"/>
+                          <a:ea typeface="나눔명조"/>
+                        </a:rPr>
+                        <a:t>학습률</a:t>
+                      </a:r>
+                      <a:endParaRPr lang="ko-KR" altLang="en-US" sz="1200" b="1" kern="0" spc="0">
+                        <a:solidFill>
+                          <a:srgbClr val="FFFFFF"/>
+                        </a:solidFill>
+                        <a:latin typeface="함초롬바탕"/>
+                      </a:endParaRPr>
+                    </a:p>
+                  </a:txBody>
+                  <a:tcPr marL="64770" marR="64770" marT="17907" marB="17907" anchor="ctr">
+                    <a:lnL>
+                      <a:noFill/>
+                    </a:lnL>
+                    <a:lnR w="10795" cap="flat" cmpd="sng" algn="ctr">
+                      <a:solidFill>
+                        <a:srgbClr val="1C3D62"/>
+                      </a:solidFill>
+                      <a:prstDash val="solid"/>
+                      <a:round/>
+                      <a:headEnd type="none" w="med" len="med"/>
+                      <a:tailEnd type="none" w="med" len="med"/>
+                    </a:lnR>
+                    <a:lnT w="32385" cap="flat" cmpd="sng" algn="ctr">
+                      <a:solidFill>
+                        <a:srgbClr val="FFFFFF"/>
+                      </a:solidFill>
+                      <a:prstDash val="solid"/>
+                      <a:round/>
+                      <a:headEnd type="none" w="med" len="med"/>
+                      <a:tailEnd type="none" w="med" len="med"/>
+                    </a:lnT>
+                    <a:lnB w="32385" cap="flat" cmpd="sng" algn="ctr">
+                      <a:solidFill>
+                        <a:srgbClr val="FFFFFF"/>
+                      </a:solidFill>
+                      <a:prstDash val="solid"/>
+                      <a:round/>
+                      <a:headEnd type="none" w="med" len="med"/>
+                      <a:tailEnd type="none" w="med" len="med"/>
+                    </a:lnB>
+                    <a:solidFill>
+                      <a:srgbClr val="262626"/>
+                    </a:solidFill>
+                  </a:tcPr>
+                </a:tc>
+                <a:tc>
+                  <a:txBody>
+                    <a:bodyPr/>
+                    <a:lstStyle/>
+                    <a:p>
+                      <a:pPr marL="0" marR="0" indent="0" algn="ctr" fontAlgn="base" latinLnBrk="0">
+                        <a:lnSpc>
+                          <a:spcPct val="160000"/>
+                        </a:lnSpc>
+                        <a:spcBef>
+                          <a:spcPts val="0"/>
+                        </a:spcBef>
+                        <a:spcAft>
+                          <a:spcPts val="0"/>
+                        </a:spcAft>
+                      </a:pPr>
+                      <a:r>
+                        <a:rPr lang="en-US" sz="1100" kern="0" spc="0">
+                          <a:solidFill>
+                            <a:srgbClr val="000000"/>
+                          </a:solidFill>
+                          <a:latin typeface="나눔명조"/>
+                          <a:ea typeface="나눔명조"/>
+                        </a:rPr>
+                        <a:t>0.1</a:t>
+                      </a:r>
+                      <a:endParaRPr lang="en-US" sz="1100" kern="0" spc="0">
+                        <a:solidFill>
+                          <a:srgbClr val="000000"/>
+                        </a:solidFill>
+                        <a:latin typeface="나눔명조"/>
+                      </a:endParaRPr>
+                    </a:p>
+                  </a:txBody>
+                  <a:tcPr marL="64770" marR="64770" marT="17907" marB="17907" anchor="ctr">
+                    <a:lnL w="10795" cap="flat" cmpd="sng" algn="ctr">
+                      <a:solidFill>
+                        <a:srgbClr val="1C3D62"/>
+                      </a:solidFill>
+                      <a:prstDash val="solid"/>
+                      <a:round/>
+                      <a:headEnd type="none" w="med" len="med"/>
+                      <a:tailEnd type="none" w="med" len="med"/>
+                    </a:lnL>
+                    <a:lnR>
+                      <a:noFill/>
+                    </a:lnR>
+                    <a:lnT w="10795" cap="flat" cmpd="sng" algn="ctr">
+                      <a:solidFill>
+                        <a:srgbClr val="1C3D62"/>
+                      </a:solidFill>
+                      <a:prstDash val="solid"/>
+                      <a:round/>
+                      <a:headEnd type="none" w="med" len="med"/>
+                      <a:tailEnd type="none" w="med" len="med"/>
+                    </a:lnT>
+                    <a:lnB w="10795" cap="flat" cmpd="sng" algn="ctr">
+                      <a:solidFill>
+                        <a:srgbClr val="1C3D62"/>
+                      </a:solidFill>
+                      <a:prstDash val="solid"/>
+                      <a:round/>
+                      <a:headEnd type="none" w="med" len="med"/>
+                      <a:tailEnd type="none" w="med" len="med"/>
+                    </a:lnB>
+                  </a:tcPr>
+                </a:tc>
+              </a:tr>
+              <a:tr h="285652">
+                <a:tc>
+                  <a:txBody>
+                    <a:bodyPr/>
+                    <a:lstStyle/>
+                    <a:p>
+                      <a:pPr marL="0" marR="0" indent="0" algn="ctr" fontAlgn="base" latinLnBrk="0">
+                        <a:lnSpc>
+                          <a:spcPct val="160000"/>
+                        </a:lnSpc>
+                        <a:spcBef>
+                          <a:spcPts val="0"/>
+                        </a:spcBef>
+                        <a:spcAft>
+                          <a:spcPts val="0"/>
+                        </a:spcAft>
+                      </a:pPr>
+                      <a:r>
+                        <a:rPr lang="ko-KR" altLang="en-US" sz="1200" b="1" kern="0" spc="0">
+                          <a:solidFill>
+                            <a:srgbClr val="FFFFFF"/>
+                          </a:solidFill>
+                          <a:latin typeface="나눔명조"/>
+                          <a:ea typeface="나눔명조"/>
+                        </a:rPr>
+                        <a:t>학습 시간</a:t>
+                      </a:r>
+                      <a:endParaRPr lang="ko-KR" altLang="en-US" sz="1200" b="1" kern="0" spc="0">
+                        <a:solidFill>
+                          <a:srgbClr val="FFFFFF"/>
+                        </a:solidFill>
+                        <a:latin typeface="함초롬바탕"/>
+                      </a:endParaRPr>
+                    </a:p>
+                  </a:txBody>
+                  <a:tcPr marL="64770" marR="64770" marT="17907" marB="17907" anchor="ctr">
+                    <a:lnL>
+                      <a:noFill/>
+                    </a:lnL>
+                    <a:lnR w="10795" cap="flat" cmpd="sng" algn="ctr">
+                      <a:solidFill>
+                        <a:srgbClr val="1C3D62"/>
+                      </a:solidFill>
+                      <a:prstDash val="solid"/>
+                      <a:round/>
+                      <a:headEnd type="none" w="med" len="med"/>
+                      <a:tailEnd type="none" w="med" len="med"/>
+                    </a:lnR>
+                    <a:lnT w="32385" cap="flat" cmpd="sng" algn="ctr">
+                      <a:solidFill>
+                        <a:srgbClr val="FFFFFF"/>
+                      </a:solidFill>
+                      <a:prstDash val="solid"/>
+                      <a:round/>
+                      <a:headEnd type="none" w="med" len="med"/>
+                      <a:tailEnd type="none" w="med" len="med"/>
+                    </a:lnT>
+                    <a:lnB w="32385" cap="flat" cmpd="sng" algn="ctr">
+                      <a:solidFill>
+                        <a:srgbClr val="FFFFFF"/>
+                      </a:solidFill>
+                      <a:prstDash val="solid"/>
+                      <a:round/>
+                      <a:headEnd type="none" w="med" len="med"/>
+                      <a:tailEnd type="none" w="med" len="med"/>
+                    </a:lnB>
+                    <a:solidFill>
+                      <a:srgbClr val="262626"/>
+                    </a:solidFill>
+                  </a:tcPr>
+                </a:tc>
+                <a:tc>
+                  <a:txBody>
+                    <a:bodyPr/>
+                    <a:lstStyle/>
+                    <a:p>
+                      <a:pPr marL="0" marR="0" indent="0" algn="ctr" fontAlgn="base" latinLnBrk="0">
+                        <a:lnSpc>
+                          <a:spcPct val="160000"/>
+                        </a:lnSpc>
+                        <a:spcBef>
+                          <a:spcPts val="0"/>
+                        </a:spcBef>
+                        <a:spcAft>
+                          <a:spcPts val="0"/>
+                        </a:spcAft>
+                      </a:pPr>
+                      <a:r>
+                        <a:rPr lang="ko-KR" altLang="en-US" sz="1100" kern="0" spc="0" dirty="0">
+                          <a:solidFill>
+                            <a:srgbClr val="000000"/>
+                          </a:solidFill>
+                          <a:latin typeface="나눔명조"/>
+                          <a:ea typeface="나눔명조"/>
+                        </a:rPr>
+                        <a:t>약 </a:t>
+                      </a:r>
+                      <a:r>
+                        <a:rPr lang="en-US" altLang="ko-KR" sz="1100" kern="0" spc="0" dirty="0">
+                          <a:solidFill>
+                            <a:srgbClr val="000000"/>
+                          </a:solidFill>
+                          <a:latin typeface="나눔명조"/>
+                          <a:ea typeface="나눔명조"/>
+                        </a:rPr>
+                        <a:t>23</a:t>
+                      </a:r>
+                      <a:r>
+                        <a:rPr lang="ko-KR" altLang="en-US" sz="1100" kern="0" spc="0" dirty="0">
+                          <a:solidFill>
+                            <a:srgbClr val="000000"/>
+                          </a:solidFill>
+                          <a:latin typeface="나눔명조"/>
+                          <a:ea typeface="나눔명조"/>
+                        </a:rPr>
+                        <a:t>분</a:t>
+                      </a:r>
+                      <a:endParaRPr lang="ko-KR" altLang="en-US" sz="1100" kern="0" spc="0" dirty="0">
+                        <a:solidFill>
+                          <a:srgbClr val="000000"/>
+                        </a:solidFill>
+                        <a:latin typeface="함초롬바탕"/>
+                      </a:endParaRPr>
+                    </a:p>
+                  </a:txBody>
+                  <a:tcPr marL="64770" marR="64770" marT="17907" marB="17907" anchor="ctr">
+                    <a:lnL w="10795" cap="flat" cmpd="sng" algn="ctr">
+                      <a:solidFill>
+                        <a:srgbClr val="1C3D62"/>
+                      </a:solidFill>
+                      <a:prstDash val="solid"/>
+                      <a:round/>
+                      <a:headEnd type="none" w="med" len="med"/>
+                      <a:tailEnd type="none" w="med" len="med"/>
+                    </a:lnL>
+                    <a:lnR>
+                      <a:noFill/>
+                    </a:lnR>
+                    <a:lnT w="10795" cap="flat" cmpd="sng" algn="ctr">
+                      <a:solidFill>
+                        <a:srgbClr val="1C3D62"/>
+                      </a:solidFill>
+                      <a:prstDash val="solid"/>
+                      <a:round/>
+                      <a:headEnd type="none" w="med" len="med"/>
+                      <a:tailEnd type="none" w="med" len="med"/>
+                    </a:lnT>
+                    <a:lnB w="10795" cap="flat" cmpd="sng" algn="ctr">
+                      <a:solidFill>
+                        <a:srgbClr val="1C3D62"/>
+                      </a:solidFill>
+                      <a:prstDash val="solid"/>
+                      <a:round/>
+                      <a:headEnd type="none" w="med" len="med"/>
+                      <a:tailEnd type="none" w="med" len="med"/>
+                    </a:lnB>
+                  </a:tcPr>
+                </a:tc>
+              </a:tr>
+              <a:tr h="285652">
+                <a:tc>
+                  <a:txBody>
+                    <a:bodyPr/>
+                    <a:lstStyle/>
+                    <a:p>
+                      <a:pPr marL="0" marR="0" indent="0" algn="ctr" fontAlgn="base" latinLnBrk="0">
+                        <a:lnSpc>
+                          <a:spcPct val="160000"/>
+                        </a:lnSpc>
+                        <a:spcBef>
+                          <a:spcPts val="0"/>
+                        </a:spcBef>
+                        <a:spcAft>
+                          <a:spcPts val="0"/>
+                        </a:spcAft>
+                      </a:pPr>
+                      <a:r>
+                        <a:rPr lang="ko-KR" altLang="en-US" sz="1200" b="1" kern="0" spc="0">
+                          <a:solidFill>
+                            <a:srgbClr val="FFFFFF"/>
+                          </a:solidFill>
+                          <a:latin typeface="나눔명조"/>
+                          <a:ea typeface="나눔명조"/>
+                        </a:rPr>
+                        <a:t>정확도</a:t>
+                      </a:r>
+                      <a:endParaRPr lang="ko-KR" altLang="en-US" sz="1200" b="1" kern="0" spc="0">
+                        <a:solidFill>
+                          <a:srgbClr val="FFFFFF"/>
+                        </a:solidFill>
+                        <a:latin typeface="함초롬바탕"/>
+                      </a:endParaRPr>
+                    </a:p>
+                  </a:txBody>
+                  <a:tcPr marL="64770" marR="64770" marT="17907" marB="17907" anchor="ctr">
+                    <a:lnL>
+                      <a:noFill/>
+                    </a:lnL>
+                    <a:lnR w="10795" cap="flat" cmpd="sng" algn="ctr">
+                      <a:solidFill>
+                        <a:srgbClr val="1C3D62"/>
+                      </a:solidFill>
+                      <a:prstDash val="solid"/>
+                      <a:round/>
+                      <a:headEnd type="none" w="med" len="med"/>
+                      <a:tailEnd type="none" w="med" len="med"/>
+                    </a:lnR>
+                    <a:lnT w="32385" cap="flat" cmpd="sng" algn="ctr">
+                      <a:solidFill>
+                        <a:srgbClr val="FFFFFF"/>
+                      </a:solidFill>
+                      <a:prstDash val="solid"/>
+                      <a:round/>
+                      <a:headEnd type="none" w="med" len="med"/>
+                      <a:tailEnd type="none" w="med" len="med"/>
+                    </a:lnT>
+                    <a:lnB>
+                      <a:noFill/>
+                    </a:lnB>
+                    <a:solidFill>
+                      <a:srgbClr val="262626"/>
+                    </a:solidFill>
+                  </a:tcPr>
+                </a:tc>
+                <a:tc>
+                  <a:txBody>
+                    <a:bodyPr/>
+                    <a:lstStyle/>
+                    <a:p>
+                      <a:pPr marL="0" marR="0" indent="0" algn="ctr" fontAlgn="base" latinLnBrk="0">
+                        <a:lnSpc>
+                          <a:spcPct val="160000"/>
+                        </a:lnSpc>
+                        <a:spcBef>
+                          <a:spcPts val="0"/>
+                        </a:spcBef>
+                        <a:spcAft>
+                          <a:spcPts val="0"/>
+                        </a:spcAft>
+                      </a:pPr>
+                      <a:r>
+                        <a:rPr lang="en-US" sz="1100" b="1" kern="0" spc="0" dirty="0">
+                          <a:solidFill>
+                            <a:srgbClr val="000000"/>
+                          </a:solidFill>
+                          <a:latin typeface="나눔명조"/>
+                          <a:ea typeface="나눔명조"/>
+                        </a:rPr>
+                        <a:t>97.1%</a:t>
+                      </a:r>
+                      <a:endParaRPr lang="en-US" sz="1100" b="1" kern="0" spc="0" dirty="0">
+                        <a:solidFill>
+                          <a:srgbClr val="000000"/>
+                        </a:solidFill>
+                        <a:latin typeface="나눔명조"/>
+                      </a:endParaRPr>
+                    </a:p>
+                  </a:txBody>
+                  <a:tcPr marL="64770" marR="64770" marT="17907" marB="17907" anchor="ctr">
+                    <a:lnL w="10795" cap="flat" cmpd="sng" algn="ctr">
+                      <a:solidFill>
+                        <a:srgbClr val="1C3D62"/>
+                      </a:solidFill>
+                      <a:prstDash val="solid"/>
+                      <a:round/>
+                      <a:headEnd type="none" w="med" len="med"/>
+                      <a:tailEnd type="none" w="med" len="med"/>
+                    </a:lnL>
+                    <a:lnR>
+                      <a:noFill/>
+                    </a:lnR>
+                    <a:lnT w="10795" cap="flat" cmpd="sng" algn="ctr">
+                      <a:solidFill>
+                        <a:srgbClr val="1C3D62"/>
+                      </a:solidFill>
+                      <a:prstDash val="solid"/>
+                      <a:round/>
+                      <a:headEnd type="none" w="med" len="med"/>
+                      <a:tailEnd type="none" w="med" len="med"/>
+                    </a:lnT>
+                    <a:lnB>
+                      <a:noFill/>
+                    </a:lnB>
+                  </a:tcPr>
+                </a:tc>
+              </a:tr>
+            </a:tbl>
+          </a:graphicData>
+        </a:graphic>
+      </p:graphicFrame>
+      <p:sp>
+        <p:nvSpPr>
+          <p:cNvPr id="86" name="TextBox 85"/>
+          <p:cNvSpPr txBox="1"/>
+          <p:nvPr/>
+        </p:nvSpPr>
+        <p:spPr>
+          <a:xfrm>
+            <a:off x="13248482" y="31472278"/>
+            <a:ext cx="12215898" cy="5016758"/>
+          </a:xfrm>
+          <a:prstGeom prst="rect">
+            <a:avLst/>
+          </a:prstGeom>
+          <a:noFill/>
+        </p:spPr>
+        <p:txBody>
+          <a:bodyPr wrap="square" rtlCol="0">
+            <a:spAutoFit/>
+          </a:bodyPr>
+          <a:lstStyle/>
+          <a:p>
+            <a:r>
+              <a:rPr lang="en-US" altLang="ko-KR" sz="3200" dirty="0" smtClean="0">
+                <a:latin typeface="KoPub돋움체 Light" pitchFamily="2" charset="-127"/>
+                <a:ea typeface="KoPub돋움체 Light" pitchFamily="2" charset="-127"/>
+              </a:rPr>
+              <a:t> </a:t>
+            </a:r>
+            <a:r>
+              <a:rPr lang="ko-KR" altLang="en-US" sz="3200" dirty="0" smtClean="0">
+                <a:latin typeface="KoPub돋움체 Light" pitchFamily="2" charset="-127"/>
+                <a:ea typeface="KoPub돋움체 Light" pitchFamily="2" charset="-127"/>
+              </a:rPr>
+              <a:t>인공지능 분야는 미래를 이끌어나갈 주역이자</a:t>
+            </a:r>
+            <a:r>
+              <a:rPr lang="en-US" altLang="ko-KR" sz="3200" dirty="0" smtClean="0">
+                <a:latin typeface="KoPub돋움체 Light" pitchFamily="2" charset="-127"/>
+                <a:ea typeface="KoPub돋움체 Light" pitchFamily="2" charset="-127"/>
+              </a:rPr>
+              <a:t>, </a:t>
+            </a:r>
+            <a:r>
+              <a:rPr lang="ko-KR" altLang="en-US" sz="3200" dirty="0" smtClean="0">
+                <a:latin typeface="KoPub돋움체 Light" pitchFamily="2" charset="-127"/>
+                <a:ea typeface="KoPub돋움체 Light" pitchFamily="2" charset="-127"/>
+              </a:rPr>
+              <a:t>현 시점에서 가장 양성해야 할 분야이다</a:t>
+            </a:r>
+            <a:r>
+              <a:rPr lang="en-US" altLang="ko-KR" sz="3200" dirty="0" smtClean="0">
+                <a:latin typeface="KoPub돋움체 Light" pitchFamily="2" charset="-127"/>
+                <a:ea typeface="KoPub돋움체 Light" pitchFamily="2" charset="-127"/>
+              </a:rPr>
+              <a:t>. </a:t>
+            </a:r>
+            <a:r>
+              <a:rPr lang="ko-KR" altLang="en-US" sz="3200" dirty="0" smtClean="0">
+                <a:latin typeface="KoPub돋움체 Light" pitchFamily="2" charset="-127"/>
+                <a:ea typeface="KoPub돋움체 Light" pitchFamily="2" charset="-127"/>
+              </a:rPr>
+              <a:t>중국은 이미 초등학교에 인공지능 교과를 도입하는 것을 </a:t>
+            </a:r>
+            <a:r>
+              <a:rPr lang="ko-KR" altLang="en-US" sz="3200" dirty="0" err="1" smtClean="0">
+                <a:latin typeface="KoPub돋움체 Light" pitchFamily="2" charset="-127"/>
+                <a:ea typeface="KoPub돋움체 Light" pitchFamily="2" charset="-127"/>
+              </a:rPr>
+              <a:t>검토중이며</a:t>
+            </a:r>
+            <a:r>
+              <a:rPr lang="en-US" altLang="ko-KR" sz="3200" dirty="0" smtClean="0">
+                <a:latin typeface="KoPub돋움체 Light" pitchFamily="2" charset="-127"/>
+                <a:ea typeface="KoPub돋움체 Light" pitchFamily="2" charset="-127"/>
+              </a:rPr>
+              <a:t>, </a:t>
+            </a:r>
+            <a:r>
+              <a:rPr lang="ko-KR" altLang="en-US" sz="3200" dirty="0" smtClean="0">
+                <a:latin typeface="KoPub돋움체 Light" pitchFamily="2" charset="-127"/>
+                <a:ea typeface="KoPub돋움체 Light" pitchFamily="2" charset="-127"/>
+              </a:rPr>
+              <a:t>국가적으로 전폭적인 지원을 시행하고 있다</a:t>
+            </a:r>
+            <a:r>
+              <a:rPr lang="en-US" altLang="ko-KR" sz="3200" dirty="0" smtClean="0">
+                <a:latin typeface="KoPub돋움체 Light" pitchFamily="2" charset="-127"/>
+                <a:ea typeface="KoPub돋움체 Light" pitchFamily="2" charset="-127"/>
+              </a:rPr>
+              <a:t>. </a:t>
+            </a:r>
+            <a:r>
+              <a:rPr lang="ko-KR" altLang="en-US" sz="3200" dirty="0" smtClean="0">
+                <a:latin typeface="KoPub돋움체 Light" pitchFamily="2" charset="-127"/>
+                <a:ea typeface="KoPub돋움체 Light" pitchFamily="2" charset="-127"/>
+              </a:rPr>
+              <a:t>이 결과로 중국은 인공지능 분야에서 굉장한 영향력을 행사하게 되었고</a:t>
+            </a:r>
+            <a:r>
+              <a:rPr lang="en-US" altLang="ko-KR" sz="3200" dirty="0" smtClean="0">
+                <a:latin typeface="KoPub돋움체 Light" pitchFamily="2" charset="-127"/>
+                <a:ea typeface="KoPub돋움체 Light" pitchFamily="2" charset="-127"/>
+              </a:rPr>
+              <a:t>, </a:t>
+            </a:r>
+            <a:r>
+              <a:rPr lang="ko-KR" altLang="en-US" sz="3200" dirty="0" smtClean="0">
+                <a:latin typeface="KoPub돋움체 Light" pitchFamily="2" charset="-127"/>
+                <a:ea typeface="KoPub돋움체 Light" pitchFamily="2" charset="-127"/>
+              </a:rPr>
+              <a:t>이는 곧 국력의 강화를 가져왔다</a:t>
+            </a:r>
+            <a:r>
+              <a:rPr lang="en-US" altLang="ko-KR" sz="3200" dirty="0" smtClean="0">
+                <a:latin typeface="KoPub돋움체 Light" pitchFamily="2" charset="-127"/>
+                <a:ea typeface="KoPub돋움체 Light" pitchFamily="2" charset="-127"/>
+              </a:rPr>
+              <a:t>. </a:t>
+            </a:r>
+            <a:r>
+              <a:rPr lang="ko-KR" altLang="en-US" sz="3200" dirty="0" smtClean="0">
+                <a:latin typeface="KoPub돋움체 Light" pitchFamily="2" charset="-127"/>
+                <a:ea typeface="KoPub돋움체 Light" pitchFamily="2" charset="-127"/>
+              </a:rPr>
+              <a:t>우리나라 또한</a:t>
+            </a:r>
+            <a:r>
+              <a:rPr lang="en-US" altLang="ko-KR" sz="3200" dirty="0" smtClean="0">
+                <a:latin typeface="KoPub돋움체 Light" pitchFamily="2" charset="-127"/>
+                <a:ea typeface="KoPub돋움체 Light" pitchFamily="2" charset="-127"/>
+              </a:rPr>
+              <a:t>, </a:t>
+            </a:r>
+            <a:r>
+              <a:rPr lang="ko-KR" altLang="en-US" sz="3200" dirty="0" smtClean="0">
+                <a:latin typeface="KoPub돋움체 Light" pitchFamily="2" charset="-127"/>
+                <a:ea typeface="KoPub돋움체 Light" pitchFamily="2" charset="-127"/>
+              </a:rPr>
+              <a:t>인공지능 분야를 지원하고 이를 뒷받침할 연구를 시행해야 한다</a:t>
+            </a:r>
+            <a:r>
+              <a:rPr lang="en-US" altLang="ko-KR" sz="3200" dirty="0" smtClean="0">
+                <a:latin typeface="KoPub돋움체 Light" pitchFamily="2" charset="-127"/>
+                <a:ea typeface="KoPub돋움체 Light" pitchFamily="2" charset="-127"/>
+              </a:rPr>
+              <a:t>. </a:t>
+            </a:r>
+            <a:r>
+              <a:rPr lang="ko-KR" altLang="en-US" sz="3200" dirty="0" smtClean="0">
+                <a:latin typeface="KoPub돋움체 Light" pitchFamily="2" charset="-127"/>
+                <a:ea typeface="KoPub돋움체 Light" pitchFamily="2" charset="-127"/>
+              </a:rPr>
+              <a:t>본 탐구에서 실험한 성능 개선 방법은 앞으로 발전할 인공지능 기술에 응용될 수 있다</a:t>
+            </a:r>
+            <a:r>
+              <a:rPr lang="en-US" altLang="ko-KR" sz="3200" dirty="0" smtClean="0">
+                <a:latin typeface="KoPub돋움체 Light" pitchFamily="2" charset="-127"/>
+                <a:ea typeface="KoPub돋움체 Light" pitchFamily="2" charset="-127"/>
+              </a:rPr>
+              <a:t>. </a:t>
+            </a:r>
+            <a:r>
+              <a:rPr lang="ko-KR" altLang="en-US" sz="3200" dirty="0" smtClean="0">
+                <a:latin typeface="KoPub돋움체 Light" pitchFamily="2" charset="-127"/>
+                <a:ea typeface="KoPub돋움체 Light" pitchFamily="2" charset="-127"/>
+              </a:rPr>
+              <a:t>미니배치의 경우 속도 문제에 민감한 웹 관련 </a:t>
+            </a:r>
+            <a:r>
+              <a:rPr lang="en-US" altLang="ko-KR" sz="3200" dirty="0" smtClean="0">
+                <a:latin typeface="KoPub돋움체 Light" pitchFamily="2" charset="-127"/>
+                <a:ea typeface="KoPub돋움체 Light" pitchFamily="2" charset="-127"/>
+              </a:rPr>
+              <a:t>AI </a:t>
+            </a:r>
+            <a:r>
+              <a:rPr lang="ko-KR" altLang="en-US" sz="3200" dirty="0" smtClean="0">
+                <a:latin typeface="KoPub돋움체 Light" pitchFamily="2" charset="-127"/>
+                <a:ea typeface="KoPub돋움체 Light" pitchFamily="2" charset="-127"/>
+              </a:rPr>
+              <a:t>기술이나 게임 </a:t>
+            </a:r>
+            <a:r>
+              <a:rPr lang="en-US" altLang="ko-KR" sz="3200" dirty="0" smtClean="0">
+                <a:latin typeface="KoPub돋움체 Light" pitchFamily="2" charset="-127"/>
+                <a:ea typeface="KoPub돋움체 Light" pitchFamily="2" charset="-127"/>
+              </a:rPr>
+              <a:t>AI</a:t>
+            </a:r>
+            <a:r>
+              <a:rPr lang="ko-KR" altLang="en-US" sz="3200" dirty="0" smtClean="0">
+                <a:latin typeface="KoPub돋움체 Light" pitchFamily="2" charset="-127"/>
+                <a:ea typeface="KoPub돋움체 Light" pitchFamily="2" charset="-127"/>
+              </a:rPr>
+              <a:t>에</a:t>
+            </a:r>
+            <a:r>
+              <a:rPr lang="en-US" altLang="ko-KR" sz="3200" dirty="0" smtClean="0">
+                <a:latin typeface="KoPub돋움체 Light" pitchFamily="2" charset="-127"/>
+                <a:ea typeface="KoPub돋움체 Light" pitchFamily="2" charset="-127"/>
+              </a:rPr>
+              <a:t>, </a:t>
+            </a:r>
+            <a:r>
+              <a:rPr lang="ko-KR" altLang="en-US" sz="3200" dirty="0" smtClean="0">
+                <a:latin typeface="KoPub돋움체 Light" pitchFamily="2" charset="-127"/>
+                <a:ea typeface="KoPub돋움체 Light" pitchFamily="2" charset="-127"/>
+              </a:rPr>
+              <a:t>가중치 감쇠는 정확도에 민감한 주가예측 혹은 이미지</a:t>
+            </a:r>
+            <a:r>
+              <a:rPr lang="en-US" altLang="ko-KR" sz="3200" dirty="0" smtClean="0">
+                <a:latin typeface="KoPub돋움체 Light" pitchFamily="2" charset="-127"/>
+                <a:ea typeface="KoPub돋움체 Light" pitchFamily="2" charset="-127"/>
+              </a:rPr>
+              <a:t>/</a:t>
+            </a:r>
+            <a:r>
+              <a:rPr lang="ko-KR" altLang="en-US" sz="3200" dirty="0" smtClean="0">
+                <a:latin typeface="KoPub돋움체 Light" pitchFamily="2" charset="-127"/>
+                <a:ea typeface="KoPub돋움체 Light" pitchFamily="2" charset="-127"/>
+              </a:rPr>
+              <a:t>비디오 처리 등에 응용될 수 있다</a:t>
+            </a:r>
+            <a:r>
+              <a:rPr lang="en-US" altLang="ko-KR" sz="3200" dirty="0" smtClean="0">
+                <a:latin typeface="KoPub돋움체 Light" pitchFamily="2" charset="-127"/>
+                <a:ea typeface="KoPub돋움체 Light" pitchFamily="2" charset="-127"/>
+              </a:rPr>
+              <a:t>. </a:t>
+            </a:r>
+            <a:r>
+              <a:rPr lang="ko-KR" altLang="en-US" sz="3200" dirty="0" smtClean="0">
+                <a:latin typeface="KoPub돋움체 Light" pitchFamily="2" charset="-127"/>
+                <a:ea typeface="KoPub돋움체 Light" pitchFamily="2" charset="-127"/>
+              </a:rPr>
+              <a:t>본 탐구의 실험 결과가 이와 같은 기술 발전의 지표로 사용하고자 한다</a:t>
+            </a:r>
+            <a:endParaRPr lang="ko-KR" altLang="en-US" sz="3200" dirty="0">
+              <a:latin typeface="KoPub돋움체 Light" pitchFamily="2" charset="-127"/>
+              <a:ea typeface="KoPub돋움체 Light" pitchFamily="2" charset="-127"/>
+            </a:endParaRPr>
+          </a:p>
+        </p:txBody>
+      </p:sp>
+      <p:sp>
+        <p:nvSpPr>
+          <p:cNvPr id="87" name="TextBox 86"/>
+          <p:cNvSpPr txBox="1"/>
+          <p:nvPr/>
+        </p:nvSpPr>
+        <p:spPr>
+          <a:xfrm>
+            <a:off x="20463720" y="25328610"/>
+            <a:ext cx="5072099" cy="1015663"/>
+          </a:xfrm>
+          <a:prstGeom prst="rect">
+            <a:avLst/>
+          </a:prstGeom>
+          <a:noFill/>
+        </p:spPr>
+        <p:txBody>
+          <a:bodyPr wrap="square" rtlCol="0">
+            <a:spAutoFit/>
+          </a:bodyPr>
+          <a:lstStyle/>
+          <a:p>
+            <a:r>
+              <a:rPr lang="ko-KR" altLang="en-US" sz="2000" dirty="0" smtClean="0">
+                <a:latin typeface="KoPub돋움체 Light" pitchFamily="2" charset="-127"/>
+                <a:ea typeface="KoPub돋움체 Light" pitchFamily="2" charset="-127"/>
+              </a:rPr>
+              <a:t>이 자료는 일반 </a:t>
+            </a:r>
+            <a:endParaRPr lang="en-US" altLang="ko-KR" sz="2000" dirty="0" smtClean="0">
+              <a:latin typeface="KoPub돋움체 Light" pitchFamily="2" charset="-127"/>
+              <a:ea typeface="KoPub돋움체 Light" pitchFamily="2" charset="-127"/>
+            </a:endParaRPr>
+          </a:p>
+          <a:p>
+            <a:r>
+              <a:rPr lang="en-US" altLang="ko-KR" sz="2000" dirty="0" smtClean="0">
+                <a:latin typeface="KoPub돋움체 Light" pitchFamily="2" charset="-127"/>
+                <a:ea typeface="KoPub돋움체 Light" pitchFamily="2" charset="-127"/>
+              </a:rPr>
+              <a:t>Feed-Forward </a:t>
+            </a:r>
+            <a:r>
+              <a:rPr lang="en-US" altLang="ko-KR" sz="2000" dirty="0" smtClean="0">
+                <a:latin typeface="KoPub돋움체 Light" pitchFamily="2" charset="-127"/>
+                <a:ea typeface="KoPub돋움체 Light" pitchFamily="2" charset="-127"/>
+              </a:rPr>
+              <a:t>NN</a:t>
+            </a:r>
+            <a:r>
+              <a:rPr lang="ko-KR" altLang="en-US" sz="2000" dirty="0" smtClean="0">
+                <a:latin typeface="KoPub돋움체 Light" pitchFamily="2" charset="-127"/>
+                <a:ea typeface="KoPub돋움체 Light" pitchFamily="2" charset="-127"/>
+              </a:rPr>
+              <a:t>의 </a:t>
+            </a:r>
+            <a:endParaRPr lang="en-US" altLang="ko-KR" sz="2000" dirty="0" smtClean="0">
+              <a:latin typeface="KoPub돋움체 Light" pitchFamily="2" charset="-127"/>
+              <a:ea typeface="KoPub돋움체 Light" pitchFamily="2" charset="-127"/>
+            </a:endParaRPr>
+          </a:p>
+          <a:p>
+            <a:r>
+              <a:rPr lang="ko-KR" altLang="en-US" sz="2000" dirty="0" smtClean="0">
+                <a:latin typeface="KoPub돋움체 Light" pitchFamily="2" charset="-127"/>
+                <a:ea typeface="KoPub돋움체 Light" pitchFamily="2" charset="-127"/>
+              </a:rPr>
+              <a:t>성능 자료이다</a:t>
+            </a:r>
+            <a:r>
+              <a:rPr lang="en-US" altLang="ko-KR" sz="2000" dirty="0" smtClean="0">
+                <a:latin typeface="KoPub돋움체 Light" pitchFamily="2" charset="-127"/>
+                <a:ea typeface="KoPub돋움체 Light" pitchFamily="2" charset="-127"/>
+              </a:rPr>
+              <a:t>.</a:t>
+            </a:r>
+            <a:endParaRPr lang="ko-KR" altLang="en-US" sz="2000" dirty="0">
+              <a:latin typeface="KoPub돋움체 Light" pitchFamily="2" charset="-127"/>
+              <a:ea typeface="KoPub돋움체 Light" pitchFamily="2" charset="-127"/>
+            </a:endParaRPr>
+          </a:p>
+        </p:txBody>
+      </p:sp>
+      <p:sp>
+        <p:nvSpPr>
+          <p:cNvPr id="88" name="TextBox 87"/>
+          <p:cNvSpPr txBox="1"/>
+          <p:nvPr/>
+        </p:nvSpPr>
+        <p:spPr>
+          <a:xfrm>
+            <a:off x="20463720" y="27257436"/>
+            <a:ext cx="5072099" cy="1631216"/>
+          </a:xfrm>
+          <a:prstGeom prst="rect">
+            <a:avLst/>
+          </a:prstGeom>
+          <a:noFill/>
+        </p:spPr>
+        <p:txBody>
+          <a:bodyPr wrap="square" rtlCol="0">
+            <a:spAutoFit/>
+          </a:bodyPr>
+          <a:lstStyle/>
+          <a:p>
+            <a:r>
+              <a:rPr lang="ko-KR" altLang="en-US" sz="2000" dirty="0" smtClean="0">
+                <a:latin typeface="KoPub돋움체 Light" pitchFamily="2" charset="-127"/>
+                <a:ea typeface="KoPub돋움체 Light" pitchFamily="2" charset="-127"/>
+              </a:rPr>
+              <a:t>이 자료는 가중치 감쇠를 </a:t>
+            </a:r>
+            <a:endParaRPr lang="en-US" altLang="ko-KR" sz="2000" dirty="0" smtClean="0">
+              <a:latin typeface="KoPub돋움체 Light" pitchFamily="2" charset="-127"/>
+              <a:ea typeface="KoPub돋움체 Light" pitchFamily="2" charset="-127"/>
+            </a:endParaRPr>
+          </a:p>
+          <a:p>
+            <a:r>
+              <a:rPr lang="ko-KR" altLang="en-US" sz="2000" dirty="0" smtClean="0">
+                <a:latin typeface="KoPub돋움체 Light" pitchFamily="2" charset="-127"/>
+                <a:ea typeface="KoPub돋움체 Light" pitchFamily="2" charset="-127"/>
+              </a:rPr>
+              <a:t>적용한 신경망의 성능 지표로</a:t>
+            </a:r>
+            <a:r>
+              <a:rPr lang="en-US" altLang="ko-KR" sz="2000" dirty="0" smtClean="0">
+                <a:latin typeface="KoPub돋움체 Light" pitchFamily="2" charset="-127"/>
+                <a:ea typeface="KoPub돋움체 Light" pitchFamily="2" charset="-127"/>
+              </a:rPr>
+              <a:t>, </a:t>
+            </a:r>
+            <a:r>
+              <a:rPr lang="ko-KR" altLang="en-US" sz="2000" dirty="0" smtClean="0">
+                <a:latin typeface="KoPub돋움체 Light" pitchFamily="2" charset="-127"/>
+                <a:ea typeface="KoPub돋움체 Light" pitchFamily="2" charset="-127"/>
+              </a:rPr>
+              <a:t>전역 최솟값에 가까워져 </a:t>
+            </a:r>
+            <a:endParaRPr lang="en-US" altLang="ko-KR" sz="2000" dirty="0" smtClean="0">
+              <a:latin typeface="KoPub돋움체 Light" pitchFamily="2" charset="-127"/>
+              <a:ea typeface="KoPub돋움체 Light" pitchFamily="2" charset="-127"/>
+            </a:endParaRPr>
+          </a:p>
+          <a:p>
+            <a:r>
+              <a:rPr lang="ko-KR" altLang="en-US" sz="2000" dirty="0" smtClean="0">
+                <a:latin typeface="KoPub돋움체 Light" pitchFamily="2" charset="-127"/>
+                <a:ea typeface="KoPub돋움체 Light" pitchFamily="2" charset="-127"/>
+              </a:rPr>
+              <a:t>정확도가 올라갔음을 </a:t>
+            </a:r>
+            <a:endParaRPr lang="en-US" altLang="ko-KR" sz="2000" dirty="0" smtClean="0">
+              <a:latin typeface="KoPub돋움체 Light" pitchFamily="2" charset="-127"/>
+              <a:ea typeface="KoPub돋움체 Light" pitchFamily="2" charset="-127"/>
+            </a:endParaRPr>
+          </a:p>
+          <a:p>
+            <a:r>
+              <a:rPr lang="ko-KR" altLang="en-US" sz="2000" dirty="0" smtClean="0">
+                <a:latin typeface="KoPub돋움체 Light" pitchFamily="2" charset="-127"/>
+                <a:ea typeface="KoPub돋움체 Light" pitchFamily="2" charset="-127"/>
+              </a:rPr>
+              <a:t>관측할 수 있다</a:t>
+            </a:r>
+            <a:r>
+              <a:rPr lang="en-US" altLang="ko-KR" sz="2000" dirty="0" smtClean="0">
+                <a:latin typeface="KoPub돋움체 Light" pitchFamily="2" charset="-127"/>
+                <a:ea typeface="KoPub돋움체 Light" pitchFamily="2" charset="-127"/>
+              </a:rPr>
+              <a:t>.</a:t>
+            </a:r>
+            <a:endParaRPr lang="ko-KR" altLang="en-US" sz="2000" dirty="0">
+              <a:latin typeface="KoPub돋움체 Light" pitchFamily="2" charset="-127"/>
+              <a:ea typeface="KoPub돋움체 Light" pitchFamily="2" charset="-127"/>
+            </a:endParaRPr>
+          </a:p>
+        </p:txBody>
+      </p:sp>
+      <p:sp>
+        <p:nvSpPr>
+          <p:cNvPr id="91" name="TextBox 90"/>
+          <p:cNvSpPr txBox="1"/>
+          <p:nvPr/>
+        </p:nvSpPr>
+        <p:spPr>
+          <a:xfrm>
+            <a:off x="20535158" y="29329138"/>
+            <a:ext cx="5072099" cy="1631216"/>
+          </a:xfrm>
+          <a:prstGeom prst="rect">
+            <a:avLst/>
+          </a:prstGeom>
+          <a:noFill/>
+        </p:spPr>
+        <p:txBody>
+          <a:bodyPr wrap="square" rtlCol="0">
+            <a:spAutoFit/>
+          </a:bodyPr>
+          <a:lstStyle/>
+          <a:p>
+            <a:r>
+              <a:rPr lang="ko-KR" altLang="en-US" sz="2000" dirty="0" smtClean="0">
+                <a:latin typeface="KoPub돋움체 Light" pitchFamily="2" charset="-127"/>
+                <a:ea typeface="KoPub돋움체 Light" pitchFamily="2" charset="-127"/>
+              </a:rPr>
+              <a:t>이 자료는 </a:t>
+            </a:r>
+            <a:r>
+              <a:rPr lang="en-US" altLang="ko-KR" sz="2000" dirty="0" err="1" smtClean="0">
+                <a:latin typeface="KoPub돋움체 Light" pitchFamily="2" charset="-127"/>
+                <a:ea typeface="KoPub돋움체 Light" pitchFamily="2" charset="-127"/>
+              </a:rPr>
+              <a:t>Minibatch</a:t>
+            </a:r>
+            <a:r>
+              <a:rPr lang="ko-KR" altLang="en-US" sz="2000" dirty="0" smtClean="0">
+                <a:latin typeface="KoPub돋움체 Light" pitchFamily="2" charset="-127"/>
+                <a:ea typeface="KoPub돋움체 Light" pitchFamily="2" charset="-127"/>
+              </a:rPr>
+              <a:t>를 적용한 신경망의 성능</a:t>
+            </a:r>
+            <a:endParaRPr lang="en-US" altLang="ko-KR" sz="2000" dirty="0" smtClean="0">
+              <a:latin typeface="KoPub돋움체 Light" pitchFamily="2" charset="-127"/>
+              <a:ea typeface="KoPub돋움체 Light" pitchFamily="2" charset="-127"/>
+            </a:endParaRPr>
+          </a:p>
+          <a:p>
+            <a:r>
+              <a:rPr lang="ko-KR" altLang="en-US" sz="2000" dirty="0" smtClean="0">
+                <a:latin typeface="KoPub돋움체 Light" pitchFamily="2" charset="-127"/>
+                <a:ea typeface="KoPub돋움체 Light" pitchFamily="2" charset="-127"/>
+              </a:rPr>
+              <a:t>지표로</a:t>
+            </a:r>
+            <a:r>
+              <a:rPr lang="en-US" altLang="ko-KR" sz="2000" dirty="0" smtClean="0">
+                <a:latin typeface="KoPub돋움체 Light" pitchFamily="2" charset="-127"/>
+                <a:ea typeface="KoPub돋움체 Light" pitchFamily="2" charset="-127"/>
+              </a:rPr>
+              <a:t>, </a:t>
+            </a:r>
+            <a:r>
+              <a:rPr lang="ko-KR" altLang="en-US" sz="2000" dirty="0" smtClean="0">
+                <a:latin typeface="KoPub돋움체 Light" pitchFamily="2" charset="-127"/>
+                <a:ea typeface="KoPub돋움체 Light" pitchFamily="2" charset="-127"/>
+              </a:rPr>
+              <a:t>속도가 비약적으로 상승했으나 </a:t>
+            </a:r>
+            <a:r>
+              <a:rPr lang="ko-KR" altLang="en-US" sz="2000" dirty="0" smtClean="0">
+                <a:latin typeface="KoPub돋움체 Light" pitchFamily="2" charset="-127"/>
+                <a:ea typeface="KoPub돋움체 Light" pitchFamily="2" charset="-127"/>
+              </a:rPr>
+              <a:t>정확도가 떨어졌음을 관측할 수 있다</a:t>
+            </a:r>
+            <a:r>
+              <a:rPr lang="en-US" altLang="ko-KR" sz="2000" dirty="0" smtClean="0">
+                <a:latin typeface="KoPub돋움체 Light" pitchFamily="2" charset="-127"/>
+                <a:ea typeface="KoPub돋움체 Light" pitchFamily="2" charset="-127"/>
+              </a:rPr>
+              <a:t>. </a:t>
+            </a:r>
+            <a:r>
+              <a:rPr lang="ko-KR" altLang="en-US" sz="2000" dirty="0" smtClean="0">
+                <a:latin typeface="KoPub돋움체 Light" pitchFamily="2" charset="-127"/>
+                <a:ea typeface="KoPub돋움체 Light" pitchFamily="2" charset="-127"/>
+              </a:rPr>
+              <a:t> 큰 데이터세트에서 사용하는 등의 방법을 응용하면 성능 향상을 기대할 수 있을 것이다</a:t>
+            </a:r>
+            <a:r>
+              <a:rPr lang="en-US" altLang="ko-KR" sz="2000" dirty="0" smtClean="0">
+                <a:latin typeface="KoPub돋움체 Light" pitchFamily="2" charset="-127"/>
+                <a:ea typeface="KoPub돋움체 Light" pitchFamily="2" charset="-127"/>
+              </a:rPr>
+              <a:t>.</a:t>
+            </a:r>
+            <a:endParaRPr lang="en-US" altLang="ko-KR" sz="2000" dirty="0" smtClean="0">
+              <a:latin typeface="KoPub돋움체 Light" pitchFamily="2" charset="-127"/>
+              <a:ea typeface="KoPub돋움체 Light" pitchFamily="2" charset="-127"/>
+            </a:endParaRPr>
+          </a:p>
+        </p:txBody>
+      </p:sp>
+      <p:pic>
+        <p:nvPicPr>
+          <p:cNvPr id="1026" name="Picture 2" descr="[교양공감] 냉동인간에 대한 모든 것"/>
+          <p:cNvPicPr>
+            <a:picLocks noChangeAspect="1" noChangeArrowheads="1"/>
+          </p:cNvPicPr>
+          <p:nvPr/>
+        </p:nvPicPr>
+        <p:blipFill>
+          <a:blip r:embed="rId22"/>
+          <a:srcRect/>
+          <a:stretch>
+            <a:fillRect/>
+          </a:stretch>
+        </p:blipFill>
+        <p:spPr bwMode="auto">
+          <a:xfrm>
+            <a:off x="1175459" y="7040482"/>
+            <a:ext cx="4167355" cy="2343284"/>
+          </a:xfrm>
+          <a:prstGeom prst="rect">
+            <a:avLst/>
+          </a:prstGeom>
+          <a:noFill/>
+        </p:spPr>
+      </p:pic>
+      <p:sp>
+        <p:nvSpPr>
+          <p:cNvPr id="134" name="오른쪽 화살표 133"/>
+          <p:cNvSpPr/>
+          <p:nvPr/>
+        </p:nvSpPr>
+        <p:spPr>
+          <a:xfrm>
+            <a:off x="5818930" y="7826300"/>
+            <a:ext cx="1298015" cy="642942"/>
+          </a:xfrm>
+          <a:prstGeom prst="rightArrow">
+            <a:avLst/>
+          </a:prstGeom>
+          <a:solidFill>
+            <a:schemeClr val="accent4"/>
+          </a:solidFill>
+          <a:ln>
+            <a:noFill/>
+          </a:ln>
+        </p:spPr>
+        <p:style>
+          <a:lnRef idx="2">
+            <a:schemeClr val="accent1">
+              <a:shade val="50000"/>
+            </a:schemeClr>
+          </a:lnRef>
+          <a:fillRef idx="1">
+            <a:schemeClr val="accent1"/>
+          </a:fillRef>
+          <a:effectRef idx="0">
+            <a:schemeClr val="accent1"/>
+          </a:effectRef>
+          <a:fontRef idx="minor">
+            <a:schemeClr val="lt1"/>
+          </a:fontRef>
+        </p:style>
+        <p:txBody>
+          <a:bodyPr rtlCol="0" anchor="ctr"/>
+          <a:lstStyle/>
+          <a:p>
+            <a:pPr algn="ctr"/>
+            <a:endParaRPr lang="ko-KR" altLang="en-US"/>
           </a:p>
         </p:txBody>
       </p:sp>
